--- a/presentation.pptx
+++ b/presentation.pptx
@@ -27,7 +27,7 @@
     <p:sldId id="274" r:id="rId22"/>
   </p:sldIdLst>
   <p:sldSz cx="12192000" cy="6858000"/>
-  <p:notesSz cx="6858000" cy="9144000"/>
+  <p:notesSz cx="7772400" cy="10058400"/>
 </p:presentation>
 </file>
 
@@ -82,8 +82,8 @@
         </p:nvSpPr>
         <p:spPr>
           <a:xfrm>
-            <a:off x="406440" y="260640"/>
-            <a:ext cx="10972440" cy="552600"/>
+            <a:off x="609480" y="273600"/>
+            <a:ext cx="10972440" cy="1144800"/>
           </a:xfrm>
           <a:prstGeom prst="rect">
             <a:avLst/>
@@ -98,11 +98,11 @@
             <a:noAutofit/>
           </a:bodyPr>
           <a:p>
-            <a:endParaRPr b="0" lang="en-US" sz="1800" spc="-1" strike="noStrike">
-              <a:solidFill>
-                <a:srgbClr val="000000"/>
-              </a:solidFill>
-              <a:latin typeface="Verdana"/>
+            <a:pPr algn="ctr">
+              <a:buNone/>
+            </a:pPr>
+            <a:endParaRPr b="0" lang="en-US" sz="4400" spc="-1" strike="noStrike">
+              <a:latin typeface="Arial"/>
             </a:endParaRPr>
           </a:p>
         </p:txBody>
@@ -119,8 +119,8 @@
         </p:nvSpPr>
         <p:spPr>
           <a:xfrm>
-            <a:off x="609480" y="1052640"/>
-            <a:ext cx="10972440" cy="2419560"/>
+            <a:off x="609480" y="1604520"/>
+            <a:ext cx="10972440" cy="1896840"/>
           </a:xfrm>
           <a:prstGeom prst="rect">
             <a:avLst/>
@@ -135,11 +135,8 @@
             <a:normAutofit/>
           </a:bodyPr>
           <a:p>
-            <a:endParaRPr b="0" lang="en-US" sz="2000" spc="-1" strike="noStrike">
-              <a:solidFill>
-                <a:srgbClr val="000000"/>
-              </a:solidFill>
-              <a:latin typeface="Verdana"/>
+            <a:endParaRPr b="0" lang="en-US" sz="3200" spc="-1" strike="noStrike">
+              <a:latin typeface="Arial"/>
             </a:endParaRPr>
           </a:p>
         </p:txBody>
@@ -156,8 +153,8 @@
         </p:nvSpPr>
         <p:spPr>
           <a:xfrm>
-            <a:off x="609480" y="3702600"/>
-            <a:ext cx="10972440" cy="2419560"/>
+            <a:off x="609480" y="3682080"/>
+            <a:ext cx="10972440" cy="1896840"/>
           </a:xfrm>
           <a:prstGeom prst="rect">
             <a:avLst/>
@@ -172,11 +169,8 @@
             <a:normAutofit/>
           </a:bodyPr>
           <a:p>
-            <a:endParaRPr b="0" lang="en-US" sz="2000" spc="-1" strike="noStrike">
-              <a:solidFill>
-                <a:srgbClr val="000000"/>
-              </a:solidFill>
-              <a:latin typeface="Verdana"/>
+            <a:endParaRPr b="0" lang="en-US" sz="3200" spc="-1" strike="noStrike">
+              <a:latin typeface="Arial"/>
             </a:endParaRPr>
           </a:p>
         </p:txBody>
@@ -215,8 +209,8 @@
         </p:nvSpPr>
         <p:spPr>
           <a:xfrm>
-            <a:off x="406440" y="260640"/>
-            <a:ext cx="10972440" cy="552600"/>
+            <a:off x="609480" y="273600"/>
+            <a:ext cx="10972440" cy="1144800"/>
           </a:xfrm>
           <a:prstGeom prst="rect">
             <a:avLst/>
@@ -231,11 +225,11 @@
             <a:noAutofit/>
           </a:bodyPr>
           <a:p>
-            <a:endParaRPr b="0" lang="en-US" sz="1800" spc="-1" strike="noStrike">
-              <a:solidFill>
-                <a:srgbClr val="000000"/>
-              </a:solidFill>
-              <a:latin typeface="Verdana"/>
+            <a:pPr algn="ctr">
+              <a:buNone/>
+            </a:pPr>
+            <a:endParaRPr b="0" lang="en-US" sz="4400" spc="-1" strike="noStrike">
+              <a:latin typeface="Arial"/>
             </a:endParaRPr>
           </a:p>
         </p:txBody>
@@ -252,8 +246,8 @@
         </p:nvSpPr>
         <p:spPr>
           <a:xfrm>
-            <a:off x="609480" y="1052640"/>
-            <a:ext cx="5354280" cy="2419560"/>
+            <a:off x="609480" y="1604520"/>
+            <a:ext cx="5354280" cy="1896840"/>
           </a:xfrm>
           <a:prstGeom prst="rect">
             <a:avLst/>
@@ -268,11 +262,8 @@
             <a:normAutofit/>
           </a:bodyPr>
           <a:p>
-            <a:endParaRPr b="0" lang="en-US" sz="2000" spc="-1" strike="noStrike">
-              <a:solidFill>
-                <a:srgbClr val="000000"/>
-              </a:solidFill>
-              <a:latin typeface="Verdana"/>
+            <a:endParaRPr b="0" lang="en-US" sz="3200" spc="-1" strike="noStrike">
+              <a:latin typeface="Arial"/>
             </a:endParaRPr>
           </a:p>
         </p:txBody>
@@ -289,8 +280,8 @@
         </p:nvSpPr>
         <p:spPr>
           <a:xfrm>
-            <a:off x="6231960" y="1052640"/>
-            <a:ext cx="5354280" cy="2419560"/>
+            <a:off x="6231960" y="1604520"/>
+            <a:ext cx="5354280" cy="1896840"/>
           </a:xfrm>
           <a:prstGeom prst="rect">
             <a:avLst/>
@@ -305,11 +296,8 @@
             <a:normAutofit/>
           </a:bodyPr>
           <a:p>
-            <a:endParaRPr b="0" lang="en-US" sz="2000" spc="-1" strike="noStrike">
-              <a:solidFill>
-                <a:srgbClr val="000000"/>
-              </a:solidFill>
-              <a:latin typeface="Verdana"/>
+            <a:endParaRPr b="0" lang="en-US" sz="3200" spc="-1" strike="noStrike">
+              <a:latin typeface="Arial"/>
             </a:endParaRPr>
           </a:p>
         </p:txBody>
@@ -326,8 +314,8 @@
         </p:nvSpPr>
         <p:spPr>
           <a:xfrm>
-            <a:off x="609480" y="3702600"/>
-            <a:ext cx="5354280" cy="2419560"/>
+            <a:off x="609480" y="3682080"/>
+            <a:ext cx="5354280" cy="1896840"/>
           </a:xfrm>
           <a:prstGeom prst="rect">
             <a:avLst/>
@@ -342,11 +330,8 @@
             <a:normAutofit/>
           </a:bodyPr>
           <a:p>
-            <a:endParaRPr b="0" lang="en-US" sz="2000" spc="-1" strike="noStrike">
-              <a:solidFill>
-                <a:srgbClr val="000000"/>
-              </a:solidFill>
-              <a:latin typeface="Verdana"/>
+            <a:endParaRPr b="0" lang="en-US" sz="3200" spc="-1" strike="noStrike">
+              <a:latin typeface="Arial"/>
             </a:endParaRPr>
           </a:p>
         </p:txBody>
@@ -363,8 +348,8 @@
         </p:nvSpPr>
         <p:spPr>
           <a:xfrm>
-            <a:off x="6231960" y="3702600"/>
-            <a:ext cx="5354280" cy="2419560"/>
+            <a:off x="6231960" y="3682080"/>
+            <a:ext cx="5354280" cy="1896840"/>
           </a:xfrm>
           <a:prstGeom prst="rect">
             <a:avLst/>
@@ -379,11 +364,8 @@
             <a:normAutofit/>
           </a:bodyPr>
           <a:p>
-            <a:endParaRPr b="0" lang="en-US" sz="2000" spc="-1" strike="noStrike">
-              <a:solidFill>
-                <a:srgbClr val="000000"/>
-              </a:solidFill>
-              <a:latin typeface="Verdana"/>
+            <a:endParaRPr b="0" lang="en-US" sz="3200" spc="-1" strike="noStrike">
+              <a:latin typeface="Arial"/>
             </a:endParaRPr>
           </a:p>
         </p:txBody>
@@ -422,8 +404,8 @@
         </p:nvSpPr>
         <p:spPr>
           <a:xfrm>
-            <a:off x="406440" y="260640"/>
-            <a:ext cx="10972440" cy="552600"/>
+            <a:off x="609480" y="273600"/>
+            <a:ext cx="10972440" cy="1144800"/>
           </a:xfrm>
           <a:prstGeom prst="rect">
             <a:avLst/>
@@ -438,11 +420,11 @@
             <a:noAutofit/>
           </a:bodyPr>
           <a:p>
-            <a:endParaRPr b="0" lang="en-US" sz="1800" spc="-1" strike="noStrike">
-              <a:solidFill>
-                <a:srgbClr val="000000"/>
-              </a:solidFill>
-              <a:latin typeface="Verdana"/>
+            <a:pPr algn="ctr">
+              <a:buNone/>
+            </a:pPr>
+            <a:endParaRPr b="0" lang="en-US" sz="4400" spc="-1" strike="noStrike">
+              <a:latin typeface="Arial"/>
             </a:endParaRPr>
           </a:p>
         </p:txBody>
@@ -459,8 +441,8 @@
         </p:nvSpPr>
         <p:spPr>
           <a:xfrm>
-            <a:off x="609480" y="1052640"/>
-            <a:ext cx="3533040" cy="2419560"/>
+            <a:off x="609480" y="1604520"/>
+            <a:ext cx="3533040" cy="1896840"/>
           </a:xfrm>
           <a:prstGeom prst="rect">
             <a:avLst/>
@@ -475,11 +457,8 @@
             <a:normAutofit/>
           </a:bodyPr>
           <a:p>
-            <a:endParaRPr b="0" lang="en-US" sz="2000" spc="-1" strike="noStrike">
-              <a:solidFill>
-                <a:srgbClr val="000000"/>
-              </a:solidFill>
-              <a:latin typeface="Verdana"/>
+            <a:endParaRPr b="0" lang="en-US" sz="3200" spc="-1" strike="noStrike">
+              <a:latin typeface="Arial"/>
             </a:endParaRPr>
           </a:p>
         </p:txBody>
@@ -496,8 +475,8 @@
         </p:nvSpPr>
         <p:spPr>
           <a:xfrm>
-            <a:off x="4319640" y="1052640"/>
-            <a:ext cx="3533040" cy="2419560"/>
+            <a:off x="4319640" y="1604520"/>
+            <a:ext cx="3533040" cy="1896840"/>
           </a:xfrm>
           <a:prstGeom prst="rect">
             <a:avLst/>
@@ -512,11 +491,8 @@
             <a:normAutofit/>
           </a:bodyPr>
           <a:p>
-            <a:endParaRPr b="0" lang="en-US" sz="2000" spc="-1" strike="noStrike">
-              <a:solidFill>
-                <a:srgbClr val="000000"/>
-              </a:solidFill>
-              <a:latin typeface="Verdana"/>
+            <a:endParaRPr b="0" lang="en-US" sz="3200" spc="-1" strike="noStrike">
+              <a:latin typeface="Arial"/>
             </a:endParaRPr>
           </a:p>
         </p:txBody>
@@ -533,8 +509,8 @@
         </p:nvSpPr>
         <p:spPr>
           <a:xfrm>
-            <a:off x="8029800" y="1052640"/>
-            <a:ext cx="3533040" cy="2419560"/>
+            <a:off x="8029800" y="1604520"/>
+            <a:ext cx="3533040" cy="1896840"/>
           </a:xfrm>
           <a:prstGeom prst="rect">
             <a:avLst/>
@@ -549,11 +525,8 @@
             <a:normAutofit/>
           </a:bodyPr>
           <a:p>
-            <a:endParaRPr b="0" lang="en-US" sz="2000" spc="-1" strike="noStrike">
-              <a:solidFill>
-                <a:srgbClr val="000000"/>
-              </a:solidFill>
-              <a:latin typeface="Verdana"/>
+            <a:endParaRPr b="0" lang="en-US" sz="3200" spc="-1" strike="noStrike">
+              <a:latin typeface="Arial"/>
             </a:endParaRPr>
           </a:p>
         </p:txBody>
@@ -570,8 +543,8 @@
         </p:nvSpPr>
         <p:spPr>
           <a:xfrm>
-            <a:off x="609480" y="3702600"/>
-            <a:ext cx="3533040" cy="2419560"/>
+            <a:off x="609480" y="3682080"/>
+            <a:ext cx="3533040" cy="1896840"/>
           </a:xfrm>
           <a:prstGeom prst="rect">
             <a:avLst/>
@@ -586,11 +559,8 @@
             <a:normAutofit/>
           </a:bodyPr>
           <a:p>
-            <a:endParaRPr b="0" lang="en-US" sz="2000" spc="-1" strike="noStrike">
-              <a:solidFill>
-                <a:srgbClr val="000000"/>
-              </a:solidFill>
-              <a:latin typeface="Verdana"/>
+            <a:endParaRPr b="0" lang="en-US" sz="3200" spc="-1" strike="noStrike">
+              <a:latin typeface="Arial"/>
             </a:endParaRPr>
           </a:p>
         </p:txBody>
@@ -607,8 +577,8 @@
         </p:nvSpPr>
         <p:spPr>
           <a:xfrm>
-            <a:off x="4319640" y="3702600"/>
-            <a:ext cx="3533040" cy="2419560"/>
+            <a:off x="4319640" y="3682080"/>
+            <a:ext cx="3533040" cy="1896840"/>
           </a:xfrm>
           <a:prstGeom prst="rect">
             <a:avLst/>
@@ -623,11 +593,8 @@
             <a:normAutofit/>
           </a:bodyPr>
           <a:p>
-            <a:endParaRPr b="0" lang="en-US" sz="2000" spc="-1" strike="noStrike">
-              <a:solidFill>
-                <a:srgbClr val="000000"/>
-              </a:solidFill>
-              <a:latin typeface="Verdana"/>
+            <a:endParaRPr b="0" lang="en-US" sz="3200" spc="-1" strike="noStrike">
+              <a:latin typeface="Arial"/>
             </a:endParaRPr>
           </a:p>
         </p:txBody>
@@ -644,8 +611,8 @@
         </p:nvSpPr>
         <p:spPr>
           <a:xfrm>
-            <a:off x="8029800" y="3702600"/>
-            <a:ext cx="3533040" cy="2419560"/>
+            <a:off x="8029800" y="3682080"/>
+            <a:ext cx="3533040" cy="1896840"/>
           </a:xfrm>
           <a:prstGeom prst="rect">
             <a:avLst/>
@@ -660,11 +627,8 @@
             <a:normAutofit/>
           </a:bodyPr>
           <a:p>
-            <a:endParaRPr b="0" lang="en-US" sz="2000" spc="-1" strike="noStrike">
-              <a:solidFill>
-                <a:srgbClr val="000000"/>
-              </a:solidFill>
-              <a:latin typeface="Verdana"/>
+            <a:endParaRPr b="0" lang="en-US" sz="3200" spc="-1" strike="noStrike">
+              <a:latin typeface="Arial"/>
             </a:endParaRPr>
           </a:p>
         </p:txBody>
@@ -698,7 +662,7 @@
             <a:spLocks noGrp="1"/>
           </p:cNvSpPr>
           <p:nvPr>
-            <p:ph type="ftr" idx="2"/>
+            <p:ph type="ftr" idx="1"/>
           </p:nvPr>
         </p:nvSpPr>
         <p:spPr/>
@@ -718,14 +682,14 @@
             <a:spLocks noGrp="1"/>
           </p:cNvSpPr>
           <p:nvPr>
-            <p:ph type="sldNum" idx="3"/>
+            <p:ph type="sldNum" idx="2"/>
           </p:nvPr>
         </p:nvSpPr>
         <p:spPr/>
         <p:txBody>
           <a:bodyPr/>
           <a:p>
-            <a:fld id="{888924A0-5F7C-42B7-9A50-4329E9563993}" type="slidenum">
+            <a:fld id="{2CF4B383-5460-463B-991A-3C4378D44108}" type="slidenum">
               <a:t>&lt;#&gt;</a:t>
             </a:fld>
           </a:p>
@@ -738,7 +702,7 @@
             <a:spLocks noGrp="1"/>
           </p:cNvSpPr>
           <p:nvPr>
-            <p:ph type="dt" idx="1"/>
+            <p:ph type="dt" idx="3"/>
           </p:nvPr>
         </p:nvSpPr>
         <p:spPr/>
@@ -786,8 +750,8 @@
         </p:nvSpPr>
         <p:spPr>
           <a:xfrm>
-            <a:off x="406440" y="260640"/>
-            <a:ext cx="10972440" cy="552600"/>
+            <a:off x="609480" y="273600"/>
+            <a:ext cx="10972440" cy="1144800"/>
           </a:xfrm>
           <a:prstGeom prst="rect">
             <a:avLst/>
@@ -802,11 +766,11 @@
             <a:noAutofit/>
           </a:bodyPr>
           <a:p>
-            <a:endParaRPr b="0" lang="en-US" sz="1800" spc="-1" strike="noStrike">
-              <a:solidFill>
-                <a:srgbClr val="000000"/>
-              </a:solidFill>
-              <a:latin typeface="Verdana"/>
+            <a:pPr algn="ctr">
+              <a:buNone/>
+            </a:pPr>
+            <a:endParaRPr b="0" lang="en-US" sz="4400" spc="-1" strike="noStrike">
+              <a:latin typeface="Arial"/>
             </a:endParaRPr>
           </a:p>
         </p:txBody>
@@ -823,8 +787,8 @@
         </p:nvSpPr>
         <p:spPr>
           <a:xfrm>
-            <a:off x="609480" y="1052640"/>
-            <a:ext cx="10972440" cy="5073120"/>
+            <a:off x="609480" y="1604520"/>
+            <a:ext cx="10972440" cy="3977280"/>
           </a:xfrm>
           <a:prstGeom prst="rect">
             <a:avLst/>
@@ -855,7 +819,7 @@
             <a:spLocks noGrp="1"/>
           </p:cNvSpPr>
           <p:nvPr>
-            <p:ph type="ftr" idx="2"/>
+            <p:ph type="ftr" idx="1"/>
           </p:nvPr>
         </p:nvSpPr>
         <p:spPr/>
@@ -875,14 +839,14 @@
             <a:spLocks noGrp="1"/>
           </p:cNvSpPr>
           <p:nvPr>
-            <p:ph type="sldNum" idx="3"/>
+            <p:ph type="sldNum" idx="2"/>
           </p:nvPr>
         </p:nvSpPr>
         <p:spPr/>
         <p:txBody>
           <a:bodyPr/>
           <a:p>
-            <a:fld id="{05C9B8F2-C551-4659-99BD-35FB9ACE60BE}" type="slidenum">
+            <a:fld id="{5AB1ED73-6CAC-4AD8-9A9D-93B5B2B58783}" type="slidenum">
               <a:t>&lt;#&gt;</a:t>
             </a:fld>
           </a:p>
@@ -895,7 +859,7 @@
             <a:spLocks noGrp="1"/>
           </p:cNvSpPr>
           <p:nvPr>
-            <p:ph type="dt" idx="1"/>
+            <p:ph type="dt" idx="3"/>
           </p:nvPr>
         </p:nvSpPr>
         <p:spPr/>
@@ -943,8 +907,8 @@
         </p:nvSpPr>
         <p:spPr>
           <a:xfrm>
-            <a:off x="406440" y="260640"/>
-            <a:ext cx="10972440" cy="552600"/>
+            <a:off x="609480" y="273600"/>
+            <a:ext cx="10972440" cy="1144800"/>
           </a:xfrm>
           <a:prstGeom prst="rect">
             <a:avLst/>
@@ -959,11 +923,11 @@
             <a:noAutofit/>
           </a:bodyPr>
           <a:p>
-            <a:endParaRPr b="0" lang="en-US" sz="1800" spc="-1" strike="noStrike">
-              <a:solidFill>
-                <a:srgbClr val="000000"/>
-              </a:solidFill>
-              <a:latin typeface="Verdana"/>
+            <a:pPr algn="ctr">
+              <a:buNone/>
+            </a:pPr>
+            <a:endParaRPr b="0" lang="en-US" sz="4400" spc="-1" strike="noStrike">
+              <a:latin typeface="Arial"/>
             </a:endParaRPr>
           </a:p>
         </p:txBody>
@@ -980,8 +944,8 @@
         </p:nvSpPr>
         <p:spPr>
           <a:xfrm>
-            <a:off x="609480" y="1052640"/>
-            <a:ext cx="10972440" cy="5073120"/>
+            <a:off x="609480" y="1604520"/>
+            <a:ext cx="10972440" cy="3977280"/>
           </a:xfrm>
           <a:prstGeom prst="rect">
             <a:avLst/>
@@ -996,11 +960,8 @@
             <a:normAutofit/>
           </a:bodyPr>
           <a:p>
-            <a:endParaRPr b="0" lang="en-US" sz="2000" spc="-1" strike="noStrike">
-              <a:solidFill>
-                <a:srgbClr val="000000"/>
-              </a:solidFill>
-              <a:latin typeface="Verdana"/>
+            <a:endParaRPr b="0" lang="en-US" sz="3200" spc="-1" strike="noStrike">
+              <a:latin typeface="Arial"/>
             </a:endParaRPr>
           </a:p>
         </p:txBody>
@@ -1012,7 +973,7 @@
             <a:spLocks noGrp="1"/>
           </p:cNvSpPr>
           <p:nvPr>
-            <p:ph type="ftr" idx="2"/>
+            <p:ph type="ftr" idx="1"/>
           </p:nvPr>
         </p:nvSpPr>
         <p:spPr/>
@@ -1032,14 +993,14 @@
             <a:spLocks noGrp="1"/>
           </p:cNvSpPr>
           <p:nvPr>
-            <p:ph type="sldNum" idx="3"/>
+            <p:ph type="sldNum" idx="2"/>
           </p:nvPr>
         </p:nvSpPr>
         <p:spPr/>
         <p:txBody>
           <a:bodyPr/>
           <a:p>
-            <a:fld id="{1E678A5C-FCA1-4088-B460-5D7691C21EB7}" type="slidenum">
+            <a:fld id="{BC6E4B13-CB02-4FFD-8126-19ECEB1EDF2C}" type="slidenum">
               <a:t>&lt;#&gt;</a:t>
             </a:fld>
           </a:p>
@@ -1052,7 +1013,7 @@
             <a:spLocks noGrp="1"/>
           </p:cNvSpPr>
           <p:nvPr>
-            <p:ph type="dt" idx="1"/>
+            <p:ph type="dt" idx="3"/>
           </p:nvPr>
         </p:nvSpPr>
         <p:spPr/>
@@ -1100,8 +1061,8 @@
         </p:nvSpPr>
         <p:spPr>
           <a:xfrm>
-            <a:off x="406440" y="260640"/>
-            <a:ext cx="10972440" cy="552600"/>
+            <a:off x="609480" y="273600"/>
+            <a:ext cx="10972440" cy="1144800"/>
           </a:xfrm>
           <a:prstGeom prst="rect">
             <a:avLst/>
@@ -1116,11 +1077,11 @@
             <a:noAutofit/>
           </a:bodyPr>
           <a:p>
-            <a:endParaRPr b="0" lang="en-US" sz="1800" spc="-1" strike="noStrike">
-              <a:solidFill>
-                <a:srgbClr val="000000"/>
-              </a:solidFill>
-              <a:latin typeface="Verdana"/>
+            <a:pPr algn="ctr">
+              <a:buNone/>
+            </a:pPr>
+            <a:endParaRPr b="0" lang="en-US" sz="4400" spc="-1" strike="noStrike">
+              <a:latin typeface="Arial"/>
             </a:endParaRPr>
           </a:p>
         </p:txBody>
@@ -1137,8 +1098,8 @@
         </p:nvSpPr>
         <p:spPr>
           <a:xfrm>
-            <a:off x="609480" y="1052640"/>
-            <a:ext cx="5354280" cy="5073120"/>
+            <a:off x="609480" y="1604520"/>
+            <a:ext cx="5354280" cy="3977280"/>
           </a:xfrm>
           <a:prstGeom prst="rect">
             <a:avLst/>
@@ -1153,11 +1114,8 @@
             <a:normAutofit/>
           </a:bodyPr>
           <a:p>
-            <a:endParaRPr b="0" lang="en-US" sz="2000" spc="-1" strike="noStrike">
-              <a:solidFill>
-                <a:srgbClr val="000000"/>
-              </a:solidFill>
-              <a:latin typeface="Verdana"/>
+            <a:endParaRPr b="0" lang="en-US" sz="3200" spc="-1" strike="noStrike">
+              <a:latin typeface="Arial"/>
             </a:endParaRPr>
           </a:p>
         </p:txBody>
@@ -1174,8 +1132,8 @@
         </p:nvSpPr>
         <p:spPr>
           <a:xfrm>
-            <a:off x="6231960" y="1052640"/>
-            <a:ext cx="5354280" cy="5073120"/>
+            <a:off x="6231960" y="1604520"/>
+            <a:ext cx="5354280" cy="3977280"/>
           </a:xfrm>
           <a:prstGeom prst="rect">
             <a:avLst/>
@@ -1190,11 +1148,8 @@
             <a:normAutofit/>
           </a:bodyPr>
           <a:p>
-            <a:endParaRPr b="0" lang="en-US" sz="2000" spc="-1" strike="noStrike">
-              <a:solidFill>
-                <a:srgbClr val="000000"/>
-              </a:solidFill>
-              <a:latin typeface="Verdana"/>
+            <a:endParaRPr b="0" lang="en-US" sz="3200" spc="-1" strike="noStrike">
+              <a:latin typeface="Arial"/>
             </a:endParaRPr>
           </a:p>
         </p:txBody>
@@ -1206,7 +1161,7 @@
             <a:spLocks noGrp="1"/>
           </p:cNvSpPr>
           <p:nvPr>
-            <p:ph type="ftr" idx="2"/>
+            <p:ph type="ftr" idx="1"/>
           </p:nvPr>
         </p:nvSpPr>
         <p:spPr/>
@@ -1226,14 +1181,14 @@
             <a:spLocks noGrp="1"/>
           </p:cNvSpPr>
           <p:nvPr>
-            <p:ph type="sldNum" idx="3"/>
+            <p:ph type="sldNum" idx="2"/>
           </p:nvPr>
         </p:nvSpPr>
         <p:spPr/>
         <p:txBody>
           <a:bodyPr/>
           <a:p>
-            <a:fld id="{5DB84120-7F2C-49AF-A0F1-ED9287E2B9D5}" type="slidenum">
+            <a:fld id="{0C795303-813B-4EED-BF5B-E4BEE2356D19}" type="slidenum">
               <a:t>&lt;#&gt;</a:t>
             </a:fld>
           </a:p>
@@ -1246,7 +1201,7 @@
             <a:spLocks noGrp="1"/>
           </p:cNvSpPr>
           <p:nvPr>
-            <p:ph type="dt" idx="1"/>
+            <p:ph type="dt" idx="3"/>
           </p:nvPr>
         </p:nvSpPr>
         <p:spPr/>
@@ -1294,8 +1249,8 @@
         </p:nvSpPr>
         <p:spPr>
           <a:xfrm>
-            <a:off x="406440" y="260640"/>
-            <a:ext cx="10972440" cy="552600"/>
+            <a:off x="609480" y="273600"/>
+            <a:ext cx="10972440" cy="1144800"/>
           </a:xfrm>
           <a:prstGeom prst="rect">
             <a:avLst/>
@@ -1310,11 +1265,11 @@
             <a:noAutofit/>
           </a:bodyPr>
           <a:p>
-            <a:endParaRPr b="0" lang="en-US" sz="1800" spc="-1" strike="noStrike">
-              <a:solidFill>
-                <a:srgbClr val="000000"/>
-              </a:solidFill>
-              <a:latin typeface="Verdana"/>
+            <a:pPr algn="ctr">
+              <a:buNone/>
+            </a:pPr>
+            <a:endParaRPr b="0" lang="en-US" sz="4400" spc="-1" strike="noStrike">
+              <a:latin typeface="Arial"/>
             </a:endParaRPr>
           </a:p>
         </p:txBody>
@@ -1326,7 +1281,7 @@
             <a:spLocks noGrp="1"/>
           </p:cNvSpPr>
           <p:nvPr>
-            <p:ph type="ftr" idx="2"/>
+            <p:ph type="ftr" idx="1"/>
           </p:nvPr>
         </p:nvSpPr>
         <p:spPr/>
@@ -1346,14 +1301,14 @@
             <a:spLocks noGrp="1"/>
           </p:cNvSpPr>
           <p:nvPr>
-            <p:ph type="sldNum" idx="3"/>
+            <p:ph type="sldNum" idx="2"/>
           </p:nvPr>
         </p:nvSpPr>
         <p:spPr/>
         <p:txBody>
           <a:bodyPr/>
           <a:p>
-            <a:fld id="{11E3DABF-AC33-4223-BBF7-4DF85D64208E}" type="slidenum">
+            <a:fld id="{0E3292C3-ECD9-4C9B-B102-C06885C60027}" type="slidenum">
               <a:t>&lt;#&gt;</a:t>
             </a:fld>
           </a:p>
@@ -1366,7 +1321,7 @@
             <a:spLocks noGrp="1"/>
           </p:cNvSpPr>
           <p:nvPr>
-            <p:ph type="dt" idx="1"/>
+            <p:ph type="dt" idx="3"/>
           </p:nvPr>
         </p:nvSpPr>
         <p:spPr/>
@@ -1414,8 +1369,8 @@
         </p:nvSpPr>
         <p:spPr>
           <a:xfrm>
-            <a:off x="406440" y="260640"/>
-            <a:ext cx="10972440" cy="2562840"/>
+            <a:off x="609480" y="273600"/>
+            <a:ext cx="10972440" cy="5307840"/>
           </a:xfrm>
           <a:prstGeom prst="rect">
             <a:avLst/>
@@ -1446,7 +1401,7 @@
             <a:spLocks noGrp="1"/>
           </p:cNvSpPr>
           <p:nvPr>
-            <p:ph type="ftr" idx="2"/>
+            <p:ph type="ftr" idx="1"/>
           </p:nvPr>
         </p:nvSpPr>
         <p:spPr/>
@@ -1466,14 +1421,14 @@
             <a:spLocks noGrp="1"/>
           </p:cNvSpPr>
           <p:nvPr>
-            <p:ph type="sldNum" idx="3"/>
+            <p:ph type="sldNum" idx="2"/>
           </p:nvPr>
         </p:nvSpPr>
         <p:spPr/>
         <p:txBody>
           <a:bodyPr/>
           <a:p>
-            <a:fld id="{C2891C0C-F602-499D-B0AF-E91816F67DE6}" type="slidenum">
+            <a:fld id="{A9C97519-7FCB-49D3-9116-9CEAD66BD93A}" type="slidenum">
               <a:t>&lt;#&gt;</a:t>
             </a:fld>
           </a:p>
@@ -1486,7 +1441,7 @@
             <a:spLocks noGrp="1"/>
           </p:cNvSpPr>
           <p:nvPr>
-            <p:ph type="dt" idx="1"/>
+            <p:ph type="dt" idx="3"/>
           </p:nvPr>
         </p:nvSpPr>
         <p:spPr/>
@@ -1534,8 +1489,8 @@
         </p:nvSpPr>
         <p:spPr>
           <a:xfrm>
-            <a:off x="406440" y="260640"/>
-            <a:ext cx="10972440" cy="552600"/>
+            <a:off x="609480" y="273600"/>
+            <a:ext cx="10972440" cy="1144800"/>
           </a:xfrm>
           <a:prstGeom prst="rect">
             <a:avLst/>
@@ -1550,11 +1505,11 @@
             <a:noAutofit/>
           </a:bodyPr>
           <a:p>
-            <a:endParaRPr b="0" lang="en-US" sz="1800" spc="-1" strike="noStrike">
-              <a:solidFill>
-                <a:srgbClr val="000000"/>
-              </a:solidFill>
-              <a:latin typeface="Verdana"/>
+            <a:pPr algn="ctr">
+              <a:buNone/>
+            </a:pPr>
+            <a:endParaRPr b="0" lang="en-US" sz="4400" spc="-1" strike="noStrike">
+              <a:latin typeface="Arial"/>
             </a:endParaRPr>
           </a:p>
         </p:txBody>
@@ -1571,8 +1526,8 @@
         </p:nvSpPr>
         <p:spPr>
           <a:xfrm>
-            <a:off x="609480" y="1052640"/>
-            <a:ext cx="5354280" cy="2419560"/>
+            <a:off x="609480" y="1604520"/>
+            <a:ext cx="5354280" cy="1896840"/>
           </a:xfrm>
           <a:prstGeom prst="rect">
             <a:avLst/>
@@ -1587,11 +1542,8 @@
             <a:normAutofit/>
           </a:bodyPr>
           <a:p>
-            <a:endParaRPr b="0" lang="en-US" sz="2000" spc="-1" strike="noStrike">
-              <a:solidFill>
-                <a:srgbClr val="000000"/>
-              </a:solidFill>
-              <a:latin typeface="Verdana"/>
+            <a:endParaRPr b="0" lang="en-US" sz="3200" spc="-1" strike="noStrike">
+              <a:latin typeface="Arial"/>
             </a:endParaRPr>
           </a:p>
         </p:txBody>
@@ -1608,8 +1560,8 @@
         </p:nvSpPr>
         <p:spPr>
           <a:xfrm>
-            <a:off x="6231960" y="1052640"/>
-            <a:ext cx="5354280" cy="5073120"/>
+            <a:off x="6231960" y="1604520"/>
+            <a:ext cx="5354280" cy="3977280"/>
           </a:xfrm>
           <a:prstGeom prst="rect">
             <a:avLst/>
@@ -1624,11 +1576,8 @@
             <a:normAutofit/>
           </a:bodyPr>
           <a:p>
-            <a:endParaRPr b="0" lang="en-US" sz="2000" spc="-1" strike="noStrike">
-              <a:solidFill>
-                <a:srgbClr val="000000"/>
-              </a:solidFill>
-              <a:latin typeface="Verdana"/>
+            <a:endParaRPr b="0" lang="en-US" sz="3200" spc="-1" strike="noStrike">
+              <a:latin typeface="Arial"/>
             </a:endParaRPr>
           </a:p>
         </p:txBody>
@@ -1645,8 +1594,8 @@
         </p:nvSpPr>
         <p:spPr>
           <a:xfrm>
-            <a:off x="609480" y="3702600"/>
-            <a:ext cx="5354280" cy="2419560"/>
+            <a:off x="609480" y="3682080"/>
+            <a:ext cx="5354280" cy="1896840"/>
           </a:xfrm>
           <a:prstGeom prst="rect">
             <a:avLst/>
@@ -1661,11 +1610,8 @@
             <a:normAutofit/>
           </a:bodyPr>
           <a:p>
-            <a:endParaRPr b="0" lang="en-US" sz="2000" spc="-1" strike="noStrike">
-              <a:solidFill>
-                <a:srgbClr val="000000"/>
-              </a:solidFill>
-              <a:latin typeface="Verdana"/>
+            <a:endParaRPr b="0" lang="en-US" sz="3200" spc="-1" strike="noStrike">
+              <a:latin typeface="Arial"/>
             </a:endParaRPr>
           </a:p>
         </p:txBody>
@@ -1677,7 +1623,7 @@
             <a:spLocks noGrp="1"/>
           </p:cNvSpPr>
           <p:nvPr>
-            <p:ph type="ftr" idx="2"/>
+            <p:ph type="ftr" idx="1"/>
           </p:nvPr>
         </p:nvSpPr>
         <p:spPr/>
@@ -1697,14 +1643,14 @@
             <a:spLocks noGrp="1"/>
           </p:cNvSpPr>
           <p:nvPr>
-            <p:ph type="sldNum" idx="3"/>
+            <p:ph type="sldNum" idx="2"/>
           </p:nvPr>
         </p:nvSpPr>
         <p:spPr/>
         <p:txBody>
           <a:bodyPr/>
           <a:p>
-            <a:fld id="{8118E94F-8762-4CD0-A795-16DD633EE597}" type="slidenum">
+            <a:fld id="{5BE4F9E6-B626-403C-B487-AAE4BC39276D}" type="slidenum">
               <a:t>&lt;#&gt;</a:t>
             </a:fld>
           </a:p>
@@ -1717,7 +1663,7 @@
             <a:spLocks noGrp="1"/>
           </p:cNvSpPr>
           <p:nvPr>
-            <p:ph type="dt" idx="1"/>
+            <p:ph type="dt" idx="3"/>
           </p:nvPr>
         </p:nvSpPr>
         <p:spPr/>
@@ -1765,8 +1711,8 @@
         </p:nvSpPr>
         <p:spPr>
           <a:xfrm>
-            <a:off x="406440" y="260640"/>
-            <a:ext cx="10972440" cy="552600"/>
+            <a:off x="609480" y="273600"/>
+            <a:ext cx="10972440" cy="1144800"/>
           </a:xfrm>
           <a:prstGeom prst="rect">
             <a:avLst/>
@@ -1781,11 +1727,11 @@
             <a:noAutofit/>
           </a:bodyPr>
           <a:p>
-            <a:endParaRPr b="0" lang="en-US" sz="1800" spc="-1" strike="noStrike">
-              <a:solidFill>
-                <a:srgbClr val="000000"/>
-              </a:solidFill>
-              <a:latin typeface="Verdana"/>
+            <a:pPr algn="ctr">
+              <a:buNone/>
+            </a:pPr>
+            <a:endParaRPr b="0" lang="en-US" sz="4400" spc="-1" strike="noStrike">
+              <a:latin typeface="Arial"/>
             </a:endParaRPr>
           </a:p>
         </p:txBody>
@@ -1802,8 +1748,8 @@
         </p:nvSpPr>
         <p:spPr>
           <a:xfrm>
-            <a:off x="609480" y="1052640"/>
-            <a:ext cx="10972440" cy="5073120"/>
+            <a:off x="609480" y="1604520"/>
+            <a:ext cx="10972440" cy="3977280"/>
           </a:xfrm>
           <a:prstGeom prst="rect">
             <a:avLst/>
@@ -1861,8 +1807,8 @@
         </p:nvSpPr>
         <p:spPr>
           <a:xfrm>
-            <a:off x="406440" y="260640"/>
-            <a:ext cx="10972440" cy="552600"/>
+            <a:off x="609480" y="273600"/>
+            <a:ext cx="10972440" cy="1144800"/>
           </a:xfrm>
           <a:prstGeom prst="rect">
             <a:avLst/>
@@ -1877,11 +1823,11 @@
             <a:noAutofit/>
           </a:bodyPr>
           <a:p>
-            <a:endParaRPr b="0" lang="en-US" sz="1800" spc="-1" strike="noStrike">
-              <a:solidFill>
-                <a:srgbClr val="000000"/>
-              </a:solidFill>
-              <a:latin typeface="Verdana"/>
+            <a:pPr algn="ctr">
+              <a:buNone/>
+            </a:pPr>
+            <a:endParaRPr b="0" lang="en-US" sz="4400" spc="-1" strike="noStrike">
+              <a:latin typeface="Arial"/>
             </a:endParaRPr>
           </a:p>
         </p:txBody>
@@ -1898,8 +1844,8 @@
         </p:nvSpPr>
         <p:spPr>
           <a:xfrm>
-            <a:off x="609480" y="1052640"/>
-            <a:ext cx="5354280" cy="5073120"/>
+            <a:off x="609480" y="1604520"/>
+            <a:ext cx="5354280" cy="3977280"/>
           </a:xfrm>
           <a:prstGeom prst="rect">
             <a:avLst/>
@@ -1914,11 +1860,8 @@
             <a:normAutofit/>
           </a:bodyPr>
           <a:p>
-            <a:endParaRPr b="0" lang="en-US" sz="2000" spc="-1" strike="noStrike">
-              <a:solidFill>
-                <a:srgbClr val="000000"/>
-              </a:solidFill>
-              <a:latin typeface="Verdana"/>
+            <a:endParaRPr b="0" lang="en-US" sz="3200" spc="-1" strike="noStrike">
+              <a:latin typeface="Arial"/>
             </a:endParaRPr>
           </a:p>
         </p:txBody>
@@ -1935,8 +1878,8 @@
         </p:nvSpPr>
         <p:spPr>
           <a:xfrm>
-            <a:off x="6231960" y="1052640"/>
-            <a:ext cx="5354280" cy="2419560"/>
+            <a:off x="6231960" y="1604520"/>
+            <a:ext cx="5354280" cy="1896840"/>
           </a:xfrm>
           <a:prstGeom prst="rect">
             <a:avLst/>
@@ -1951,11 +1894,8 @@
             <a:normAutofit/>
           </a:bodyPr>
           <a:p>
-            <a:endParaRPr b="0" lang="en-US" sz="2000" spc="-1" strike="noStrike">
-              <a:solidFill>
-                <a:srgbClr val="000000"/>
-              </a:solidFill>
-              <a:latin typeface="Verdana"/>
+            <a:endParaRPr b="0" lang="en-US" sz="3200" spc="-1" strike="noStrike">
+              <a:latin typeface="Arial"/>
             </a:endParaRPr>
           </a:p>
         </p:txBody>
@@ -1972,8 +1912,8 @@
         </p:nvSpPr>
         <p:spPr>
           <a:xfrm>
-            <a:off x="6231960" y="3702600"/>
-            <a:ext cx="5354280" cy="2419560"/>
+            <a:off x="6231960" y="3682080"/>
+            <a:ext cx="5354280" cy="1896840"/>
           </a:xfrm>
           <a:prstGeom prst="rect">
             <a:avLst/>
@@ -1988,11 +1928,8 @@
             <a:normAutofit/>
           </a:bodyPr>
           <a:p>
-            <a:endParaRPr b="0" lang="en-US" sz="2000" spc="-1" strike="noStrike">
-              <a:solidFill>
-                <a:srgbClr val="000000"/>
-              </a:solidFill>
-              <a:latin typeface="Verdana"/>
+            <a:endParaRPr b="0" lang="en-US" sz="3200" spc="-1" strike="noStrike">
+              <a:latin typeface="Arial"/>
             </a:endParaRPr>
           </a:p>
         </p:txBody>
@@ -2004,7 +1941,7 @@
             <a:spLocks noGrp="1"/>
           </p:cNvSpPr>
           <p:nvPr>
-            <p:ph type="ftr" idx="2"/>
+            <p:ph type="ftr" idx="1"/>
           </p:nvPr>
         </p:nvSpPr>
         <p:spPr/>
@@ -2024,14 +1961,14 @@
             <a:spLocks noGrp="1"/>
           </p:cNvSpPr>
           <p:nvPr>
-            <p:ph type="sldNum" idx="3"/>
+            <p:ph type="sldNum" idx="2"/>
           </p:nvPr>
         </p:nvSpPr>
         <p:spPr/>
         <p:txBody>
           <a:bodyPr/>
           <a:p>
-            <a:fld id="{4B311447-A73A-44A9-A3B4-0AE375AA3A8B}" type="slidenum">
+            <a:fld id="{4774C7D6-2FC0-45F4-83EC-9AB7FA6BBF78}" type="slidenum">
               <a:t>&lt;#&gt;</a:t>
             </a:fld>
           </a:p>
@@ -2044,7 +1981,7 @@
             <a:spLocks noGrp="1"/>
           </p:cNvSpPr>
           <p:nvPr>
-            <p:ph type="dt" idx="1"/>
+            <p:ph type="dt" idx="3"/>
           </p:nvPr>
         </p:nvSpPr>
         <p:spPr/>
@@ -2092,8 +2029,8 @@
         </p:nvSpPr>
         <p:spPr>
           <a:xfrm>
-            <a:off x="406440" y="260640"/>
-            <a:ext cx="10972440" cy="552600"/>
+            <a:off x="609480" y="273600"/>
+            <a:ext cx="10972440" cy="1144800"/>
           </a:xfrm>
           <a:prstGeom prst="rect">
             <a:avLst/>
@@ -2108,11 +2045,11 @@
             <a:noAutofit/>
           </a:bodyPr>
           <a:p>
-            <a:endParaRPr b="0" lang="en-US" sz="1800" spc="-1" strike="noStrike">
-              <a:solidFill>
-                <a:srgbClr val="000000"/>
-              </a:solidFill>
-              <a:latin typeface="Verdana"/>
+            <a:pPr algn="ctr">
+              <a:buNone/>
+            </a:pPr>
+            <a:endParaRPr b="0" lang="en-US" sz="4400" spc="-1" strike="noStrike">
+              <a:latin typeface="Arial"/>
             </a:endParaRPr>
           </a:p>
         </p:txBody>
@@ -2129,8 +2066,8 @@
         </p:nvSpPr>
         <p:spPr>
           <a:xfrm>
-            <a:off x="609480" y="1052640"/>
-            <a:ext cx="5354280" cy="2419560"/>
+            <a:off x="609480" y="1604520"/>
+            <a:ext cx="5354280" cy="1896840"/>
           </a:xfrm>
           <a:prstGeom prst="rect">
             <a:avLst/>
@@ -2145,11 +2082,8 @@
             <a:normAutofit/>
           </a:bodyPr>
           <a:p>
-            <a:endParaRPr b="0" lang="en-US" sz="2000" spc="-1" strike="noStrike">
-              <a:solidFill>
-                <a:srgbClr val="000000"/>
-              </a:solidFill>
-              <a:latin typeface="Verdana"/>
+            <a:endParaRPr b="0" lang="en-US" sz="3200" spc="-1" strike="noStrike">
+              <a:latin typeface="Arial"/>
             </a:endParaRPr>
           </a:p>
         </p:txBody>
@@ -2166,8 +2100,8 @@
         </p:nvSpPr>
         <p:spPr>
           <a:xfrm>
-            <a:off x="6231960" y="1052640"/>
-            <a:ext cx="5354280" cy="2419560"/>
+            <a:off x="6231960" y="1604520"/>
+            <a:ext cx="5354280" cy="1896840"/>
           </a:xfrm>
           <a:prstGeom prst="rect">
             <a:avLst/>
@@ -2182,11 +2116,8 @@
             <a:normAutofit/>
           </a:bodyPr>
           <a:p>
-            <a:endParaRPr b="0" lang="en-US" sz="2000" spc="-1" strike="noStrike">
-              <a:solidFill>
-                <a:srgbClr val="000000"/>
-              </a:solidFill>
-              <a:latin typeface="Verdana"/>
+            <a:endParaRPr b="0" lang="en-US" sz="3200" spc="-1" strike="noStrike">
+              <a:latin typeface="Arial"/>
             </a:endParaRPr>
           </a:p>
         </p:txBody>
@@ -2203,8 +2134,8 @@
         </p:nvSpPr>
         <p:spPr>
           <a:xfrm>
-            <a:off x="609480" y="3702600"/>
-            <a:ext cx="10972440" cy="2419560"/>
+            <a:off x="609480" y="3682080"/>
+            <a:ext cx="10972440" cy="1896840"/>
           </a:xfrm>
           <a:prstGeom prst="rect">
             <a:avLst/>
@@ -2219,11 +2150,8 @@
             <a:normAutofit/>
           </a:bodyPr>
           <a:p>
-            <a:endParaRPr b="0" lang="en-US" sz="2000" spc="-1" strike="noStrike">
-              <a:solidFill>
-                <a:srgbClr val="000000"/>
-              </a:solidFill>
-              <a:latin typeface="Verdana"/>
+            <a:endParaRPr b="0" lang="en-US" sz="3200" spc="-1" strike="noStrike">
+              <a:latin typeface="Arial"/>
             </a:endParaRPr>
           </a:p>
         </p:txBody>
@@ -2235,7 +2163,7 @@
             <a:spLocks noGrp="1"/>
           </p:cNvSpPr>
           <p:nvPr>
-            <p:ph type="ftr" idx="2"/>
+            <p:ph type="ftr" idx="1"/>
           </p:nvPr>
         </p:nvSpPr>
         <p:spPr/>
@@ -2255,14 +2183,14 @@
             <a:spLocks noGrp="1"/>
           </p:cNvSpPr>
           <p:nvPr>
-            <p:ph type="sldNum" idx="3"/>
+            <p:ph type="sldNum" idx="2"/>
           </p:nvPr>
         </p:nvSpPr>
         <p:spPr/>
         <p:txBody>
           <a:bodyPr/>
           <a:p>
-            <a:fld id="{D28A2821-F263-407A-9FFE-618D3659918F}" type="slidenum">
+            <a:fld id="{BA03AACD-4A9F-49A4-8075-7AB281637323}" type="slidenum">
               <a:t>&lt;#&gt;</a:t>
             </a:fld>
           </a:p>
@@ -2275,7 +2203,7 @@
             <a:spLocks noGrp="1"/>
           </p:cNvSpPr>
           <p:nvPr>
-            <p:ph type="dt" idx="1"/>
+            <p:ph type="dt" idx="3"/>
           </p:nvPr>
         </p:nvSpPr>
         <p:spPr/>
@@ -2323,8 +2251,8 @@
         </p:nvSpPr>
         <p:spPr>
           <a:xfrm>
-            <a:off x="406440" y="260640"/>
-            <a:ext cx="10972440" cy="552600"/>
+            <a:off x="609480" y="273600"/>
+            <a:ext cx="10972440" cy="1144800"/>
           </a:xfrm>
           <a:prstGeom prst="rect">
             <a:avLst/>
@@ -2339,11 +2267,11 @@
             <a:noAutofit/>
           </a:bodyPr>
           <a:p>
-            <a:endParaRPr b="0" lang="en-US" sz="1800" spc="-1" strike="noStrike">
-              <a:solidFill>
-                <a:srgbClr val="000000"/>
-              </a:solidFill>
-              <a:latin typeface="Verdana"/>
+            <a:pPr algn="ctr">
+              <a:buNone/>
+            </a:pPr>
+            <a:endParaRPr b="0" lang="en-US" sz="4400" spc="-1" strike="noStrike">
+              <a:latin typeface="Arial"/>
             </a:endParaRPr>
           </a:p>
         </p:txBody>
@@ -2360,8 +2288,8 @@
         </p:nvSpPr>
         <p:spPr>
           <a:xfrm>
-            <a:off x="609480" y="1052640"/>
-            <a:ext cx="10972440" cy="2419560"/>
+            <a:off x="609480" y="1604520"/>
+            <a:ext cx="10972440" cy="1896840"/>
           </a:xfrm>
           <a:prstGeom prst="rect">
             <a:avLst/>
@@ -2376,11 +2304,8 @@
             <a:normAutofit/>
           </a:bodyPr>
           <a:p>
-            <a:endParaRPr b="0" lang="en-US" sz="2000" spc="-1" strike="noStrike">
-              <a:solidFill>
-                <a:srgbClr val="000000"/>
-              </a:solidFill>
-              <a:latin typeface="Verdana"/>
+            <a:endParaRPr b="0" lang="en-US" sz="3200" spc="-1" strike="noStrike">
+              <a:latin typeface="Arial"/>
             </a:endParaRPr>
           </a:p>
         </p:txBody>
@@ -2397,8 +2322,8 @@
         </p:nvSpPr>
         <p:spPr>
           <a:xfrm>
-            <a:off x="609480" y="3702600"/>
-            <a:ext cx="10972440" cy="2419560"/>
+            <a:off x="609480" y="3682080"/>
+            <a:ext cx="10972440" cy="1896840"/>
           </a:xfrm>
           <a:prstGeom prst="rect">
             <a:avLst/>
@@ -2413,11 +2338,8 @@
             <a:normAutofit/>
           </a:bodyPr>
           <a:p>
-            <a:endParaRPr b="0" lang="en-US" sz="2000" spc="-1" strike="noStrike">
-              <a:solidFill>
-                <a:srgbClr val="000000"/>
-              </a:solidFill>
-              <a:latin typeface="Verdana"/>
+            <a:endParaRPr b="0" lang="en-US" sz="3200" spc="-1" strike="noStrike">
+              <a:latin typeface="Arial"/>
             </a:endParaRPr>
           </a:p>
         </p:txBody>
@@ -2429,7 +2351,7 @@
             <a:spLocks noGrp="1"/>
           </p:cNvSpPr>
           <p:nvPr>
-            <p:ph type="ftr" idx="2"/>
+            <p:ph type="ftr" idx="1"/>
           </p:nvPr>
         </p:nvSpPr>
         <p:spPr/>
@@ -2449,14 +2371,14 @@
             <a:spLocks noGrp="1"/>
           </p:cNvSpPr>
           <p:nvPr>
-            <p:ph type="sldNum" idx="3"/>
+            <p:ph type="sldNum" idx="2"/>
           </p:nvPr>
         </p:nvSpPr>
         <p:spPr/>
         <p:txBody>
           <a:bodyPr/>
           <a:p>
-            <a:fld id="{A2DF8A27-8C41-4DA0-86E3-5B1E6C36ED9E}" type="slidenum">
+            <a:fld id="{55BDD71B-F0C3-4E38-BA88-D53D1F233888}" type="slidenum">
               <a:t>&lt;#&gt;</a:t>
             </a:fld>
           </a:p>
@@ -2469,7 +2391,7 @@
             <a:spLocks noGrp="1"/>
           </p:cNvSpPr>
           <p:nvPr>
-            <p:ph type="dt" idx="1"/>
+            <p:ph type="dt" idx="3"/>
           </p:nvPr>
         </p:nvSpPr>
         <p:spPr/>
@@ -2517,8 +2439,8 @@
         </p:nvSpPr>
         <p:spPr>
           <a:xfrm>
-            <a:off x="406440" y="260640"/>
-            <a:ext cx="10972440" cy="552600"/>
+            <a:off x="609480" y="273600"/>
+            <a:ext cx="10972440" cy="1144800"/>
           </a:xfrm>
           <a:prstGeom prst="rect">
             <a:avLst/>
@@ -2533,11 +2455,11 @@
             <a:noAutofit/>
           </a:bodyPr>
           <a:p>
-            <a:endParaRPr b="0" lang="en-US" sz="1800" spc="-1" strike="noStrike">
-              <a:solidFill>
-                <a:srgbClr val="000000"/>
-              </a:solidFill>
-              <a:latin typeface="Verdana"/>
+            <a:pPr algn="ctr">
+              <a:buNone/>
+            </a:pPr>
+            <a:endParaRPr b="0" lang="en-US" sz="4400" spc="-1" strike="noStrike">
+              <a:latin typeface="Arial"/>
             </a:endParaRPr>
           </a:p>
         </p:txBody>
@@ -2554,8 +2476,8 @@
         </p:nvSpPr>
         <p:spPr>
           <a:xfrm>
-            <a:off x="609480" y="1052640"/>
-            <a:ext cx="5354280" cy="2419560"/>
+            <a:off x="609480" y="1604520"/>
+            <a:ext cx="5354280" cy="1896840"/>
           </a:xfrm>
           <a:prstGeom prst="rect">
             <a:avLst/>
@@ -2570,11 +2492,8 @@
             <a:normAutofit/>
           </a:bodyPr>
           <a:p>
-            <a:endParaRPr b="0" lang="en-US" sz="2000" spc="-1" strike="noStrike">
-              <a:solidFill>
-                <a:srgbClr val="000000"/>
-              </a:solidFill>
-              <a:latin typeface="Verdana"/>
+            <a:endParaRPr b="0" lang="en-US" sz="3200" spc="-1" strike="noStrike">
+              <a:latin typeface="Arial"/>
             </a:endParaRPr>
           </a:p>
         </p:txBody>
@@ -2591,8 +2510,8 @@
         </p:nvSpPr>
         <p:spPr>
           <a:xfrm>
-            <a:off x="6231960" y="1052640"/>
-            <a:ext cx="5354280" cy="2419560"/>
+            <a:off x="6231960" y="1604520"/>
+            <a:ext cx="5354280" cy="1896840"/>
           </a:xfrm>
           <a:prstGeom prst="rect">
             <a:avLst/>
@@ -2607,11 +2526,8 @@
             <a:normAutofit/>
           </a:bodyPr>
           <a:p>
-            <a:endParaRPr b="0" lang="en-US" sz="2000" spc="-1" strike="noStrike">
-              <a:solidFill>
-                <a:srgbClr val="000000"/>
-              </a:solidFill>
-              <a:latin typeface="Verdana"/>
+            <a:endParaRPr b="0" lang="en-US" sz="3200" spc="-1" strike="noStrike">
+              <a:latin typeface="Arial"/>
             </a:endParaRPr>
           </a:p>
         </p:txBody>
@@ -2628,8 +2544,8 @@
         </p:nvSpPr>
         <p:spPr>
           <a:xfrm>
-            <a:off x="609480" y="3702600"/>
-            <a:ext cx="5354280" cy="2419560"/>
+            <a:off x="609480" y="3682080"/>
+            <a:ext cx="5354280" cy="1896840"/>
           </a:xfrm>
           <a:prstGeom prst="rect">
             <a:avLst/>
@@ -2644,11 +2560,8 @@
             <a:normAutofit/>
           </a:bodyPr>
           <a:p>
-            <a:endParaRPr b="0" lang="en-US" sz="2000" spc="-1" strike="noStrike">
-              <a:solidFill>
-                <a:srgbClr val="000000"/>
-              </a:solidFill>
-              <a:latin typeface="Verdana"/>
+            <a:endParaRPr b="0" lang="en-US" sz="3200" spc="-1" strike="noStrike">
+              <a:latin typeface="Arial"/>
             </a:endParaRPr>
           </a:p>
         </p:txBody>
@@ -2665,8 +2578,8 @@
         </p:nvSpPr>
         <p:spPr>
           <a:xfrm>
-            <a:off x="6231960" y="3702600"/>
-            <a:ext cx="5354280" cy="2419560"/>
+            <a:off x="6231960" y="3682080"/>
+            <a:ext cx="5354280" cy="1896840"/>
           </a:xfrm>
           <a:prstGeom prst="rect">
             <a:avLst/>
@@ -2681,11 +2594,8 @@
             <a:normAutofit/>
           </a:bodyPr>
           <a:p>
-            <a:endParaRPr b="0" lang="en-US" sz="2000" spc="-1" strike="noStrike">
-              <a:solidFill>
-                <a:srgbClr val="000000"/>
-              </a:solidFill>
-              <a:latin typeface="Verdana"/>
+            <a:endParaRPr b="0" lang="en-US" sz="3200" spc="-1" strike="noStrike">
+              <a:latin typeface="Arial"/>
             </a:endParaRPr>
           </a:p>
         </p:txBody>
@@ -2697,7 +2607,7 @@
             <a:spLocks noGrp="1"/>
           </p:cNvSpPr>
           <p:nvPr>
-            <p:ph type="ftr" idx="2"/>
+            <p:ph type="ftr" idx="1"/>
           </p:nvPr>
         </p:nvSpPr>
         <p:spPr/>
@@ -2717,14 +2627,14 @@
             <a:spLocks noGrp="1"/>
           </p:cNvSpPr>
           <p:nvPr>
-            <p:ph type="sldNum" idx="3"/>
+            <p:ph type="sldNum" idx="2"/>
           </p:nvPr>
         </p:nvSpPr>
         <p:spPr/>
         <p:txBody>
           <a:bodyPr/>
           <a:p>
-            <a:fld id="{42CBBDE0-1FAF-40C3-9B27-407B318EAC9B}" type="slidenum">
+            <a:fld id="{39EC0C0C-84F3-405F-952A-EDB1CC5E1E61}" type="slidenum">
               <a:t>&lt;#&gt;</a:t>
             </a:fld>
           </a:p>
@@ -2737,7 +2647,7 @@
             <a:spLocks noGrp="1"/>
           </p:cNvSpPr>
           <p:nvPr>
-            <p:ph type="dt" idx="1"/>
+            <p:ph type="dt" idx="3"/>
           </p:nvPr>
         </p:nvSpPr>
         <p:spPr/>
@@ -2785,8 +2695,8 @@
         </p:nvSpPr>
         <p:spPr>
           <a:xfrm>
-            <a:off x="406440" y="260640"/>
-            <a:ext cx="10972440" cy="552600"/>
+            <a:off x="609480" y="273600"/>
+            <a:ext cx="10972440" cy="1144800"/>
           </a:xfrm>
           <a:prstGeom prst="rect">
             <a:avLst/>
@@ -2801,11 +2711,11 @@
             <a:noAutofit/>
           </a:bodyPr>
           <a:p>
-            <a:endParaRPr b="0" lang="en-US" sz="1800" spc="-1" strike="noStrike">
-              <a:solidFill>
-                <a:srgbClr val="000000"/>
-              </a:solidFill>
-              <a:latin typeface="Verdana"/>
+            <a:pPr algn="ctr">
+              <a:buNone/>
+            </a:pPr>
+            <a:endParaRPr b="0" lang="en-US" sz="4400" spc="-1" strike="noStrike">
+              <a:latin typeface="Arial"/>
             </a:endParaRPr>
           </a:p>
         </p:txBody>
@@ -2822,8 +2732,8 @@
         </p:nvSpPr>
         <p:spPr>
           <a:xfrm>
-            <a:off x="609480" y="1052640"/>
-            <a:ext cx="3533040" cy="2419560"/>
+            <a:off x="609480" y="1604520"/>
+            <a:ext cx="3533040" cy="1896840"/>
           </a:xfrm>
           <a:prstGeom prst="rect">
             <a:avLst/>
@@ -2838,11 +2748,8 @@
             <a:normAutofit/>
           </a:bodyPr>
           <a:p>
-            <a:endParaRPr b="0" lang="en-US" sz="2000" spc="-1" strike="noStrike">
-              <a:solidFill>
-                <a:srgbClr val="000000"/>
-              </a:solidFill>
-              <a:latin typeface="Verdana"/>
+            <a:endParaRPr b="0" lang="en-US" sz="3200" spc="-1" strike="noStrike">
+              <a:latin typeface="Arial"/>
             </a:endParaRPr>
           </a:p>
         </p:txBody>
@@ -2859,8 +2766,8 @@
         </p:nvSpPr>
         <p:spPr>
           <a:xfrm>
-            <a:off x="4319640" y="1052640"/>
-            <a:ext cx="3533040" cy="2419560"/>
+            <a:off x="4319640" y="1604520"/>
+            <a:ext cx="3533040" cy="1896840"/>
           </a:xfrm>
           <a:prstGeom prst="rect">
             <a:avLst/>
@@ -2875,11 +2782,8 @@
             <a:normAutofit/>
           </a:bodyPr>
           <a:p>
-            <a:endParaRPr b="0" lang="en-US" sz="2000" spc="-1" strike="noStrike">
-              <a:solidFill>
-                <a:srgbClr val="000000"/>
-              </a:solidFill>
-              <a:latin typeface="Verdana"/>
+            <a:endParaRPr b="0" lang="en-US" sz="3200" spc="-1" strike="noStrike">
+              <a:latin typeface="Arial"/>
             </a:endParaRPr>
           </a:p>
         </p:txBody>
@@ -2896,8 +2800,8 @@
         </p:nvSpPr>
         <p:spPr>
           <a:xfrm>
-            <a:off x="8029800" y="1052640"/>
-            <a:ext cx="3533040" cy="2419560"/>
+            <a:off x="8029800" y="1604520"/>
+            <a:ext cx="3533040" cy="1896840"/>
           </a:xfrm>
           <a:prstGeom prst="rect">
             <a:avLst/>
@@ -2912,11 +2816,8 @@
             <a:normAutofit/>
           </a:bodyPr>
           <a:p>
-            <a:endParaRPr b="0" lang="en-US" sz="2000" spc="-1" strike="noStrike">
-              <a:solidFill>
-                <a:srgbClr val="000000"/>
-              </a:solidFill>
-              <a:latin typeface="Verdana"/>
+            <a:endParaRPr b="0" lang="en-US" sz="3200" spc="-1" strike="noStrike">
+              <a:latin typeface="Arial"/>
             </a:endParaRPr>
           </a:p>
         </p:txBody>
@@ -2933,8 +2834,8 @@
         </p:nvSpPr>
         <p:spPr>
           <a:xfrm>
-            <a:off x="609480" y="3702600"/>
-            <a:ext cx="3533040" cy="2419560"/>
+            <a:off x="609480" y="3682080"/>
+            <a:ext cx="3533040" cy="1896840"/>
           </a:xfrm>
           <a:prstGeom prst="rect">
             <a:avLst/>
@@ -2949,11 +2850,8 @@
             <a:normAutofit/>
           </a:bodyPr>
           <a:p>
-            <a:endParaRPr b="0" lang="en-US" sz="2000" spc="-1" strike="noStrike">
-              <a:solidFill>
-                <a:srgbClr val="000000"/>
-              </a:solidFill>
-              <a:latin typeface="Verdana"/>
+            <a:endParaRPr b="0" lang="en-US" sz="3200" spc="-1" strike="noStrike">
+              <a:latin typeface="Arial"/>
             </a:endParaRPr>
           </a:p>
         </p:txBody>
@@ -2970,8 +2868,8 @@
         </p:nvSpPr>
         <p:spPr>
           <a:xfrm>
-            <a:off x="4319640" y="3702600"/>
-            <a:ext cx="3533040" cy="2419560"/>
+            <a:off x="4319640" y="3682080"/>
+            <a:ext cx="3533040" cy="1896840"/>
           </a:xfrm>
           <a:prstGeom prst="rect">
             <a:avLst/>
@@ -2986,11 +2884,8 @@
             <a:normAutofit/>
           </a:bodyPr>
           <a:p>
-            <a:endParaRPr b="0" lang="en-US" sz="2000" spc="-1" strike="noStrike">
-              <a:solidFill>
-                <a:srgbClr val="000000"/>
-              </a:solidFill>
-              <a:latin typeface="Verdana"/>
+            <a:endParaRPr b="0" lang="en-US" sz="3200" spc="-1" strike="noStrike">
+              <a:latin typeface="Arial"/>
             </a:endParaRPr>
           </a:p>
         </p:txBody>
@@ -3007,8 +2902,8 @@
         </p:nvSpPr>
         <p:spPr>
           <a:xfrm>
-            <a:off x="8029800" y="3702600"/>
-            <a:ext cx="3533040" cy="2419560"/>
+            <a:off x="8029800" y="3682080"/>
+            <a:ext cx="3533040" cy="1896840"/>
           </a:xfrm>
           <a:prstGeom prst="rect">
             <a:avLst/>
@@ -3023,11 +2918,8 @@
             <a:normAutofit/>
           </a:bodyPr>
           <a:p>
-            <a:endParaRPr b="0" lang="en-US" sz="2000" spc="-1" strike="noStrike">
-              <a:solidFill>
-                <a:srgbClr val="000000"/>
-              </a:solidFill>
-              <a:latin typeface="Verdana"/>
+            <a:endParaRPr b="0" lang="en-US" sz="3200" spc="-1" strike="noStrike">
+              <a:latin typeface="Arial"/>
             </a:endParaRPr>
           </a:p>
         </p:txBody>
@@ -3039,7 +2931,7 @@
             <a:spLocks noGrp="1"/>
           </p:cNvSpPr>
           <p:nvPr>
-            <p:ph type="ftr" idx="2"/>
+            <p:ph type="ftr" idx="1"/>
           </p:nvPr>
         </p:nvSpPr>
         <p:spPr/>
@@ -3059,14 +2951,14 @@
             <a:spLocks noGrp="1"/>
           </p:cNvSpPr>
           <p:nvPr>
-            <p:ph type="sldNum" idx="3"/>
+            <p:ph type="sldNum" idx="2"/>
           </p:nvPr>
         </p:nvSpPr>
         <p:spPr/>
         <p:txBody>
           <a:bodyPr/>
           <a:p>
-            <a:fld id="{5F7D2FBB-A277-4638-AEA4-91EA4A8C4707}" type="slidenum">
+            <a:fld id="{31A66537-3563-4550-9E2D-3976170C2F6B}" type="slidenum">
               <a:t>&lt;#&gt;</a:t>
             </a:fld>
           </a:p>
@@ -3079,7 +2971,7 @@
             <a:spLocks noGrp="1"/>
           </p:cNvSpPr>
           <p:nvPr>
-            <p:ph type="dt" idx="1"/>
+            <p:ph type="dt" idx="3"/>
           </p:nvPr>
         </p:nvSpPr>
         <p:spPr/>
@@ -3127,8 +3019,8 @@
         </p:nvSpPr>
         <p:spPr>
           <a:xfrm>
-            <a:off x="406440" y="260640"/>
-            <a:ext cx="10972440" cy="552600"/>
+            <a:off x="609480" y="273600"/>
+            <a:ext cx="10972440" cy="1144800"/>
           </a:xfrm>
           <a:prstGeom prst="rect">
             <a:avLst/>
@@ -3143,11 +3035,11 @@
             <a:noAutofit/>
           </a:bodyPr>
           <a:p>
-            <a:endParaRPr b="0" lang="en-US" sz="1800" spc="-1" strike="noStrike">
-              <a:solidFill>
-                <a:srgbClr val="000000"/>
-              </a:solidFill>
-              <a:latin typeface="Verdana"/>
+            <a:pPr algn="ctr">
+              <a:buNone/>
+            </a:pPr>
+            <a:endParaRPr b="0" lang="en-US" sz="4400" spc="-1" strike="noStrike">
+              <a:latin typeface="Arial"/>
             </a:endParaRPr>
           </a:p>
         </p:txBody>
@@ -3164,8 +3056,8 @@
         </p:nvSpPr>
         <p:spPr>
           <a:xfrm>
-            <a:off x="609480" y="1052640"/>
-            <a:ext cx="10972440" cy="5073120"/>
+            <a:off x="609480" y="1604520"/>
+            <a:ext cx="10972440" cy="3977280"/>
           </a:xfrm>
           <a:prstGeom prst="rect">
             <a:avLst/>
@@ -3180,11 +3072,8 @@
             <a:normAutofit/>
           </a:bodyPr>
           <a:p>
-            <a:endParaRPr b="0" lang="en-US" sz="2000" spc="-1" strike="noStrike">
-              <a:solidFill>
-                <a:srgbClr val="000000"/>
-              </a:solidFill>
-              <a:latin typeface="Verdana"/>
+            <a:endParaRPr b="0" lang="en-US" sz="3200" spc="-1" strike="noStrike">
+              <a:latin typeface="Arial"/>
             </a:endParaRPr>
           </a:p>
         </p:txBody>
@@ -3223,8 +3112,8 @@
         </p:nvSpPr>
         <p:spPr>
           <a:xfrm>
-            <a:off x="406440" y="260640"/>
-            <a:ext cx="10972440" cy="552600"/>
+            <a:off x="609480" y="273600"/>
+            <a:ext cx="10972440" cy="1144800"/>
           </a:xfrm>
           <a:prstGeom prst="rect">
             <a:avLst/>
@@ -3239,11 +3128,11 @@
             <a:noAutofit/>
           </a:bodyPr>
           <a:p>
-            <a:endParaRPr b="0" lang="en-US" sz="1800" spc="-1" strike="noStrike">
-              <a:solidFill>
-                <a:srgbClr val="000000"/>
-              </a:solidFill>
-              <a:latin typeface="Verdana"/>
+            <a:pPr algn="ctr">
+              <a:buNone/>
+            </a:pPr>
+            <a:endParaRPr b="0" lang="en-US" sz="4400" spc="-1" strike="noStrike">
+              <a:latin typeface="Arial"/>
             </a:endParaRPr>
           </a:p>
         </p:txBody>
@@ -3260,8 +3149,8 @@
         </p:nvSpPr>
         <p:spPr>
           <a:xfrm>
-            <a:off x="609480" y="1052640"/>
-            <a:ext cx="5354280" cy="5073120"/>
+            <a:off x="609480" y="1604520"/>
+            <a:ext cx="5354280" cy="3977280"/>
           </a:xfrm>
           <a:prstGeom prst="rect">
             <a:avLst/>
@@ -3276,11 +3165,8 @@
             <a:normAutofit/>
           </a:bodyPr>
           <a:p>
-            <a:endParaRPr b="0" lang="en-US" sz="2000" spc="-1" strike="noStrike">
-              <a:solidFill>
-                <a:srgbClr val="000000"/>
-              </a:solidFill>
-              <a:latin typeface="Verdana"/>
+            <a:endParaRPr b="0" lang="en-US" sz="3200" spc="-1" strike="noStrike">
+              <a:latin typeface="Arial"/>
             </a:endParaRPr>
           </a:p>
         </p:txBody>
@@ -3297,8 +3183,8 @@
         </p:nvSpPr>
         <p:spPr>
           <a:xfrm>
-            <a:off x="6231960" y="1052640"/>
-            <a:ext cx="5354280" cy="5073120"/>
+            <a:off x="6231960" y="1604520"/>
+            <a:ext cx="5354280" cy="3977280"/>
           </a:xfrm>
           <a:prstGeom prst="rect">
             <a:avLst/>
@@ -3313,11 +3199,8 @@
             <a:normAutofit/>
           </a:bodyPr>
           <a:p>
-            <a:endParaRPr b="0" lang="en-US" sz="2000" spc="-1" strike="noStrike">
-              <a:solidFill>
-                <a:srgbClr val="000000"/>
-              </a:solidFill>
-              <a:latin typeface="Verdana"/>
+            <a:endParaRPr b="0" lang="en-US" sz="3200" spc="-1" strike="noStrike">
+              <a:latin typeface="Arial"/>
             </a:endParaRPr>
           </a:p>
         </p:txBody>
@@ -3356,8 +3239,8 @@
         </p:nvSpPr>
         <p:spPr>
           <a:xfrm>
-            <a:off x="406440" y="260640"/>
-            <a:ext cx="10972440" cy="552600"/>
+            <a:off x="609480" y="273600"/>
+            <a:ext cx="10972440" cy="1144800"/>
           </a:xfrm>
           <a:prstGeom prst="rect">
             <a:avLst/>
@@ -3372,11 +3255,11 @@
             <a:noAutofit/>
           </a:bodyPr>
           <a:p>
-            <a:endParaRPr b="0" lang="en-US" sz="1800" spc="-1" strike="noStrike">
-              <a:solidFill>
-                <a:srgbClr val="000000"/>
-              </a:solidFill>
-              <a:latin typeface="Verdana"/>
+            <a:pPr algn="ctr">
+              <a:buNone/>
+            </a:pPr>
+            <a:endParaRPr b="0" lang="en-US" sz="4400" spc="-1" strike="noStrike">
+              <a:latin typeface="Arial"/>
             </a:endParaRPr>
           </a:p>
         </p:txBody>
@@ -3415,8 +3298,8 @@
         </p:nvSpPr>
         <p:spPr>
           <a:xfrm>
-            <a:off x="406440" y="260640"/>
-            <a:ext cx="10972440" cy="2562840"/>
+            <a:off x="609480" y="273600"/>
+            <a:ext cx="10972440" cy="5307840"/>
           </a:xfrm>
           <a:prstGeom prst="rect">
             <a:avLst/>
@@ -3474,8 +3357,8 @@
         </p:nvSpPr>
         <p:spPr>
           <a:xfrm>
-            <a:off x="406440" y="260640"/>
-            <a:ext cx="10972440" cy="552600"/>
+            <a:off x="609480" y="273600"/>
+            <a:ext cx="10972440" cy="1144800"/>
           </a:xfrm>
           <a:prstGeom prst="rect">
             <a:avLst/>
@@ -3490,11 +3373,11 @@
             <a:noAutofit/>
           </a:bodyPr>
           <a:p>
-            <a:endParaRPr b="0" lang="en-US" sz="1800" spc="-1" strike="noStrike">
-              <a:solidFill>
-                <a:srgbClr val="000000"/>
-              </a:solidFill>
-              <a:latin typeface="Verdana"/>
+            <a:pPr algn="ctr">
+              <a:buNone/>
+            </a:pPr>
+            <a:endParaRPr b="0" lang="en-US" sz="4400" spc="-1" strike="noStrike">
+              <a:latin typeface="Arial"/>
             </a:endParaRPr>
           </a:p>
         </p:txBody>
@@ -3511,8 +3394,8 @@
         </p:nvSpPr>
         <p:spPr>
           <a:xfrm>
-            <a:off x="609480" y="1052640"/>
-            <a:ext cx="5354280" cy="2419560"/>
+            <a:off x="609480" y="1604520"/>
+            <a:ext cx="5354280" cy="1896840"/>
           </a:xfrm>
           <a:prstGeom prst="rect">
             <a:avLst/>
@@ -3527,11 +3410,8 @@
             <a:normAutofit/>
           </a:bodyPr>
           <a:p>
-            <a:endParaRPr b="0" lang="en-US" sz="2000" spc="-1" strike="noStrike">
-              <a:solidFill>
-                <a:srgbClr val="000000"/>
-              </a:solidFill>
-              <a:latin typeface="Verdana"/>
+            <a:endParaRPr b="0" lang="en-US" sz="3200" spc="-1" strike="noStrike">
+              <a:latin typeface="Arial"/>
             </a:endParaRPr>
           </a:p>
         </p:txBody>
@@ -3548,8 +3428,8 @@
         </p:nvSpPr>
         <p:spPr>
           <a:xfrm>
-            <a:off x="6231960" y="1052640"/>
-            <a:ext cx="5354280" cy="5073120"/>
+            <a:off x="6231960" y="1604520"/>
+            <a:ext cx="5354280" cy="3977280"/>
           </a:xfrm>
           <a:prstGeom prst="rect">
             <a:avLst/>
@@ -3564,11 +3444,8 @@
             <a:normAutofit/>
           </a:bodyPr>
           <a:p>
-            <a:endParaRPr b="0" lang="en-US" sz="2000" spc="-1" strike="noStrike">
-              <a:solidFill>
-                <a:srgbClr val="000000"/>
-              </a:solidFill>
-              <a:latin typeface="Verdana"/>
+            <a:endParaRPr b="0" lang="en-US" sz="3200" spc="-1" strike="noStrike">
+              <a:latin typeface="Arial"/>
             </a:endParaRPr>
           </a:p>
         </p:txBody>
@@ -3585,8 +3462,8 @@
         </p:nvSpPr>
         <p:spPr>
           <a:xfrm>
-            <a:off x="609480" y="3702600"/>
-            <a:ext cx="5354280" cy="2419560"/>
+            <a:off x="609480" y="3682080"/>
+            <a:ext cx="5354280" cy="1896840"/>
           </a:xfrm>
           <a:prstGeom prst="rect">
             <a:avLst/>
@@ -3601,11 +3478,8 @@
             <a:normAutofit/>
           </a:bodyPr>
           <a:p>
-            <a:endParaRPr b="0" lang="en-US" sz="2000" spc="-1" strike="noStrike">
-              <a:solidFill>
-                <a:srgbClr val="000000"/>
-              </a:solidFill>
-              <a:latin typeface="Verdana"/>
+            <a:endParaRPr b="0" lang="en-US" sz="3200" spc="-1" strike="noStrike">
+              <a:latin typeface="Arial"/>
             </a:endParaRPr>
           </a:p>
         </p:txBody>
@@ -3644,8 +3518,8 @@
         </p:nvSpPr>
         <p:spPr>
           <a:xfrm>
-            <a:off x="406440" y="260640"/>
-            <a:ext cx="10972440" cy="552600"/>
+            <a:off x="609480" y="273600"/>
+            <a:ext cx="10972440" cy="1144800"/>
           </a:xfrm>
           <a:prstGeom prst="rect">
             <a:avLst/>
@@ -3660,11 +3534,11 @@
             <a:noAutofit/>
           </a:bodyPr>
           <a:p>
-            <a:endParaRPr b="0" lang="en-US" sz="1800" spc="-1" strike="noStrike">
-              <a:solidFill>
-                <a:srgbClr val="000000"/>
-              </a:solidFill>
-              <a:latin typeface="Verdana"/>
+            <a:pPr algn="ctr">
+              <a:buNone/>
+            </a:pPr>
+            <a:endParaRPr b="0" lang="en-US" sz="4400" spc="-1" strike="noStrike">
+              <a:latin typeface="Arial"/>
             </a:endParaRPr>
           </a:p>
         </p:txBody>
@@ -3681,8 +3555,8 @@
         </p:nvSpPr>
         <p:spPr>
           <a:xfrm>
-            <a:off x="609480" y="1052640"/>
-            <a:ext cx="5354280" cy="5073120"/>
+            <a:off x="609480" y="1604520"/>
+            <a:ext cx="5354280" cy="3977280"/>
           </a:xfrm>
           <a:prstGeom prst="rect">
             <a:avLst/>
@@ -3697,11 +3571,8 @@
             <a:normAutofit/>
           </a:bodyPr>
           <a:p>
-            <a:endParaRPr b="0" lang="en-US" sz="2000" spc="-1" strike="noStrike">
-              <a:solidFill>
-                <a:srgbClr val="000000"/>
-              </a:solidFill>
-              <a:latin typeface="Verdana"/>
+            <a:endParaRPr b="0" lang="en-US" sz="3200" spc="-1" strike="noStrike">
+              <a:latin typeface="Arial"/>
             </a:endParaRPr>
           </a:p>
         </p:txBody>
@@ -3718,8 +3589,8 @@
         </p:nvSpPr>
         <p:spPr>
           <a:xfrm>
-            <a:off x="6231960" y="1052640"/>
-            <a:ext cx="5354280" cy="2419560"/>
+            <a:off x="6231960" y="1604520"/>
+            <a:ext cx="5354280" cy="1896840"/>
           </a:xfrm>
           <a:prstGeom prst="rect">
             <a:avLst/>
@@ -3734,11 +3605,8 @@
             <a:normAutofit/>
           </a:bodyPr>
           <a:p>
-            <a:endParaRPr b="0" lang="en-US" sz="2000" spc="-1" strike="noStrike">
-              <a:solidFill>
-                <a:srgbClr val="000000"/>
-              </a:solidFill>
-              <a:latin typeface="Verdana"/>
+            <a:endParaRPr b="0" lang="en-US" sz="3200" spc="-1" strike="noStrike">
+              <a:latin typeface="Arial"/>
             </a:endParaRPr>
           </a:p>
         </p:txBody>
@@ -3755,8 +3623,8 @@
         </p:nvSpPr>
         <p:spPr>
           <a:xfrm>
-            <a:off x="6231960" y="3702600"/>
-            <a:ext cx="5354280" cy="2419560"/>
+            <a:off x="6231960" y="3682080"/>
+            <a:ext cx="5354280" cy="1896840"/>
           </a:xfrm>
           <a:prstGeom prst="rect">
             <a:avLst/>
@@ -3771,11 +3639,8 @@
             <a:normAutofit/>
           </a:bodyPr>
           <a:p>
-            <a:endParaRPr b="0" lang="en-US" sz="2000" spc="-1" strike="noStrike">
-              <a:solidFill>
-                <a:srgbClr val="000000"/>
-              </a:solidFill>
-              <a:latin typeface="Verdana"/>
+            <a:endParaRPr b="0" lang="en-US" sz="3200" spc="-1" strike="noStrike">
+              <a:latin typeface="Arial"/>
             </a:endParaRPr>
           </a:p>
         </p:txBody>
@@ -3814,8 +3679,8 @@
         </p:nvSpPr>
         <p:spPr>
           <a:xfrm>
-            <a:off x="406440" y="260640"/>
-            <a:ext cx="10972440" cy="552600"/>
+            <a:off x="609480" y="273600"/>
+            <a:ext cx="10972440" cy="1144800"/>
           </a:xfrm>
           <a:prstGeom prst="rect">
             <a:avLst/>
@@ -3830,11 +3695,11 @@
             <a:noAutofit/>
           </a:bodyPr>
           <a:p>
-            <a:endParaRPr b="0" lang="en-US" sz="1800" spc="-1" strike="noStrike">
-              <a:solidFill>
-                <a:srgbClr val="000000"/>
-              </a:solidFill>
-              <a:latin typeface="Verdana"/>
+            <a:pPr algn="ctr">
+              <a:buNone/>
+            </a:pPr>
+            <a:endParaRPr b="0" lang="en-US" sz="4400" spc="-1" strike="noStrike">
+              <a:latin typeface="Arial"/>
             </a:endParaRPr>
           </a:p>
         </p:txBody>
@@ -3851,8 +3716,8 @@
         </p:nvSpPr>
         <p:spPr>
           <a:xfrm>
-            <a:off x="609480" y="1052640"/>
-            <a:ext cx="5354280" cy="2419560"/>
+            <a:off x="609480" y="1604520"/>
+            <a:ext cx="5354280" cy="1896840"/>
           </a:xfrm>
           <a:prstGeom prst="rect">
             <a:avLst/>
@@ -3867,11 +3732,8 @@
             <a:normAutofit/>
           </a:bodyPr>
           <a:p>
-            <a:endParaRPr b="0" lang="en-US" sz="2000" spc="-1" strike="noStrike">
-              <a:solidFill>
-                <a:srgbClr val="000000"/>
-              </a:solidFill>
-              <a:latin typeface="Verdana"/>
+            <a:endParaRPr b="0" lang="en-US" sz="3200" spc="-1" strike="noStrike">
+              <a:latin typeface="Arial"/>
             </a:endParaRPr>
           </a:p>
         </p:txBody>
@@ -3888,8 +3750,8 @@
         </p:nvSpPr>
         <p:spPr>
           <a:xfrm>
-            <a:off x="6231960" y="1052640"/>
-            <a:ext cx="5354280" cy="2419560"/>
+            <a:off x="6231960" y="1604520"/>
+            <a:ext cx="5354280" cy="1896840"/>
           </a:xfrm>
           <a:prstGeom prst="rect">
             <a:avLst/>
@@ -3904,11 +3766,8 @@
             <a:normAutofit/>
           </a:bodyPr>
           <a:p>
-            <a:endParaRPr b="0" lang="en-US" sz="2000" spc="-1" strike="noStrike">
-              <a:solidFill>
-                <a:srgbClr val="000000"/>
-              </a:solidFill>
-              <a:latin typeface="Verdana"/>
+            <a:endParaRPr b="0" lang="en-US" sz="3200" spc="-1" strike="noStrike">
+              <a:latin typeface="Arial"/>
             </a:endParaRPr>
           </a:p>
         </p:txBody>
@@ -3925,8 +3784,8 @@
         </p:nvSpPr>
         <p:spPr>
           <a:xfrm>
-            <a:off x="609480" y="3702600"/>
-            <a:ext cx="10972440" cy="2419560"/>
+            <a:off x="609480" y="3682080"/>
+            <a:ext cx="10972440" cy="1896840"/>
           </a:xfrm>
           <a:prstGeom prst="rect">
             <a:avLst/>
@@ -3941,11 +3800,8 @@
             <a:normAutofit/>
           </a:bodyPr>
           <a:p>
-            <a:endParaRPr b="0" lang="en-US" sz="2000" spc="-1" strike="noStrike">
-              <a:solidFill>
-                <a:srgbClr val="000000"/>
-              </a:solidFill>
-              <a:latin typeface="Verdana"/>
+            <a:endParaRPr b="0" lang="en-US" sz="3200" spc="-1" strike="noStrike">
+              <a:latin typeface="Arial"/>
             </a:endParaRPr>
           </a:p>
         </p:txBody>
@@ -3988,7 +3844,7 @@
         <p:spPr>
           <a:xfrm>
             <a:off x="0" y="0"/>
-            <a:ext cx="12191760" cy="6857640"/>
+            <a:ext cx="12191400" cy="6857280"/>
           </a:xfrm>
           <a:prstGeom prst="rect">
             <a:avLst/>
@@ -4029,7 +3885,7 @@
         <p:spPr>
           <a:xfrm>
             <a:off x="11547720" y="188640"/>
-            <a:ext cx="424080" cy="459360"/>
+            <a:ext cx="423720" cy="459000"/>
           </a:xfrm>
           <a:prstGeom prst="rect">
             <a:avLst/>
@@ -4048,7 +3904,7 @@
         <p:spPr>
           <a:xfrm>
             <a:off x="0" y="0"/>
-            <a:ext cx="12191760" cy="6857640"/>
+            <a:ext cx="12191400" cy="6857280"/>
           </a:xfrm>
           <a:prstGeom prst="rect">
             <a:avLst/>
@@ -4087,8 +3943,8 @@
         </p:blipFill>
         <p:spPr>
           <a:xfrm flipH="1">
-            <a:off x="5127840" y="0"/>
-            <a:ext cx="7064280" cy="6857640"/>
+            <a:off x="5128200" y="0"/>
+            <a:ext cx="7063920" cy="6857280"/>
           </a:xfrm>
           <a:prstGeom prst="rect">
             <a:avLst/>
@@ -4098,62 +3954,9 @@
           </a:ln>
         </p:spPr>
       </p:pic>
-      <p:sp>
-        <p:nvSpPr>
-          <p:cNvPr id="4" name="PlaceHolder 1"/>
-          <p:cNvSpPr>
-            <a:spLocks noGrp="1"/>
-          </p:cNvSpPr>
-          <p:nvPr>
-            <p:ph type="title"/>
-          </p:nvPr>
-        </p:nvSpPr>
-        <p:spPr>
-          <a:xfrm>
-            <a:off x="407880" y="3069000"/>
-            <a:ext cx="4967640" cy="720360"/>
-          </a:xfrm>
-          <a:prstGeom prst="rect">
-            <a:avLst/>
-          </a:prstGeom>
-          <a:noFill/>
-          <a:ln w="12600">
-            <a:noFill/>
-          </a:ln>
-        </p:spPr>
-        <p:txBody>
-          <a:bodyPr lIns="0" rIns="0" tIns="0" bIns="0" anchor="b">
-            <a:noAutofit/>
-          </a:bodyPr>
-          <a:p>
-            <a:pPr>
-              <a:lnSpc>
-                <a:spcPts val="2251"/>
-              </a:lnSpc>
-              <a:buNone/>
-            </a:pPr>
-            <a:r>
-              <a:rPr b="0" lang="en-US" sz="1950" spc="-1" strike="noStrike">
-                <a:solidFill>
-                  <a:srgbClr val="0070ad"/>
-                </a:solidFill>
-                <a:latin typeface="Verdana"/>
-                <a:ea typeface="Verdana"/>
-              </a:rPr>
-              <a:t>Click to insert title</a:t>
-            </a:r>
-            <a:endParaRPr b="0" lang="en-US" sz="1950" spc="-1" strike="noStrike">
-              <a:solidFill>
-                <a:srgbClr val="000000"/>
-              </a:solidFill>
-              <a:latin typeface="Verdana"/>
-            </a:endParaRPr>
-          </a:p>
-        </p:txBody>
-      </p:sp>
       <p:pic>
         <p:nvPicPr>
-          <p:cNvPr id="5" name="Graphic 9" descr=""/>
+          <p:cNvPr id="4" name="Graphic 9" descr=""/>
           <p:cNvPicPr/>
           <p:nvPr/>
         </p:nvPicPr>
@@ -4164,7 +3967,7 @@
         <p:spPr>
           <a:xfrm>
             <a:off x="407880" y="6101640"/>
-            <a:ext cx="2285640" cy="509760"/>
+            <a:ext cx="2285280" cy="509400"/>
           </a:xfrm>
           <a:prstGeom prst="rect">
             <a:avLst/>
@@ -4174,6 +3977,49 @@
           </a:ln>
         </p:spPr>
       </p:pic>
+      <p:sp>
+        <p:nvSpPr>
+          <p:cNvPr id="5" name="PlaceHolder 1"/>
+          <p:cNvSpPr>
+            <a:spLocks noGrp="1"/>
+          </p:cNvSpPr>
+          <p:nvPr>
+            <p:ph type="title"/>
+          </p:nvPr>
+        </p:nvSpPr>
+        <p:spPr>
+          <a:xfrm>
+            <a:off x="609480" y="273600"/>
+            <a:ext cx="10972440" cy="1144800"/>
+          </a:xfrm>
+          <a:prstGeom prst="rect">
+            <a:avLst/>
+          </a:prstGeom>
+          <a:noFill/>
+          <a:ln w="0">
+            <a:noFill/>
+          </a:ln>
+        </p:spPr>
+        <p:txBody>
+          <a:bodyPr lIns="0" rIns="0" tIns="0" bIns="0" anchor="ctr">
+            <a:noAutofit/>
+          </a:bodyPr>
+          <a:p>
+            <a:pPr algn="ctr">
+              <a:buNone/>
+            </a:pPr>
+            <a:r>
+              <a:rPr b="0" lang="en-US" sz="4400" spc="-1" strike="noStrike">
+                <a:latin typeface="Arial"/>
+              </a:rPr>
+              <a:t>Click to edit the title text format</a:t>
+            </a:r>
+            <a:endParaRPr b="0" lang="en-US" sz="4400" spc="-1" strike="noStrike">
+              <a:latin typeface="Arial"/>
+            </a:endParaRPr>
+          </a:p>
+        </p:txBody>
+      </p:sp>
       <p:sp>
         <p:nvSpPr>
           <p:cNvPr id="6" name="PlaceHolder 2"/>
@@ -4214,19 +4060,25 @@
               <a:buChar char=""/>
             </a:pPr>
             <a:r>
-              <a:rPr b="0" lang="en-US" sz="2000" spc="-1" strike="noStrike">
-                <a:solidFill>
-                  <a:srgbClr val="000000"/>
-                </a:solidFill>
-                <a:latin typeface="Verdana"/>
-              </a:rPr>
-              <a:t>Click to edit the outline text format</a:t>
-            </a:r>
-            <a:endParaRPr b="0" lang="en-US" sz="2000" spc="-1" strike="noStrike">
-              <a:solidFill>
-                <a:srgbClr val="000000"/>
-              </a:solidFill>
-              <a:latin typeface="Verdana"/>
+              <a:rPr b="0" lang="en-US" sz="3200" spc="-1" strike="noStrike">
+                <a:latin typeface="Arial"/>
+              </a:rPr>
+              <a:t>Click to edit the </a:t>
+            </a:r>
+            <a:r>
+              <a:rPr b="0" lang="en-US" sz="3200" spc="-1" strike="noStrike">
+                <a:latin typeface="Arial"/>
+              </a:rPr>
+              <a:t>outline text </a:t>
+            </a:r>
+            <a:r>
+              <a:rPr b="0" lang="en-US" sz="3200" spc="-1" strike="noStrike">
+                <a:latin typeface="Arial"/>
+              </a:rPr>
+              <a:t>format</a:t>
+            </a:r>
+            <a:endParaRPr b="0" lang="en-US" sz="3200" spc="-1" strike="noStrike">
+              <a:latin typeface="Arial"/>
             </a:endParaRPr>
           </a:p>
           <a:p>
@@ -4242,19 +4094,19 @@
               <a:buChar char=""/>
             </a:pPr>
             <a:r>
-              <a:rPr b="0" lang="en-US" sz="1400" spc="-1" strike="noStrike">
-                <a:solidFill>
-                  <a:srgbClr val="000000"/>
-                </a:solidFill>
-                <a:latin typeface="Verdana"/>
-              </a:rPr>
-              <a:t>Second Outline Level</a:t>
-            </a:r>
-            <a:endParaRPr b="0" lang="en-US" sz="1400" spc="-1" strike="noStrike">
-              <a:solidFill>
-                <a:srgbClr val="000000"/>
-              </a:solidFill>
-              <a:latin typeface="Verdana"/>
+              <a:rPr b="0" lang="en-US" sz="2800" spc="-1" strike="noStrike">
+                <a:latin typeface="Arial"/>
+              </a:rPr>
+              <a:t>Second Outline </a:t>
+            </a:r>
+            <a:r>
+              <a:rPr b="0" lang="en-US" sz="2800" spc="-1" strike="noStrike">
+                <a:latin typeface="Arial"/>
+              </a:rPr>
+              <a:t>Level</a:t>
+            </a:r>
+            <a:endParaRPr b="0" lang="en-US" sz="2800" spc="-1" strike="noStrike">
+              <a:latin typeface="Arial"/>
             </a:endParaRPr>
           </a:p>
           <a:p>
@@ -4270,26 +4122,23 @@
               <a:buChar char=""/>
             </a:pPr>
             <a:r>
-              <a:rPr b="0" lang="en-US" sz="1400" spc="-1" strike="noStrike">
-                <a:solidFill>
-                  <a:srgbClr val="000000"/>
-                </a:solidFill>
-                <a:latin typeface="Verdana"/>
-              </a:rPr>
-              <a:t>Third Outline Level</a:t>
-            </a:r>
-            <a:endParaRPr b="0" lang="en-US" sz="1400" spc="-1" strike="noStrike">
-              <a:solidFill>
-                <a:srgbClr val="000000"/>
-              </a:solidFill>
-              <a:latin typeface="Verdana"/>
+              <a:rPr b="0" lang="en-US" sz="2400" spc="-1" strike="noStrike">
+                <a:latin typeface="Arial"/>
+              </a:rPr>
+              <a:t>Third Outline </a:t>
+            </a:r>
+            <a:r>
+              <a:rPr b="0" lang="en-US" sz="2400" spc="-1" strike="noStrike">
+                <a:latin typeface="Arial"/>
+              </a:rPr>
+              <a:t>Level</a:t>
+            </a:r>
+            <a:endParaRPr b="0" lang="en-US" sz="2400" spc="-1" strike="noStrike">
+              <a:latin typeface="Arial"/>
             </a:endParaRPr>
           </a:p>
           <a:p>
             <a:pPr lvl="3" marL="1728000" indent="-216000">
-              <a:lnSpc>
-                <a:spcPct val="90000"/>
-              </a:lnSpc>
               <a:spcBef>
                 <a:spcPts val="567"/>
               </a:spcBef>
@@ -4301,26 +4150,23 @@
               <a:buChar char=""/>
             </a:pPr>
             <a:r>
-              <a:rPr b="0" lang="en-US" sz="820" spc="-1" strike="noStrike">
-                <a:solidFill>
-                  <a:srgbClr val="000000"/>
-                </a:solidFill>
-                <a:latin typeface="Verdana"/>
-              </a:rPr>
-              <a:t>Fourth Outline Level</a:t>
-            </a:r>
-            <a:endParaRPr b="0" lang="en-US" sz="820" spc="-1" strike="noStrike">
-              <a:solidFill>
-                <a:srgbClr val="000000"/>
-              </a:solidFill>
-              <a:latin typeface="Verdana"/>
+              <a:rPr b="0" lang="en-US" sz="2000" spc="-1" strike="noStrike">
+                <a:latin typeface="Arial"/>
+              </a:rPr>
+              <a:t>Fourth Outline </a:t>
+            </a:r>
+            <a:r>
+              <a:rPr b="0" lang="en-US" sz="2000" spc="-1" strike="noStrike">
+                <a:latin typeface="Arial"/>
+              </a:rPr>
+              <a:t>Level</a:t>
+            </a:r>
+            <a:endParaRPr b="0" lang="en-US" sz="2000" spc="-1" strike="noStrike">
+              <a:latin typeface="Arial"/>
             </a:endParaRPr>
           </a:p>
           <a:p>
             <a:pPr lvl="4" marL="2160000" indent="-216000">
-              <a:lnSpc>
-                <a:spcPct val="90000"/>
-              </a:lnSpc>
               <a:spcBef>
                 <a:spcPts val="283"/>
               </a:spcBef>
@@ -4333,25 +4179,22 @@
             </a:pPr>
             <a:r>
               <a:rPr b="0" lang="en-US" sz="2000" spc="-1" strike="noStrike">
-                <a:solidFill>
-                  <a:srgbClr val="000000"/>
-                </a:solidFill>
-                <a:latin typeface="Verdana"/>
-              </a:rPr>
-              <a:t>Fifth Outline Level</a:t>
+                <a:latin typeface="Arial"/>
+              </a:rPr>
+              <a:t>Fifth Outline </a:t>
+            </a:r>
+            <a:r>
+              <a:rPr b="0" lang="en-US" sz="2000" spc="-1" strike="noStrike">
+                <a:latin typeface="Arial"/>
+              </a:rPr>
+              <a:t>Level</a:t>
             </a:r>
             <a:endParaRPr b="0" lang="en-US" sz="2000" spc="-1" strike="noStrike">
-              <a:solidFill>
-                <a:srgbClr val="000000"/>
-              </a:solidFill>
-              <a:latin typeface="Verdana"/>
+              <a:latin typeface="Arial"/>
             </a:endParaRPr>
           </a:p>
           <a:p>
             <a:pPr lvl="5" marL="2592000" indent="-216000">
-              <a:lnSpc>
-                <a:spcPct val="90000"/>
-              </a:lnSpc>
               <a:spcBef>
                 <a:spcPts val="283"/>
               </a:spcBef>
@@ -4364,25 +4207,28 @@
             </a:pPr>
             <a:r>
               <a:rPr b="0" lang="en-US" sz="2000" spc="-1" strike="noStrike">
-                <a:solidFill>
-                  <a:srgbClr val="000000"/>
-                </a:solidFill>
-                <a:latin typeface="Verdana"/>
-              </a:rPr>
-              <a:t>Sixth Outline Level</a:t>
+                <a:latin typeface="Arial"/>
+              </a:rPr>
+              <a:t>Sixth </a:t>
+            </a:r>
+            <a:r>
+              <a:rPr b="0" lang="en-US" sz="2000" spc="-1" strike="noStrike">
+                <a:latin typeface="Arial"/>
+              </a:rPr>
+              <a:t>Outline </a:t>
+            </a:r>
+            <a:r>
+              <a:rPr b="0" lang="en-US" sz="2000" spc="-1" strike="noStrike">
+                <a:latin typeface="Arial"/>
+              </a:rPr>
+              <a:t>Level</a:t>
             </a:r>
             <a:endParaRPr b="0" lang="en-US" sz="2000" spc="-1" strike="noStrike">
-              <a:solidFill>
-                <a:srgbClr val="000000"/>
-              </a:solidFill>
-              <a:latin typeface="Verdana"/>
+              <a:latin typeface="Arial"/>
             </a:endParaRPr>
           </a:p>
           <a:p>
             <a:pPr lvl="6" marL="3024000" indent="-216000">
-              <a:lnSpc>
-                <a:spcPct val="90000"/>
-              </a:lnSpc>
               <a:spcBef>
                 <a:spcPts val="283"/>
               </a:spcBef>
@@ -4395,18 +4241,42 @@
             </a:pPr>
             <a:r>
               <a:rPr b="0" lang="en-US" sz="2000" spc="-1" strike="noStrike">
-                <a:solidFill>
-                  <a:srgbClr val="000000"/>
-                </a:solidFill>
-                <a:latin typeface="Verdana"/>
-              </a:rPr>
-              <a:t>Seventh Outline Level</a:t>
+                <a:latin typeface="Arial"/>
+              </a:rPr>
+              <a:t>Sev</a:t>
+            </a:r>
+            <a:r>
+              <a:rPr b="0" lang="en-US" sz="2000" spc="-1" strike="noStrike">
+                <a:latin typeface="Arial"/>
+              </a:rPr>
+              <a:t>enth </a:t>
+            </a:r>
+            <a:r>
+              <a:rPr b="0" lang="en-US" sz="2000" spc="-1" strike="noStrike">
+                <a:latin typeface="Arial"/>
+              </a:rPr>
+              <a:t>Outli</a:t>
+            </a:r>
+            <a:r>
+              <a:rPr b="0" lang="en-US" sz="2000" spc="-1" strike="noStrike">
+                <a:latin typeface="Arial"/>
+              </a:rPr>
+              <a:t>ne </a:t>
+            </a:r>
+            <a:r>
+              <a:rPr b="0" lang="en-US" sz="2000" spc="-1" strike="noStrike">
+                <a:latin typeface="Arial"/>
+              </a:rPr>
+              <a:t>Lev</a:t>
+            </a:r>
+            <a:r>
+              <a:rPr b="0" lang="en-US" sz="2000" spc="-1" strike="noStrike">
+                <a:latin typeface="Arial"/>
+              </a:rPr>
+              <a:t>el</a:t>
             </a:r>
             <a:endParaRPr b="0" lang="en-US" sz="2000" spc="-1" strike="noStrike">
-              <a:solidFill>
-                <a:srgbClr val="000000"/>
-              </a:solidFill>
-              <a:latin typeface="Verdana"/>
+              <a:latin typeface="Arial"/>
             </a:endParaRPr>
           </a:p>
         </p:txBody>
@@ -4464,7 +4334,7 @@
         <p:spPr>
           <a:xfrm>
             <a:off x="0" y="0"/>
-            <a:ext cx="12191760" cy="6857640"/>
+            <a:ext cx="12191400" cy="6857280"/>
           </a:xfrm>
           <a:prstGeom prst="rect">
             <a:avLst/>
@@ -4505,7 +4375,7 @@
         <p:spPr>
           <a:xfrm>
             <a:off x="11547720" y="188640"/>
-            <a:ext cx="424080" cy="459360"/>
+            <a:ext cx="423720" cy="459000"/>
           </a:xfrm>
           <a:prstGeom prst="rect">
             <a:avLst/>
@@ -4522,266 +4392,70 @@
             <a:spLocks noGrp="1"/>
           </p:cNvSpPr>
           <p:nvPr>
-            <p:ph type="title"/>
-          </p:nvPr>
-        </p:nvSpPr>
-        <p:spPr>
-          <a:xfrm>
-            <a:off x="406440" y="260640"/>
-            <a:ext cx="10972440" cy="552600"/>
-          </a:xfrm>
-          <a:prstGeom prst="rect">
-            <a:avLst/>
-          </a:prstGeom>
-          <a:noFill/>
-          <a:ln w="0">
-            <a:noFill/>
-          </a:ln>
-        </p:spPr>
-        <p:txBody>
-          <a:bodyPr lIns="0" rIns="0" tIns="0" bIns="0" anchor="t">
-            <a:normAutofit/>
-          </a:bodyPr>
-          <a:p>
-            <a:pPr>
-              <a:lnSpc>
-                <a:spcPct val="90000"/>
-              </a:lnSpc>
-              <a:buNone/>
-            </a:pPr>
-            <a:r>
-              <a:rPr b="0" lang="en-US" sz="2400" spc="-1" strike="noStrike">
-                <a:solidFill>
-                  <a:srgbClr val="0070ad"/>
-                </a:solidFill>
-                <a:latin typeface="Verdana"/>
-                <a:ea typeface="Verdana"/>
-              </a:rPr>
-              <a:t>     </a:t>
-            </a:r>
-            <a:r>
-              <a:rPr b="0" lang="en-US" sz="2400" spc="-1" strike="noStrike">
-                <a:solidFill>
-                  <a:srgbClr val="0070ad"/>
-                </a:solidFill>
-                <a:latin typeface="Verdana"/>
-                <a:ea typeface="Verdana"/>
-              </a:rPr>
-              <a:t>Click to edit Master title style</a:t>
-            </a:r>
-            <a:endParaRPr b="0" lang="en-US" sz="2400" spc="-1" strike="noStrike">
-              <a:solidFill>
-                <a:srgbClr val="000000"/>
-              </a:solidFill>
-              <a:latin typeface="Verdana"/>
-            </a:endParaRPr>
-          </a:p>
-        </p:txBody>
-      </p:sp>
-      <p:sp>
-        <p:nvSpPr>
-          <p:cNvPr id="46" name="PlaceHolder 2"/>
-          <p:cNvSpPr>
-            <a:spLocks noGrp="1"/>
-          </p:cNvSpPr>
-          <p:nvPr>
-            <p:ph type="body"/>
-          </p:nvPr>
-        </p:nvSpPr>
-        <p:spPr>
-          <a:xfrm>
-            <a:off x="609480" y="1052640"/>
-            <a:ext cx="10972440" cy="5073120"/>
-          </a:xfrm>
-          <a:prstGeom prst="rect">
-            <a:avLst/>
-          </a:prstGeom>
-          <a:noFill/>
-          <a:ln w="0">
-            <a:noFill/>
-          </a:ln>
-        </p:spPr>
-        <p:txBody>
-          <a:bodyPr lIns="0" rIns="0" tIns="0" bIns="0" anchor="t">
+            <p:ph type="ftr" idx="1"/>
+          </p:nvPr>
+        </p:nvSpPr>
+        <p:spPr>
+          <a:xfrm>
+            <a:off x="4165560" y="6356520"/>
+            <a:ext cx="3859920" cy="364320"/>
+          </a:xfrm>
+          <a:prstGeom prst="rect">
+            <a:avLst/>
+          </a:prstGeom>
+          <a:noFill/>
+          <a:ln w="0">
+            <a:noFill/>
+          </a:ln>
+        </p:spPr>
+        <p:txBody>
+          <a:bodyPr lIns="90000" rIns="90000" tIns="45000" bIns="45000" anchor="t">
             <a:noAutofit/>
           </a:bodyPr>
-          <a:p>
-            <a:pPr>
+          <a:lstStyle>
+            <a:lvl1pPr algn="ctr">
               <a:lnSpc>
                 <a:spcPct val="100000"/>
               </a:lnSpc>
-              <a:spcAft>
-                <a:spcPts val="451"/>
-              </a:spcAft>
               <a:buNone/>
-              <a:tabLst>
-                <a:tab algn="l" pos="0"/>
-              </a:tabLst>
-            </a:pPr>
-            <a:r>
-              <a:rPr b="0" lang="en-US" sz="2400" spc="-1" strike="noStrike">
-                <a:solidFill>
-                  <a:srgbClr val="000000"/>
-                </a:solidFill>
-                <a:latin typeface="Verdana"/>
-              </a:rPr>
-              <a:t>Click to edit Master text styles</a:t>
-            </a:r>
-            <a:endParaRPr b="0" lang="en-US" sz="2400" spc="-1" strike="noStrike">
-              <a:solidFill>
-                <a:srgbClr val="000000"/>
-              </a:solidFill>
-              <a:latin typeface="Verdana"/>
-            </a:endParaRPr>
-          </a:p>
-          <a:p>
-            <a:pPr lvl="1" marL="174960" indent="-171360">
+              <a:defRPr b="0" lang="en-US" sz="1400" spc="-1" strike="noStrike">
+                <a:latin typeface="Times New Roman"/>
+              </a:defRPr>
+            </a:lvl1pPr>
+          </a:lstStyle>
+          <a:p>
+            <a:pPr algn="ctr">
               <a:lnSpc>
                 <a:spcPct val="100000"/>
               </a:lnSpc>
-              <a:spcAft>
-                <a:spcPts val="451"/>
-              </a:spcAft>
-              <a:buClr>
-                <a:srgbClr val="0070ad"/>
-              </a:buClr>
-              <a:buFont typeface="Wingdings" charset="2"/>
-              <a:buChar char=""/>
-              <a:tabLst>
-                <a:tab algn="l" pos="0"/>
-              </a:tabLst>
-            </a:pPr>
-            <a:r>
-              <a:rPr b="0" lang="en-US" sz="1600" spc="-1" strike="noStrike">
-                <a:solidFill>
-                  <a:srgbClr val="000000"/>
-                </a:solidFill>
-                <a:latin typeface="Verdana"/>
-              </a:rPr>
-              <a:t>Second level</a:t>
-            </a:r>
-            <a:endParaRPr b="0" lang="en-US" sz="1600" spc="-1" strike="noStrike">
-              <a:solidFill>
-                <a:srgbClr val="000000"/>
-              </a:solidFill>
-              <a:latin typeface="Verdana"/>
-            </a:endParaRPr>
-          </a:p>
-          <a:p>
-            <a:pPr lvl="2" marL="343080" indent="-171360">
-              <a:lnSpc>
-                <a:spcPct val="100000"/>
-              </a:lnSpc>
-              <a:spcAft>
-                <a:spcPts val="451"/>
-              </a:spcAft>
-              <a:buClr>
-                <a:srgbClr val="0070ad"/>
-              </a:buClr>
-              <a:buFont typeface="Arial"/>
-              <a:buChar char="•"/>
-              <a:tabLst>
-                <a:tab algn="l" pos="0"/>
-              </a:tabLst>
+              <a:buNone/>
             </a:pPr>
             <a:r>
               <a:rPr b="0" lang="en-US" sz="1400" spc="-1" strike="noStrike">
-                <a:solidFill>
-                  <a:srgbClr val="000000"/>
-                </a:solidFill>
-                <a:latin typeface="Verdana"/>
-              </a:rPr>
-              <a:t>Third level</a:t>
+                <a:latin typeface="Times New Roman"/>
+              </a:rPr>
+              <a:t>&lt;footer&gt;</a:t>
             </a:r>
             <a:endParaRPr b="0" lang="en-US" sz="1400" spc="-1" strike="noStrike">
-              <a:solidFill>
-                <a:srgbClr val="000000"/>
-              </a:solidFill>
-              <a:latin typeface="Verdana"/>
-            </a:endParaRPr>
-          </a:p>
-          <a:p>
-            <a:pPr lvl="3" marL="518040" indent="-174960">
-              <a:lnSpc>
-                <a:spcPct val="100000"/>
-              </a:lnSpc>
-              <a:spcAft>
-                <a:spcPts val="451"/>
-              </a:spcAft>
-              <a:buClr>
-                <a:srgbClr val="0070ad"/>
-              </a:buClr>
-              <a:buFont typeface="Arial"/>
-              <a:buChar char="‒"/>
-              <a:tabLst>
-                <a:tab algn="l" pos="0"/>
-              </a:tabLst>
-            </a:pPr>
-            <a:r>
-              <a:rPr b="0" lang="en-US" sz="1400" spc="-1" strike="noStrike">
-                <a:solidFill>
-                  <a:srgbClr val="000000"/>
-                </a:solidFill>
-                <a:latin typeface="Verdana"/>
-              </a:rPr>
-              <a:t>Fourth level</a:t>
-            </a:r>
-            <a:endParaRPr b="0" lang="en-US" sz="1400" spc="-1" strike="noStrike">
-              <a:solidFill>
-                <a:srgbClr val="000000"/>
-              </a:solidFill>
-              <a:latin typeface="Verdana"/>
-            </a:endParaRPr>
-          </a:p>
-          <a:p>
-            <a:pPr lvl="4" marL="1542960" indent="-171360">
-              <a:lnSpc>
-                <a:spcPct val="90000"/>
-              </a:lnSpc>
-              <a:spcBef>
-                <a:spcPts val="374"/>
-              </a:spcBef>
-              <a:buClr>
-                <a:srgbClr val="000000"/>
-              </a:buClr>
-              <a:buFont typeface="Arial"/>
-              <a:buChar char="•"/>
-              <a:tabLst>
-                <a:tab algn="l" pos="0"/>
-              </a:tabLst>
-            </a:pPr>
-            <a:r>
-              <a:rPr b="0" lang="en-US" sz="1200" spc="-1" strike="noStrike">
-                <a:solidFill>
-                  <a:srgbClr val="000000"/>
-                </a:solidFill>
-                <a:latin typeface="Verdana"/>
-              </a:rPr>
-              <a:t>Fifth level</a:t>
-            </a:r>
-            <a:endParaRPr b="0" lang="en-US" sz="1200" spc="-1" strike="noStrike">
-              <a:solidFill>
-                <a:srgbClr val="000000"/>
-              </a:solidFill>
-              <a:latin typeface="Verdana"/>
-            </a:endParaRPr>
-          </a:p>
-        </p:txBody>
-      </p:sp>
-      <p:sp>
-        <p:nvSpPr>
-          <p:cNvPr id="47" name="PlaceHolder 3"/>
-          <p:cNvSpPr>
-            <a:spLocks noGrp="1"/>
-          </p:cNvSpPr>
-          <p:nvPr>
-            <p:ph type="dt" idx="1"/>
-          </p:nvPr>
-        </p:nvSpPr>
-        <p:spPr>
-          <a:xfrm>
-            <a:off x="609480" y="6356520"/>
-            <a:ext cx="2844360" cy="364680"/>
+              <a:latin typeface="Times New Roman"/>
+            </a:endParaRPr>
+          </a:p>
+        </p:txBody>
+      </p:sp>
+      <p:sp>
+        <p:nvSpPr>
+          <p:cNvPr id="46" name="PlaceHolder 2"/>
+          <p:cNvSpPr>
+            <a:spLocks noGrp="1"/>
+          </p:cNvSpPr>
+          <p:nvPr>
+            <p:ph type="sldNum" idx="2"/>
+          </p:nvPr>
+        </p:nvSpPr>
+        <p:spPr>
+          <a:xfrm>
+            <a:off x="8737560" y="6356520"/>
+            <a:ext cx="2844000" cy="364320"/>
           </a:xfrm>
           <a:prstGeom prst="rect">
             <a:avLst/>
@@ -4816,15 +4490,15 @@
               </a:lnSpc>
               <a:buNone/>
             </a:pPr>
-            <a:r>
+            <a:fld id="{1E44AF2D-55E5-4612-91E3-25AC8E9D8D48}" type="slidenum">
               <a:rPr b="0" lang="en-IN" sz="1800" spc="-1" strike="noStrike">
                 <a:solidFill>
                   <a:srgbClr val="000000"/>
                 </a:solidFill>
                 <a:latin typeface="Verdana"/>
               </a:rPr>
-              <a:t>&lt;date/time&gt;</a:t>
-            </a:r>
+              <a:t>&lt;number&gt;</a:t>
+            </a:fld>
             <a:endParaRPr b="0" lang="en-US" sz="1800" spc="-1" strike="noStrike">
               <a:latin typeface="Times New Roman"/>
             </a:endParaRPr>
@@ -4833,18 +4507,18 @@
       </p:sp>
       <p:sp>
         <p:nvSpPr>
-          <p:cNvPr id="48" name="PlaceHolder 4"/>
-          <p:cNvSpPr>
-            <a:spLocks noGrp="1"/>
-          </p:cNvSpPr>
-          <p:nvPr>
-            <p:ph type="ftr" idx="2"/>
-          </p:nvPr>
-        </p:nvSpPr>
-        <p:spPr>
-          <a:xfrm>
-            <a:off x="4165560" y="6356520"/>
-            <a:ext cx="3860280" cy="364680"/>
+          <p:cNvPr id="47" name="PlaceHolder 3"/>
+          <p:cNvSpPr>
+            <a:spLocks noGrp="1"/>
+          </p:cNvSpPr>
+          <p:nvPr>
+            <p:ph type="dt" idx="3"/>
+          </p:nvPr>
+        </p:nvSpPr>
+        <p:spPr>
+          <a:xfrm>
+            <a:off x="609480" y="6356520"/>
+            <a:ext cx="2844000" cy="364320"/>
           </a:xfrm>
           <a:prstGeom prst="rect">
             <a:avLst/>
@@ -4859,25 +4533,64 @@
             <a:noAutofit/>
           </a:bodyPr>
           <a:lstStyle>
-            <a:lvl1pPr algn="ctr">
-              <a:buNone/>
+            <a:lvl1pPr>
               <a:defRPr b="0" lang="en-US" sz="1400" spc="-1" strike="noStrike">
                 <a:latin typeface="Times New Roman"/>
               </a:defRPr>
             </a:lvl1pPr>
           </a:lstStyle>
           <a:p>
+            <a:r>
+              <a:rPr b="0" lang="en-US" sz="1400" spc="-1" strike="noStrike">
+                <a:latin typeface="Times New Roman"/>
+              </a:rPr>
+              <a:t>&lt;date/time&gt;</a:t>
+            </a:r>
+            <a:endParaRPr b="0" lang="en-US" sz="1400" spc="-1" strike="noStrike">
+              <a:latin typeface="Times New Roman"/>
+            </a:endParaRPr>
+          </a:p>
+        </p:txBody>
+      </p:sp>
+      <p:sp>
+        <p:nvSpPr>
+          <p:cNvPr id="48" name="PlaceHolder 4"/>
+          <p:cNvSpPr>
+            <a:spLocks noGrp="1"/>
+          </p:cNvSpPr>
+          <p:nvPr>
+            <p:ph type="title"/>
+          </p:nvPr>
+        </p:nvSpPr>
+        <p:spPr>
+          <a:xfrm>
+            <a:off x="609480" y="273600"/>
+            <a:ext cx="10972440" cy="1144800"/>
+          </a:xfrm>
+          <a:prstGeom prst="rect">
+            <a:avLst/>
+          </a:prstGeom>
+          <a:noFill/>
+          <a:ln w="0">
+            <a:noFill/>
+          </a:ln>
+        </p:spPr>
+        <p:txBody>
+          <a:bodyPr lIns="0" rIns="0" tIns="0" bIns="0" anchor="ctr">
+            <a:noAutofit/>
+          </a:bodyPr>
+          <a:p>
             <a:pPr algn="ctr">
               <a:buNone/>
             </a:pPr>
             <a:r>
-              <a:rPr b="0" lang="en-US" sz="1400" spc="-1" strike="noStrike">
-                <a:latin typeface="Times New Roman"/>
-              </a:rPr>
-              <a:t>&lt;footer&gt;</a:t>
-            </a:r>
-            <a:endParaRPr b="0" lang="en-US" sz="1400" spc="-1" strike="noStrike">
-              <a:latin typeface="Times New Roman"/>
+              <a:rPr b="0" lang="en-US" sz="4400" spc="-1" strike="noStrike">
+                <a:latin typeface="Arial"/>
+              </a:rPr>
+              <a:t>Click to edit the title text format</a:t>
+            </a:r>
+            <a:endParaRPr b="0" lang="en-US" sz="4400" spc="-1" strike="noStrike">
+              <a:latin typeface="Arial"/>
             </a:endParaRPr>
           </a:p>
         </p:txBody>
@@ -4889,58 +4602,178 @@
             <a:spLocks noGrp="1"/>
           </p:cNvSpPr>
           <p:nvPr>
-            <p:ph type="sldNum" idx="3"/>
-          </p:nvPr>
-        </p:nvSpPr>
-        <p:spPr>
-          <a:xfrm>
-            <a:off x="8737560" y="6356520"/>
-            <a:ext cx="2844360" cy="364680"/>
-          </a:xfrm>
-          <a:prstGeom prst="rect">
-            <a:avLst/>
-          </a:prstGeom>
-          <a:noFill/>
-          <a:ln w="0">
-            <a:noFill/>
-          </a:ln>
-        </p:spPr>
-        <p:txBody>
-          <a:bodyPr lIns="90000" rIns="90000" tIns="45000" bIns="45000" anchor="t">
-            <a:noAutofit/>
-          </a:bodyPr>
-          <a:lstStyle>
-            <a:lvl1pPr>
-              <a:lnSpc>
-                <a:spcPct val="100000"/>
-              </a:lnSpc>
-              <a:buNone/>
-              <a:defRPr b="0" lang="en-IN" sz="1800" spc="-1" strike="noStrike">
-                <a:solidFill>
-                  <a:srgbClr val="000000"/>
-                </a:solidFill>
-                <a:latin typeface="Verdana"/>
-              </a:defRPr>
-            </a:lvl1pPr>
-          </a:lstStyle>
-          <a:p>
-            <a:pPr>
-              <a:lnSpc>
-                <a:spcPct val="100000"/>
-              </a:lnSpc>
-              <a:buNone/>
-            </a:pPr>
-            <a:fld id="{EC775667-5DF2-4468-95A7-399ABFA3D7CC}" type="slidenum">
-              <a:rPr b="0" lang="en-IN" sz="1800" spc="-1" strike="noStrike">
-                <a:solidFill>
-                  <a:srgbClr val="000000"/>
-                </a:solidFill>
-                <a:latin typeface="Verdana"/>
-              </a:rPr>
-              <a:t>&lt;number&gt;</a:t>
-            </a:fld>
-            <a:endParaRPr b="0" lang="en-US" sz="1800" spc="-1" strike="noStrike">
-              <a:latin typeface="Times New Roman"/>
+            <p:ph type="body"/>
+          </p:nvPr>
+        </p:nvSpPr>
+        <p:spPr>
+          <a:xfrm>
+            <a:off x="609480" y="1604520"/>
+            <a:ext cx="10972440" cy="3977280"/>
+          </a:xfrm>
+          <a:prstGeom prst="rect">
+            <a:avLst/>
+          </a:prstGeom>
+          <a:noFill/>
+          <a:ln w="0">
+            <a:noFill/>
+          </a:ln>
+        </p:spPr>
+        <p:txBody>
+          <a:bodyPr lIns="0" rIns="0" tIns="0" bIns="0" anchor="t">
+            <a:normAutofit/>
+          </a:bodyPr>
+          <a:p>
+            <a:pPr marL="432000" indent="-324000">
+              <a:spcBef>
+                <a:spcPts val="1417"/>
+              </a:spcBef>
+              <a:buClr>
+                <a:srgbClr val="000000"/>
+              </a:buClr>
+              <a:buSzPct val="45000"/>
+              <a:buFont typeface="Wingdings" charset="2"/>
+              <a:buChar char=""/>
+            </a:pPr>
+            <a:r>
+              <a:rPr b="0" lang="en-US" sz="3200" spc="-1" strike="noStrike">
+                <a:latin typeface="Arial"/>
+              </a:rPr>
+              <a:t>Click to edit the outline text format</a:t>
+            </a:r>
+            <a:endParaRPr b="0" lang="en-US" sz="3200" spc="-1" strike="noStrike">
+              <a:latin typeface="Arial"/>
+            </a:endParaRPr>
+          </a:p>
+          <a:p>
+            <a:pPr lvl="1" marL="864000" indent="-324000">
+              <a:spcBef>
+                <a:spcPts val="1134"/>
+              </a:spcBef>
+              <a:buClr>
+                <a:srgbClr val="000000"/>
+              </a:buClr>
+              <a:buSzPct val="75000"/>
+              <a:buFont typeface="Symbol" charset="2"/>
+              <a:buChar char=""/>
+            </a:pPr>
+            <a:r>
+              <a:rPr b="0" lang="en-US" sz="2800" spc="-1" strike="noStrike">
+                <a:latin typeface="Arial"/>
+              </a:rPr>
+              <a:t>Second Outline Level</a:t>
+            </a:r>
+            <a:endParaRPr b="0" lang="en-US" sz="2800" spc="-1" strike="noStrike">
+              <a:latin typeface="Arial"/>
+            </a:endParaRPr>
+          </a:p>
+          <a:p>
+            <a:pPr lvl="2" marL="1296000" indent="-288000">
+              <a:spcBef>
+                <a:spcPts val="850"/>
+              </a:spcBef>
+              <a:buClr>
+                <a:srgbClr val="000000"/>
+              </a:buClr>
+              <a:buSzPct val="45000"/>
+              <a:buFont typeface="Wingdings" charset="2"/>
+              <a:buChar char=""/>
+            </a:pPr>
+            <a:r>
+              <a:rPr b="0" lang="en-US" sz="2400" spc="-1" strike="noStrike">
+                <a:latin typeface="Arial"/>
+              </a:rPr>
+              <a:t>Third Outline Level</a:t>
+            </a:r>
+            <a:endParaRPr b="0" lang="en-US" sz="2400" spc="-1" strike="noStrike">
+              <a:latin typeface="Arial"/>
+            </a:endParaRPr>
+          </a:p>
+          <a:p>
+            <a:pPr lvl="3" marL="1728000" indent="-216000">
+              <a:spcBef>
+                <a:spcPts val="567"/>
+              </a:spcBef>
+              <a:buClr>
+                <a:srgbClr val="000000"/>
+              </a:buClr>
+              <a:buSzPct val="75000"/>
+              <a:buFont typeface="Symbol" charset="2"/>
+              <a:buChar char=""/>
+            </a:pPr>
+            <a:r>
+              <a:rPr b="0" lang="en-US" sz="2000" spc="-1" strike="noStrike">
+                <a:latin typeface="Arial"/>
+              </a:rPr>
+              <a:t>Fourth Outline Level</a:t>
+            </a:r>
+            <a:endParaRPr b="0" lang="en-US" sz="2000" spc="-1" strike="noStrike">
+              <a:latin typeface="Arial"/>
+            </a:endParaRPr>
+          </a:p>
+          <a:p>
+            <a:pPr lvl="4" marL="2160000" indent="-216000">
+              <a:spcBef>
+                <a:spcPts val="283"/>
+              </a:spcBef>
+              <a:buClr>
+                <a:srgbClr val="000000"/>
+              </a:buClr>
+              <a:buSzPct val="45000"/>
+              <a:buFont typeface="Wingdings" charset="2"/>
+              <a:buChar char=""/>
+            </a:pPr>
+            <a:r>
+              <a:rPr b="0" lang="en-US" sz="2000" spc="-1" strike="noStrike">
+                <a:latin typeface="Arial"/>
+              </a:rPr>
+              <a:t>Fifth Outline Level</a:t>
+            </a:r>
+            <a:endParaRPr b="0" lang="en-US" sz="2000" spc="-1" strike="noStrike">
+              <a:latin typeface="Arial"/>
+            </a:endParaRPr>
+          </a:p>
+          <a:p>
+            <a:pPr lvl="5" marL="2592000" indent="-216000">
+              <a:spcBef>
+                <a:spcPts val="283"/>
+              </a:spcBef>
+              <a:buClr>
+                <a:srgbClr val="000000"/>
+              </a:buClr>
+              <a:buSzPct val="45000"/>
+              <a:buFont typeface="Wingdings" charset="2"/>
+              <a:buChar char=""/>
+            </a:pPr>
+            <a:r>
+              <a:rPr b="0" lang="en-US" sz="2000" spc="-1" strike="noStrike">
+                <a:latin typeface="Arial"/>
+              </a:rPr>
+              <a:t>Sixth Outline Level</a:t>
+            </a:r>
+            <a:endParaRPr b="0" lang="en-US" sz="2000" spc="-1" strike="noStrike">
+              <a:latin typeface="Arial"/>
+            </a:endParaRPr>
+          </a:p>
+          <a:p>
+            <a:pPr lvl="6" marL="3024000" indent="-216000">
+              <a:spcBef>
+                <a:spcPts val="283"/>
+              </a:spcBef>
+              <a:buClr>
+                <a:srgbClr val="000000"/>
+              </a:buClr>
+              <a:buSzPct val="45000"/>
+              <a:buFont typeface="Wingdings" charset="2"/>
+              <a:buChar char=""/>
+            </a:pPr>
+            <a:r>
+              <a:rPr b="0" lang="en-US" sz="2000" spc="-1" strike="noStrike">
+                <a:latin typeface="Arial"/>
+              </a:rPr>
+              <a:t>Seventh Outline Level</a:t>
+            </a:r>
+            <a:endParaRPr b="0" lang="en-US" sz="2000" spc="-1" strike="noStrike">
+              <a:latin typeface="Arial"/>
             </a:endParaRPr>
           </a:p>
         </p:txBody>
@@ -4995,7 +4828,7 @@
         <p:spPr>
           <a:xfrm>
             <a:off x="402840" y="1277280"/>
-            <a:ext cx="7918920" cy="4974480"/>
+            <a:ext cx="7918560" cy="4974120"/>
           </a:xfrm>
           <a:prstGeom prst="rect">
             <a:avLst/>
@@ -5027,10 +4860,7 @@
               <a:t>Car Parking Application</a:t>
             </a:r>
             <a:endParaRPr b="0" lang="en-US" sz="4400" spc="-1" strike="noStrike">
-              <a:solidFill>
-                <a:srgbClr val="000000"/>
-              </a:solidFill>
-              <a:latin typeface="Verdana"/>
+              <a:latin typeface="Arial"/>
             </a:endParaRPr>
           </a:p>
         </p:txBody>
@@ -5044,7 +4874,7 @@
         <p:spPr>
           <a:xfrm>
             <a:off x="402840" y="3926160"/>
-            <a:ext cx="3212640" cy="364680"/>
+            <a:ext cx="3212280" cy="364320"/>
           </a:xfrm>
           <a:prstGeom prst="rect">
             <a:avLst/>
@@ -5077,6 +4907,7 @@
                   <a:srgbClr val="0070ad"/>
                 </a:solidFill>
                 <a:latin typeface="Verdana"/>
+                <a:ea typeface="DejaVu Sans"/>
               </a:rPr>
               <a:t>Sprint 2 – Team 4</a:t>
             </a:r>
@@ -5129,7 +4960,7 @@
         <p:spPr>
           <a:xfrm>
             <a:off x="609480" y="731880"/>
-            <a:ext cx="10769400" cy="700200"/>
+            <a:ext cx="10769040" cy="699840"/>
           </a:xfrm>
           <a:prstGeom prst="rect">
             <a:avLst/>
@@ -5161,10 +4992,7 @@
               <a:t>Security</a:t>
             </a:r>
             <a:endParaRPr b="0" lang="en-US" sz="4000" spc="-1" strike="noStrike">
-              <a:solidFill>
-                <a:srgbClr val="000000"/>
-              </a:solidFill>
-              <a:latin typeface="Verdana"/>
+              <a:latin typeface="Arial"/>
             </a:endParaRPr>
           </a:p>
         </p:txBody>
@@ -5182,7 +5010,7 @@
         <p:spPr>
           <a:xfrm>
             <a:off x="609480" y="1696680"/>
-            <a:ext cx="11429640" cy="4429080"/>
+            <a:ext cx="11429280" cy="4428720"/>
           </a:xfrm>
           <a:prstGeom prst="rect">
             <a:avLst/>
@@ -5220,10 +5048,7 @@
               <a:t>View All Tokens</a:t>
             </a:r>
             <a:endParaRPr b="0" lang="en-US" sz="2600" spc="-1" strike="noStrike">
-              <a:solidFill>
-                <a:srgbClr val="000000"/>
-              </a:solidFill>
-              <a:latin typeface="Verdana"/>
+              <a:latin typeface="Arial"/>
             </a:endParaRPr>
           </a:p>
           <a:p>
@@ -5250,10 +5075,7 @@
               <a:t>Issue Token to the Customer</a:t>
             </a:r>
             <a:endParaRPr b="0" lang="en-US" sz="2600" spc="-1" strike="noStrike">
-              <a:solidFill>
-                <a:srgbClr val="000000"/>
-              </a:solidFill>
-              <a:latin typeface="Verdana"/>
+              <a:latin typeface="Arial"/>
             </a:endParaRPr>
           </a:p>
           <a:p>
@@ -5280,10 +5102,7 @@
               <a:t>Verify Parking Slot for Customer</a:t>
             </a:r>
             <a:endParaRPr b="0" lang="en-US" sz="2600" spc="-1" strike="noStrike">
-              <a:solidFill>
-                <a:srgbClr val="000000"/>
-              </a:solidFill>
-              <a:latin typeface="Verdana"/>
+              <a:latin typeface="Arial"/>
             </a:endParaRPr>
           </a:p>
           <a:p>
@@ -5300,10 +5119,7 @@
               </a:tabLst>
             </a:pPr>
             <a:endParaRPr b="0" lang="en-US" sz="2600" spc="-1" strike="noStrike">
-              <a:solidFill>
-                <a:srgbClr val="000000"/>
-              </a:solidFill>
-              <a:latin typeface="Verdana"/>
+              <a:latin typeface="Arial"/>
             </a:endParaRPr>
           </a:p>
         </p:txBody>
@@ -5321,7 +5137,7 @@
         <p:spPr>
           <a:xfrm>
             <a:off x="8064360" y="3075480"/>
-            <a:ext cx="3314520" cy="3314520"/>
+            <a:ext cx="3314160" cy="3314160"/>
           </a:xfrm>
           <a:prstGeom prst="rect">
             <a:avLst/>
@@ -5374,7 +5190,7 @@
         <p:spPr>
           <a:xfrm>
             <a:off x="406440" y="789120"/>
-            <a:ext cx="10972440" cy="1202040"/>
+            <a:ext cx="10972080" cy="1201680"/>
           </a:xfrm>
           <a:prstGeom prst="rect">
             <a:avLst/>
@@ -5419,10 +5235,7 @@
               <a:t>Diagram</a:t>
             </a:r>
             <a:endParaRPr b="0" lang="en-US" sz="4000" spc="-1" strike="noStrike">
-              <a:solidFill>
-                <a:srgbClr val="000000"/>
-              </a:solidFill>
-              <a:latin typeface="Verdana"/>
+              <a:latin typeface="Arial"/>
             </a:endParaRPr>
           </a:p>
         </p:txBody>
@@ -5441,7 +5254,7 @@
         <p:spPr>
           <a:xfrm>
             <a:off x="4792320" y="144000"/>
-            <a:ext cx="5596200" cy="6569640"/>
+            <a:ext cx="5595840" cy="6569280"/>
           </a:xfrm>
           <a:prstGeom prst="rect">
             <a:avLst/>
@@ -5494,7 +5307,7 @@
         <p:spPr>
           <a:xfrm>
             <a:off x="406440" y="789120"/>
-            <a:ext cx="10972440" cy="1202040"/>
+            <a:ext cx="10972080" cy="1201680"/>
           </a:xfrm>
           <a:prstGeom prst="rect">
             <a:avLst/>
@@ -5539,10 +5352,7 @@
               <a:t>Diagram</a:t>
             </a:r>
             <a:endParaRPr b="0" lang="en-US" sz="4000" spc="-1" strike="noStrike">
-              <a:solidFill>
-                <a:srgbClr val="000000"/>
-              </a:solidFill>
-              <a:latin typeface="Verdana"/>
+              <a:latin typeface="Arial"/>
             </a:endParaRPr>
           </a:p>
         </p:txBody>
@@ -5560,7 +5370,7 @@
         <p:spPr>
           <a:xfrm>
             <a:off x="4880520" y="155880"/>
-            <a:ext cx="6378480" cy="6509160"/>
+            <a:ext cx="6378120" cy="6508800"/>
           </a:xfrm>
           <a:prstGeom prst="rect">
             <a:avLst/>
@@ -5613,7 +5423,7 @@
         <p:spPr>
           <a:xfrm>
             <a:off x="197640" y="792360"/>
-            <a:ext cx="10515240" cy="1381320"/>
+            <a:ext cx="10514880" cy="1380960"/>
           </a:xfrm>
           <a:prstGeom prst="rect">
             <a:avLst/>
@@ -5645,10 +5455,7 @@
               <a:t>Database Diagram</a:t>
             </a:r>
             <a:endParaRPr b="0" lang="en-US" sz="4000" spc="-1" strike="noStrike">
-              <a:solidFill>
-                <a:srgbClr val="000000"/>
-              </a:solidFill>
-              <a:latin typeface="Verdana"/>
+              <a:latin typeface="Arial"/>
             </a:endParaRPr>
           </a:p>
         </p:txBody>
@@ -5666,7 +5473,7 @@
         <p:spPr>
           <a:xfrm>
             <a:off x="528480" y="1817280"/>
-            <a:ext cx="10972440" cy="4152960"/>
+            <a:ext cx="10972080" cy="4152600"/>
           </a:xfrm>
           <a:prstGeom prst="rect">
             <a:avLst/>
@@ -5719,7 +5526,7 @@
         <p:spPr>
           <a:xfrm>
             <a:off x="396360" y="799200"/>
-            <a:ext cx="2945880" cy="3467880"/>
+            <a:ext cx="2945520" cy="3467520"/>
           </a:xfrm>
           <a:prstGeom prst="rect">
             <a:avLst/>
@@ -5751,10 +5558,7 @@
               <a:t>Class Diagram</a:t>
             </a:r>
             <a:endParaRPr b="0" lang="en-US" sz="4000" spc="-1" strike="noStrike">
-              <a:solidFill>
-                <a:srgbClr val="000000"/>
-              </a:solidFill>
-              <a:latin typeface="Verdana"/>
+              <a:latin typeface="Arial"/>
             </a:endParaRPr>
           </a:p>
         </p:txBody>
@@ -5773,7 +5577,7 @@
         <p:spPr>
           <a:xfrm>
             <a:off x="2985840" y="367920"/>
-            <a:ext cx="7718760" cy="6309000"/>
+            <a:ext cx="7718400" cy="6308640"/>
           </a:xfrm>
           <a:prstGeom prst="rect">
             <a:avLst/>
@@ -5826,7 +5630,7 @@
         <p:spPr>
           <a:xfrm>
             <a:off x="315000" y="789120"/>
-            <a:ext cx="10972440" cy="988560"/>
+            <a:ext cx="10972080" cy="988200"/>
           </a:xfrm>
           <a:prstGeom prst="rect">
             <a:avLst/>
@@ -5858,10 +5662,7 @@
               <a:t>TECHNOLOGY/TOOLS USED</a:t>
             </a:r>
             <a:endParaRPr b="0" lang="en-US" sz="4000" spc="-1" strike="noStrike">
-              <a:solidFill>
-                <a:srgbClr val="000000"/>
-              </a:solidFill>
-              <a:latin typeface="Verdana"/>
+              <a:latin typeface="Arial"/>
             </a:endParaRPr>
           </a:p>
         </p:txBody>
@@ -5879,7 +5680,7 @@
         <p:spPr>
           <a:xfrm>
             <a:off x="1594440" y="1778040"/>
-            <a:ext cx="3576960" cy="4744800"/>
+            <a:ext cx="3576600" cy="4744440"/>
           </a:xfrm>
           <a:prstGeom prst="rect">
             <a:avLst/>
@@ -5917,10 +5718,7 @@
               <a:t>Spring</a:t>
             </a:r>
             <a:endParaRPr b="0" lang="en-US" sz="2600" spc="-1" strike="noStrike">
-              <a:solidFill>
-                <a:srgbClr val="000000"/>
-              </a:solidFill>
-              <a:latin typeface="Verdana"/>
+              <a:latin typeface="Arial"/>
             </a:endParaRPr>
           </a:p>
           <a:p>
@@ -5947,10 +5745,7 @@
               <a:t>Spring Data JPA</a:t>
             </a:r>
             <a:endParaRPr b="0" lang="en-US" sz="2600" spc="-1" strike="noStrike">
-              <a:solidFill>
-                <a:srgbClr val="000000"/>
-              </a:solidFill>
-              <a:latin typeface="Verdana"/>
+              <a:latin typeface="Arial"/>
             </a:endParaRPr>
           </a:p>
           <a:p>
@@ -5977,10 +5772,7 @@
               <a:t>Spring Boot</a:t>
             </a:r>
             <a:endParaRPr b="0" lang="en-US" sz="2600" spc="-1" strike="noStrike">
-              <a:solidFill>
-                <a:srgbClr val="000000"/>
-              </a:solidFill>
-              <a:latin typeface="Verdana"/>
+              <a:latin typeface="Arial"/>
             </a:endParaRPr>
           </a:p>
           <a:p>
@@ -6007,10 +5799,7 @@
               <a:t>Spring REST</a:t>
             </a:r>
             <a:endParaRPr b="0" lang="en-US" sz="2600" spc="-1" strike="noStrike">
-              <a:solidFill>
-                <a:srgbClr val="000000"/>
-              </a:solidFill>
-              <a:latin typeface="Verdana"/>
+              <a:latin typeface="Arial"/>
             </a:endParaRPr>
           </a:p>
           <a:p>
@@ -6037,10 +5826,7 @@
               <a:t>Spring Security</a:t>
             </a:r>
             <a:endParaRPr b="0" lang="en-US" sz="2600" spc="-1" strike="noStrike">
-              <a:solidFill>
-                <a:srgbClr val="000000"/>
-              </a:solidFill>
-              <a:latin typeface="Verdana"/>
+              <a:latin typeface="Arial"/>
             </a:endParaRPr>
           </a:p>
           <a:p>
@@ -6067,10 +5853,7 @@
               <a:t>Spring Logger</a:t>
             </a:r>
             <a:endParaRPr b="0" lang="en-US" sz="2600" spc="-1" strike="noStrike">
-              <a:solidFill>
-                <a:srgbClr val="000000"/>
-              </a:solidFill>
-              <a:latin typeface="Verdana"/>
+              <a:latin typeface="Arial"/>
             </a:endParaRPr>
           </a:p>
           <a:p>
@@ -6084,10 +5867,7 @@
               <a:buNone/>
             </a:pPr>
             <a:endParaRPr b="0" lang="en-US" sz="2600" spc="-1" strike="noStrike">
-              <a:solidFill>
-                <a:srgbClr val="000000"/>
-              </a:solidFill>
-              <a:latin typeface="Verdana"/>
+              <a:latin typeface="Arial"/>
             </a:endParaRPr>
           </a:p>
         </p:txBody>
@@ -6101,7 +5881,7 @@
         <p:spPr>
           <a:xfrm>
             <a:off x="6024240" y="1778040"/>
-            <a:ext cx="3576960" cy="3653640"/>
+            <a:ext cx="3576600" cy="3653640"/>
           </a:xfrm>
           <a:prstGeom prst="rect">
             <a:avLst/>
@@ -6138,6 +5918,7 @@
                   <a:srgbClr val="000000"/>
                 </a:solidFill>
                 <a:latin typeface="Times New Roman"/>
+                <a:ea typeface="DejaVu Sans"/>
               </a:rPr>
               <a:t>Postgres SQL</a:t>
             </a:r>
@@ -6162,6 +5943,7 @@
                   <a:srgbClr val="000000"/>
                 </a:solidFill>
                 <a:latin typeface="Times New Roman"/>
+                <a:ea typeface="DejaVu Sans"/>
               </a:rPr>
               <a:t>Java 8</a:t>
             </a:r>
@@ -6186,6 +5968,7 @@
                   <a:srgbClr val="000000"/>
                 </a:solidFill>
                 <a:latin typeface="Times New Roman"/>
+                <a:ea typeface="DejaVu Sans"/>
               </a:rPr>
               <a:t>Gradle</a:t>
             </a:r>
@@ -6210,6 +5993,7 @@
                   <a:srgbClr val="000000"/>
                 </a:solidFill>
                 <a:latin typeface="Times New Roman"/>
+                <a:ea typeface="DejaVu Sans"/>
               </a:rPr>
               <a:t>Junit</a:t>
             </a:r>
@@ -6234,6 +6018,7 @@
                   <a:srgbClr val="000000"/>
                 </a:solidFill>
                 <a:latin typeface="Times New Roman"/>
+                <a:ea typeface="DejaVu Sans"/>
               </a:rPr>
               <a:t>Sonar Lint</a:t>
             </a:r>
@@ -6258,6 +6043,7 @@
                   <a:srgbClr val="000000"/>
                 </a:solidFill>
                 <a:latin typeface="Times New Roman"/>
+                <a:ea typeface="DejaVu Sans"/>
               </a:rPr>
               <a:t>Git</a:t>
             </a:r>
@@ -6282,6 +6068,7 @@
                   <a:srgbClr val="000000"/>
                 </a:solidFill>
                 <a:latin typeface="Times New Roman"/>
+                <a:ea typeface="DejaVu Sans"/>
               </a:rPr>
               <a:t>AWS</a:t>
             </a:r>
@@ -6306,6 +6093,7 @@
                   <a:srgbClr val="000000"/>
                 </a:solidFill>
                 <a:latin typeface="Times New Roman"/>
+                <a:ea typeface="DejaVu Sans"/>
               </a:rPr>
               <a:t>Kubernetes</a:t>
             </a:r>
@@ -6330,6 +6118,7 @@
                   <a:srgbClr val="000000"/>
                 </a:solidFill>
                 <a:latin typeface="Times New Roman"/>
+                <a:ea typeface="DejaVu Sans"/>
               </a:rPr>
               <a:t>Docker</a:t>
             </a:r>
@@ -6351,8 +6140,8 @@
         </p:blipFill>
         <p:spPr>
           <a:xfrm flipH="1">
-            <a:off x="8228520" y="3443760"/>
-            <a:ext cx="3963600" cy="3271680"/>
+            <a:off x="8228880" y="3443760"/>
+            <a:ext cx="3963240" cy="3271320"/>
           </a:xfrm>
           <a:prstGeom prst="rect">
             <a:avLst/>
@@ -6405,7 +6194,7 @@
         <p:spPr>
           <a:xfrm>
             <a:off x="406440" y="260640"/>
-            <a:ext cx="10972440" cy="411840"/>
+            <a:ext cx="10972080" cy="411480"/>
           </a:xfrm>
           <a:prstGeom prst="rect">
             <a:avLst/>
@@ -6435,12 +6224,8 @@
               </a:rPr>
               <a:t>Deployment: On AWS using Docker</a:t>
             </a:r>
-            <a:endParaRPr b="1" lang="en-IN" sz="3600" spc="-1" strike="noStrike">
-              <a:solidFill>
-                <a:srgbClr val="0070ad"/>
-              </a:solidFill>
-              <a:latin typeface="Verdana"/>
-              <a:ea typeface="Verdana"/>
+            <a:endParaRPr b="0" lang="en-US" sz="3600" spc="-1" strike="noStrike">
+              <a:latin typeface="Arial"/>
             </a:endParaRPr>
           </a:p>
         </p:txBody>
@@ -6453,12 +6238,13 @@
         </p:nvPicPr>
         <p:blipFill>
           <a:blip r:embed="rId1"/>
+          <a:srcRect l="16072" t="0" r="16787" b="0"/>
           <a:stretch/>
         </p:blipFill>
         <p:spPr>
           <a:xfrm>
-            <a:off x="4771800" y="1600200"/>
-            <a:ext cx="6810120" cy="4114440"/>
+            <a:off x="7086960" y="1600200"/>
+            <a:ext cx="4571640" cy="4114080"/>
           </a:xfrm>
           <a:prstGeom prst="rect">
             <a:avLst/>
@@ -6471,28 +6257,40 @@
       <p:sp>
         <p:nvSpPr>
           <p:cNvPr id="127" name=""/>
-          <p:cNvSpPr txBox="1"/>
+          <p:cNvSpPr/>
           <p:nvPr/>
         </p:nvSpPr>
         <p:spPr>
-          <a:xfrm>
-            <a:off x="685800" y="1600200"/>
-            <a:ext cx="4086000" cy="4680360"/>
-          </a:xfrm>
-          <a:prstGeom prst="rect">
-            <a:avLst/>
-          </a:prstGeom>
-          <a:noFill/>
-          <a:ln w="0">
-            <a:noFill/>
-          </a:ln>
-        </p:spPr>
-        <p:txBody>
-          <a:bodyPr lIns="90000" rIns="90000" tIns="45000" bIns="45000" anchor="t">
-            <a:noAutofit/>
+          <a:xfrm flipH="1">
+            <a:off x="457200" y="1702800"/>
+            <a:ext cx="5775120" cy="3326400"/>
+          </a:xfrm>
+          <a:prstGeom prst="rect">
+            <a:avLst/>
+          </a:prstGeom>
+          <a:noFill/>
+          <a:ln w="0">
+            <a:noFill/>
+          </a:ln>
+        </p:spPr>
+        <p:style>
+          <a:lnRef idx="0"/>
+          <a:fillRef idx="0"/>
+          <a:effectRef idx="0"/>
+          <a:fontRef idx="minor"/>
+        </p:style>
+        <p:txBody>
+          <a:bodyPr wrap="none" lIns="0" rIns="0" tIns="0" bIns="0" anchor="t">
+            <a:spAutoFit/>
           </a:bodyPr>
           <a:p>
             <a:pPr marL="216000" indent="-216000">
+              <a:lnSpc>
+                <a:spcPct val="100000"/>
+              </a:lnSpc>
+              <a:spcAft>
+                <a:spcPts val="451"/>
+              </a:spcAft>
               <a:buClr>
                 <a:srgbClr val="000000"/>
               </a:buClr>
@@ -6501,17 +6299,30 @@
               <a:buChar char=""/>
             </a:pPr>
             <a:r>
-              <a:rPr b="0" lang="en-US" sz="2400" spc="-1" strike="noStrike">
-                <a:latin typeface="Arial"/>
+              <a:rPr b="0" lang="en-US" sz="2600" spc="-1" strike="noStrike">
+                <a:solidFill>
+                  <a:srgbClr val="000000"/>
+                </a:solidFill>
+                <a:latin typeface="Times New Roman"/>
               </a:rPr>
               <a:t>Created Amazon EC2 instance</a:t>
             </a:r>
-            <a:endParaRPr b="0" lang="en-US" sz="2400" spc="-1" strike="noStrike">
-              <a:latin typeface="Arial"/>
+            <a:endParaRPr b="0" lang="en-US" sz="2600" spc="-1" strike="noStrike">
+              <a:solidFill>
+                <a:srgbClr val="000000"/>
+              </a:solidFill>
+              <a:latin typeface="Times New Roman"/>
+              <a:ea typeface="Nimbus Sans"/>
             </a:endParaRPr>
           </a:p>
           <a:p>
             <a:pPr marL="216000" indent="-216000">
+              <a:lnSpc>
+                <a:spcPct val="100000"/>
+              </a:lnSpc>
+              <a:spcAft>
+                <a:spcPts val="451"/>
+              </a:spcAft>
               <a:buClr>
                 <a:srgbClr val="000000"/>
               </a:buClr>
@@ -6520,17 +6331,30 @@
               <a:buChar char=""/>
             </a:pPr>
             <a:r>
-              <a:rPr b="0" lang="en-US" sz="2400" spc="-1" strike="noStrike">
-                <a:latin typeface="Arial"/>
+              <a:rPr b="0" lang="en-US" sz="2600" spc="-1" strike="noStrike">
+                <a:solidFill>
+                  <a:srgbClr val="000000"/>
+                </a:solidFill>
+                <a:latin typeface="Times New Roman"/>
               </a:rPr>
               <a:t>Installed required softwares</a:t>
             </a:r>
-            <a:endParaRPr b="0" lang="en-US" sz="2400" spc="-1" strike="noStrike">
-              <a:latin typeface="Arial"/>
+            <a:endParaRPr b="0" lang="en-US" sz="2600" spc="-1" strike="noStrike">
+              <a:solidFill>
+                <a:srgbClr val="000000"/>
+              </a:solidFill>
+              <a:latin typeface="Times New Roman"/>
+              <a:ea typeface="Nimbus Sans"/>
             </a:endParaRPr>
           </a:p>
           <a:p>
             <a:pPr marL="216000" indent="-216000">
+              <a:lnSpc>
+                <a:spcPct val="100000"/>
+              </a:lnSpc>
+              <a:spcAft>
+                <a:spcPts val="451"/>
+              </a:spcAft>
               <a:buClr>
                 <a:srgbClr val="000000"/>
               </a:buClr>
@@ -6539,17 +6363,30 @@
               <a:buChar char=""/>
             </a:pPr>
             <a:r>
-              <a:rPr b="0" lang="en-US" sz="2400" spc="-1" strike="noStrike">
-                <a:latin typeface="Arial"/>
+              <a:rPr b="0" lang="en-US" sz="2600" spc="-1" strike="noStrike">
+                <a:solidFill>
+                  <a:srgbClr val="000000"/>
+                </a:solidFill>
+                <a:latin typeface="Times New Roman"/>
               </a:rPr>
               <a:t>Cloned project repo from github</a:t>
             </a:r>
-            <a:endParaRPr b="0" lang="en-US" sz="2400" spc="-1" strike="noStrike">
-              <a:latin typeface="Arial"/>
+            <a:endParaRPr b="0" lang="en-US" sz="2600" spc="-1" strike="noStrike">
+              <a:solidFill>
+                <a:srgbClr val="000000"/>
+              </a:solidFill>
+              <a:latin typeface="Times New Roman"/>
+              <a:ea typeface="Nimbus Sans"/>
             </a:endParaRPr>
           </a:p>
           <a:p>
             <a:pPr marL="216000" indent="-216000">
+              <a:lnSpc>
+                <a:spcPct val="100000"/>
+              </a:lnSpc>
+              <a:spcAft>
+                <a:spcPts val="451"/>
+              </a:spcAft>
               <a:buClr>
                 <a:srgbClr val="000000"/>
               </a:buClr>
@@ -6558,17 +6395,27 @@
               <a:buChar char=""/>
             </a:pPr>
             <a:r>
-              <a:rPr b="0" lang="en-US" sz="2400" spc="-1" strike="noStrike">
-                <a:latin typeface="Arial"/>
+              <a:rPr b="0" lang="en-US" sz="2600" spc="-1" strike="noStrike">
+                <a:solidFill>
+                  <a:srgbClr val="000000"/>
+                </a:solidFill>
+                <a:latin typeface="Times New Roman"/>
               </a:rPr>
               <a:t>Created Dockerfile for the project</a:t>
             </a:r>
-            <a:endParaRPr b="0" lang="en-US" sz="2400" spc="-1" strike="noStrike">
-              <a:latin typeface="Arial"/>
+            <a:endParaRPr b="0" lang="en-US" sz="2600" spc="-1" strike="noStrike">
+              <a:solidFill>
+                <a:srgbClr val="000000"/>
+              </a:solidFill>
+              <a:latin typeface="Times New Roman"/>
+              <a:ea typeface="Nimbus Sans"/>
             </a:endParaRPr>
           </a:p>
           <a:p>
             <a:pPr marL="216000" indent="-216000">
+              <a:spcAft>
+                <a:spcPts val="451"/>
+              </a:spcAft>
               <a:buClr>
                 <a:srgbClr val="000000"/>
               </a:buClr>
@@ -6577,17 +6424,27 @@
               <a:buChar char=""/>
             </a:pPr>
             <a:r>
-              <a:rPr b="0" lang="en-US" sz="2400" spc="-1" strike="noStrike">
-                <a:latin typeface="Arial"/>
-              </a:rPr>
-              <a:t>Created docker-compose file to build and manage postgres and Application image.</a:t>
-            </a:r>
-            <a:endParaRPr b="0" lang="en-US" sz="2400" spc="-1" strike="noStrike">
-              <a:latin typeface="Arial"/>
+              <a:rPr b="0" lang="en-US" sz="2600" spc="-1" strike="noStrike">
+                <a:solidFill>
+                  <a:srgbClr val="000000"/>
+                </a:solidFill>
+                <a:latin typeface="Times New Roman"/>
+              </a:rPr>
+              <a:t>Created docker-compose file to build and </a:t>
+            </a:r>
+            <a:endParaRPr b="0" lang="en-US" sz="2600" spc="-1" strike="noStrike">
+              <a:solidFill>
+                <a:srgbClr val="000000"/>
+              </a:solidFill>
+              <a:latin typeface="Times New Roman"/>
+              <a:ea typeface="Nimbus Sans"/>
             </a:endParaRPr>
           </a:p>
           <a:p>
             <a:pPr marL="216000" indent="-216000">
+              <a:spcAft>
+                <a:spcPts val="451"/>
+              </a:spcAft>
               <a:buClr>
                 <a:srgbClr val="000000"/>
               </a:buClr>
@@ -6595,13 +6452,57 @@
               <a:buFont typeface="Wingdings" charset="2"/>
               <a:buChar char=""/>
             </a:pPr>
-            <a:endParaRPr b="0" lang="en-US" sz="1800" spc="-1" strike="noStrike">
-              <a:latin typeface="Arial"/>
-            </a:endParaRPr>
-          </a:p>
-          <a:p>
-            <a:endParaRPr b="0" lang="en-US" sz="1800" spc="-1" strike="noStrike">
-              <a:latin typeface="Arial"/>
+            <a:r>
+              <a:rPr b="0" lang="en-US" sz="2600" spc="-1" strike="noStrike">
+                <a:solidFill>
+                  <a:srgbClr val="000000"/>
+                </a:solidFill>
+                <a:latin typeface="Times New Roman"/>
+              </a:rPr>
+              <a:t>deployed postgres and Application image.</a:t>
+            </a:r>
+            <a:endParaRPr b="0" lang="en-US" sz="2600" spc="-1" strike="noStrike">
+              <a:solidFill>
+                <a:srgbClr val="000000"/>
+              </a:solidFill>
+              <a:latin typeface="Times New Roman"/>
+              <a:ea typeface="Nimbus Sans"/>
+            </a:endParaRPr>
+          </a:p>
+          <a:p>
+            <a:pPr>
+              <a:lnSpc>
+                <a:spcPct val="100000"/>
+              </a:lnSpc>
+              <a:spcAft>
+                <a:spcPts val="451"/>
+              </a:spcAft>
+              <a:buNone/>
+            </a:pPr>
+            <a:endParaRPr b="0" lang="en-US" sz="2600" spc="-1" strike="noStrike">
+              <a:solidFill>
+                <a:srgbClr val="000000"/>
+              </a:solidFill>
+              <a:latin typeface="Times New Roman"/>
+              <a:ea typeface="Nimbus Sans"/>
+            </a:endParaRPr>
+          </a:p>
+          <a:p>
+            <a:pPr>
+              <a:lnSpc>
+                <a:spcPct val="100000"/>
+              </a:lnSpc>
+              <a:spcAft>
+                <a:spcPts val="451"/>
+              </a:spcAft>
+              <a:buNone/>
+            </a:pPr>
+            <a:endParaRPr b="0" lang="en-US" sz="2600" spc="-1" strike="noStrike">
+              <a:solidFill>
+                <a:srgbClr val="000000"/>
+              </a:solidFill>
+              <a:latin typeface="Times New Roman"/>
+              <a:ea typeface="Nimbus Sans"/>
             </a:endParaRPr>
           </a:p>
         </p:txBody>
@@ -6649,7 +6550,7 @@
         <p:spPr>
           <a:xfrm>
             <a:off x="406440" y="260640"/>
-            <a:ext cx="10972440" cy="411840"/>
+            <a:ext cx="10972080" cy="411480"/>
           </a:xfrm>
           <a:prstGeom prst="rect">
             <a:avLst/>
@@ -6679,12 +6580,8 @@
               </a:rPr>
               <a:t>Deployment: On AWS using Kubernete</a:t>
             </a:r>
-            <a:endParaRPr b="1" lang="en-IN" sz="3600" spc="-1" strike="noStrike">
-              <a:solidFill>
-                <a:srgbClr val="0070ad"/>
-              </a:solidFill>
-              <a:latin typeface="Verdana"/>
-              <a:ea typeface="Verdana"/>
+            <a:endParaRPr b="0" lang="en-US" sz="3600" spc="-1" strike="noStrike">
+              <a:latin typeface="Arial"/>
             </a:endParaRPr>
           </a:p>
         </p:txBody>
@@ -6692,28 +6589,37 @@
       <p:sp>
         <p:nvSpPr>
           <p:cNvPr id="129" name=""/>
-          <p:cNvSpPr txBox="1"/>
+          <p:cNvSpPr/>
           <p:nvPr/>
         </p:nvSpPr>
         <p:spPr>
           <a:xfrm>
-            <a:off x="609480" y="1179360"/>
-            <a:ext cx="4086000" cy="4764240"/>
-          </a:xfrm>
-          <a:prstGeom prst="rect">
-            <a:avLst/>
-          </a:prstGeom>
-          <a:noFill/>
-          <a:ln w="0">
-            <a:noFill/>
-          </a:ln>
-        </p:spPr>
-        <p:txBody>
-          <a:bodyPr lIns="90000" rIns="90000" tIns="45000" bIns="45000" anchor="t">
-            <a:noAutofit/>
+            <a:off x="515880" y="1474200"/>
+            <a:ext cx="5199120" cy="3326400"/>
+          </a:xfrm>
+          <a:prstGeom prst="rect">
+            <a:avLst/>
+          </a:prstGeom>
+          <a:noFill/>
+          <a:ln w="0">
+            <a:noFill/>
+          </a:ln>
+        </p:spPr>
+        <p:style>
+          <a:lnRef idx="0"/>
+          <a:fillRef idx="0"/>
+          <a:effectRef idx="0"/>
+          <a:fontRef idx="minor"/>
+        </p:style>
+        <p:txBody>
+          <a:bodyPr wrap="none" lIns="0" rIns="0" tIns="0" bIns="0" anchor="t">
+            <a:spAutoFit/>
           </a:bodyPr>
           <a:p>
             <a:pPr marL="216000" indent="-216000">
+              <a:spcAft>
+                <a:spcPts val="451"/>
+              </a:spcAft>
               <a:buClr>
                 <a:srgbClr val="000000"/>
               </a:buClr>
@@ -6722,17 +6628,27 @@
               <a:buChar char=""/>
             </a:pPr>
             <a:r>
-              <a:rPr b="0" lang="en-US" sz="2400" spc="-1" strike="noStrike">
-                <a:latin typeface="Arial"/>
+              <a:rPr b="0" lang="en-US" sz="2600" spc="-1" strike="noStrike">
+                <a:solidFill>
+                  <a:srgbClr val="000000"/>
+                </a:solidFill>
+                <a:latin typeface="Times New Roman"/>
               </a:rPr>
               <a:t>Created Amazon EC2 instance</a:t>
             </a:r>
-            <a:endParaRPr b="0" lang="en-US" sz="2400" spc="-1" strike="noStrike">
-              <a:latin typeface="Arial"/>
+            <a:endParaRPr b="0" lang="en-US" sz="2600" spc="-1" strike="noStrike">
+              <a:solidFill>
+                <a:srgbClr val="000000"/>
+              </a:solidFill>
+              <a:latin typeface="Times New Roman"/>
+              <a:ea typeface="Nimbus Sans"/>
             </a:endParaRPr>
           </a:p>
           <a:p>
             <a:pPr marL="216000" indent="-216000">
+              <a:spcAft>
+                <a:spcPts val="451"/>
+              </a:spcAft>
               <a:buClr>
                 <a:srgbClr val="000000"/>
               </a:buClr>
@@ -6741,17 +6657,27 @@
               <a:buChar char=""/>
             </a:pPr>
             <a:r>
-              <a:rPr b="0" lang="en-US" sz="2400" spc="-1" strike="noStrike">
-                <a:latin typeface="Arial"/>
+              <a:rPr b="0" lang="en-US" sz="2600" spc="-1" strike="noStrike">
+                <a:solidFill>
+                  <a:srgbClr val="000000"/>
+                </a:solidFill>
+                <a:latin typeface="Times New Roman"/>
               </a:rPr>
               <a:t>Installed required softwares</a:t>
             </a:r>
-            <a:endParaRPr b="0" lang="en-US" sz="2400" spc="-1" strike="noStrike">
-              <a:latin typeface="Arial"/>
+            <a:endParaRPr b="0" lang="en-US" sz="2600" spc="-1" strike="noStrike">
+              <a:solidFill>
+                <a:srgbClr val="000000"/>
+              </a:solidFill>
+              <a:latin typeface="Times New Roman"/>
+              <a:ea typeface="Nimbus Sans"/>
             </a:endParaRPr>
           </a:p>
           <a:p>
             <a:pPr marL="216000" indent="-216000">
+              <a:spcAft>
+                <a:spcPts val="451"/>
+              </a:spcAft>
               <a:buClr>
                 <a:srgbClr val="000000"/>
               </a:buClr>
@@ -6760,17 +6686,27 @@
               <a:buChar char=""/>
             </a:pPr>
             <a:r>
-              <a:rPr b="0" lang="en-US" sz="2400" spc="-1" strike="noStrike">
-                <a:latin typeface="Arial"/>
+              <a:rPr b="0" lang="en-US" sz="2600" spc="-1" strike="noStrike">
+                <a:solidFill>
+                  <a:srgbClr val="000000"/>
+                </a:solidFill>
+                <a:latin typeface="Times New Roman"/>
               </a:rPr>
               <a:t>Cloned project repo from github</a:t>
             </a:r>
-            <a:endParaRPr b="0" lang="en-US" sz="2400" spc="-1" strike="noStrike">
-              <a:latin typeface="Arial"/>
+            <a:endParaRPr b="0" lang="en-US" sz="2600" spc="-1" strike="noStrike">
+              <a:solidFill>
+                <a:srgbClr val="000000"/>
+              </a:solidFill>
+              <a:latin typeface="Times New Roman"/>
+              <a:ea typeface="Nimbus Sans"/>
             </a:endParaRPr>
           </a:p>
           <a:p>
             <a:pPr marL="216000" indent="-216000">
+              <a:spcAft>
+                <a:spcPts val="451"/>
+              </a:spcAft>
               <a:buClr>
                 <a:srgbClr val="000000"/>
               </a:buClr>
@@ -6779,17 +6715,27 @@
               <a:buChar char=""/>
             </a:pPr>
             <a:r>
-              <a:rPr b="0" lang="en-US" sz="2400" spc="-1" strike="noStrike">
-                <a:latin typeface="Arial"/>
+              <a:rPr b="0" lang="en-US" sz="2600" spc="-1" strike="noStrike">
+                <a:solidFill>
+                  <a:srgbClr val="000000"/>
+                </a:solidFill>
+                <a:latin typeface="Times New Roman"/>
               </a:rPr>
               <a:t>Build docker image of application</a:t>
             </a:r>
-            <a:endParaRPr b="0" lang="en-US" sz="2400" spc="-1" strike="noStrike">
-              <a:latin typeface="Arial"/>
+            <a:endParaRPr b="0" lang="en-US" sz="2600" spc="-1" strike="noStrike">
+              <a:solidFill>
+                <a:srgbClr val="000000"/>
+              </a:solidFill>
+              <a:latin typeface="Times New Roman"/>
+              <a:ea typeface="Nimbus Sans"/>
             </a:endParaRPr>
           </a:p>
           <a:p>
             <a:pPr marL="216000" indent="-216000">
+              <a:spcAft>
+                <a:spcPts val="451"/>
+              </a:spcAft>
               <a:buClr>
                 <a:srgbClr val="000000"/>
               </a:buClr>
@@ -6798,17 +6744,27 @@
               <a:buChar char=""/>
             </a:pPr>
             <a:r>
-              <a:rPr b="0" lang="en-US" sz="2400" spc="-1" strike="noStrike">
-                <a:latin typeface="Arial"/>
+              <a:rPr b="0" lang="en-US" sz="2600" spc="-1" strike="noStrike">
+                <a:solidFill>
+                  <a:srgbClr val="000000"/>
+                </a:solidFill>
+                <a:latin typeface="Times New Roman"/>
               </a:rPr>
               <a:t>Pushed on Dockerhub</a:t>
             </a:r>
-            <a:endParaRPr b="0" lang="en-US" sz="2400" spc="-1" strike="noStrike">
-              <a:latin typeface="Arial"/>
+            <a:endParaRPr b="0" lang="en-US" sz="2600" spc="-1" strike="noStrike">
+              <a:solidFill>
+                <a:srgbClr val="000000"/>
+              </a:solidFill>
+              <a:latin typeface="Times New Roman"/>
+              <a:ea typeface="Nimbus Sans"/>
             </a:endParaRPr>
           </a:p>
           <a:p>
             <a:pPr marL="216000" indent="-216000">
+              <a:spcAft>
+                <a:spcPts val="451"/>
+              </a:spcAft>
               <a:buClr>
                 <a:srgbClr val="000000"/>
               </a:buClr>
@@ -6817,17 +6773,27 @@
               <a:buChar char=""/>
             </a:pPr>
             <a:r>
-              <a:rPr b="0" lang="en-US" sz="2400" spc="-1" strike="noStrike">
-                <a:latin typeface="Arial"/>
+              <a:rPr b="0" lang="en-US" sz="2600" spc="-1" strike="noStrike">
+                <a:solidFill>
+                  <a:srgbClr val="000000"/>
+                </a:solidFill>
+                <a:latin typeface="Times New Roman"/>
               </a:rPr>
               <a:t>Created deployment and service files.</a:t>
             </a:r>
-            <a:endParaRPr b="0" lang="en-US" sz="2400" spc="-1" strike="noStrike">
-              <a:latin typeface="Arial"/>
+            <a:endParaRPr b="0" lang="en-US" sz="2600" spc="-1" strike="noStrike">
+              <a:solidFill>
+                <a:srgbClr val="000000"/>
+              </a:solidFill>
+              <a:latin typeface="Times New Roman"/>
+              <a:ea typeface="Nimbus Sans"/>
             </a:endParaRPr>
           </a:p>
           <a:p>
             <a:pPr marL="216000" indent="-216000">
+              <a:spcAft>
+                <a:spcPts val="451"/>
+              </a:spcAft>
               <a:buClr>
                 <a:srgbClr val="000000"/>
               </a:buClr>
@@ -6836,18 +6802,38 @@
               <a:buChar char=""/>
             </a:pPr>
             <a:r>
-              <a:rPr b="0" lang="en-US" sz="2400" spc="-1" strike="noStrike">
-                <a:latin typeface="Arial"/>
+              <a:rPr b="0" lang="en-US" sz="2600" spc="-1" strike="noStrike">
+                <a:solidFill>
+                  <a:srgbClr val="000000"/>
+                </a:solidFill>
+                <a:latin typeface="Times New Roman"/>
               </a:rPr>
               <a:t>Deployed application using kubectl</a:t>
             </a:r>
-            <a:endParaRPr b="0" lang="en-US" sz="2400" spc="-1" strike="noStrike">
-              <a:latin typeface="Arial"/>
-            </a:endParaRPr>
-          </a:p>
-          <a:p>
-            <a:endParaRPr b="0" lang="en-US" sz="1800" spc="-1" strike="noStrike">
-              <a:latin typeface="Arial"/>
+            <a:endParaRPr b="0" lang="en-US" sz="2600" spc="-1" strike="noStrike">
+              <a:solidFill>
+                <a:srgbClr val="000000"/>
+              </a:solidFill>
+              <a:latin typeface="Times New Roman"/>
+              <a:ea typeface="Nimbus Sans"/>
+            </a:endParaRPr>
+          </a:p>
+          <a:p>
+            <a:pPr>
+              <a:lnSpc>
+                <a:spcPct val="100000"/>
+              </a:lnSpc>
+              <a:spcAft>
+                <a:spcPts val="451"/>
+              </a:spcAft>
+              <a:buNone/>
+            </a:pPr>
+            <a:endParaRPr b="0" lang="en-US" sz="2600" spc="-1" strike="noStrike">
+              <a:solidFill>
+                <a:srgbClr val="000000"/>
+              </a:solidFill>
+              <a:latin typeface="Times New Roman"/>
+              <a:ea typeface="Nimbus Sans"/>
             </a:endParaRPr>
           </a:p>
         </p:txBody>
@@ -6865,7 +6851,7 @@
         <p:spPr>
           <a:xfrm>
             <a:off x="7086600" y="2249640"/>
-            <a:ext cx="4343400" cy="2207880"/>
+            <a:ext cx="4343040" cy="2207520"/>
           </a:xfrm>
           <a:prstGeom prst="rect">
             <a:avLst/>
@@ -6918,7 +6904,7 @@
         <p:spPr>
           <a:xfrm>
             <a:off x="406440" y="260640"/>
-            <a:ext cx="10972440" cy="552600"/>
+            <a:ext cx="10972080" cy="552240"/>
           </a:xfrm>
           <a:prstGeom prst="rect">
             <a:avLst/>
@@ -6933,11 +6919,11 @@
             <a:noAutofit/>
           </a:bodyPr>
           <a:p>
-            <a:endParaRPr b="0" lang="en-US" sz="1800" spc="-1" strike="noStrike">
-              <a:solidFill>
-                <a:srgbClr val="000000"/>
-              </a:solidFill>
-              <a:latin typeface="Verdana"/>
+            <a:pPr algn="ctr">
+              <a:buNone/>
+            </a:pPr>
+            <a:endParaRPr b="0" lang="en-US" sz="4400" spc="-1" strike="noStrike">
+              <a:latin typeface="Arial"/>
             </a:endParaRPr>
           </a:p>
         </p:txBody>
@@ -6985,7 +6971,7 @@
         <p:spPr>
           <a:xfrm>
             <a:off x="416520" y="2440080"/>
-            <a:ext cx="10972440" cy="988560"/>
+            <a:ext cx="10972080" cy="988200"/>
           </a:xfrm>
           <a:prstGeom prst="rect">
             <a:avLst/>
@@ -7017,10 +7003,7 @@
               <a:t>THANK YOU </a:t>
             </a:r>
             <a:endParaRPr b="0" lang="en-US" sz="6600" spc="-1" strike="noStrike">
-              <a:solidFill>
-                <a:srgbClr val="000000"/>
-              </a:solidFill>
-              <a:latin typeface="Verdana"/>
+              <a:latin typeface="Arial"/>
             </a:endParaRPr>
           </a:p>
         </p:txBody>
@@ -7068,7 +7051,7 @@
         <p:spPr>
           <a:xfrm>
             <a:off x="406440" y="731880"/>
-            <a:ext cx="10972440" cy="1065960"/>
+            <a:ext cx="10972080" cy="1065600"/>
           </a:xfrm>
           <a:prstGeom prst="rect">
             <a:avLst/>
@@ -7100,10 +7083,7 @@
               <a:t>Team Members</a:t>
             </a:r>
             <a:endParaRPr b="0" lang="en-US" sz="4000" spc="-1" strike="noStrike">
-              <a:solidFill>
-                <a:srgbClr val="000000"/>
-              </a:solidFill>
-              <a:latin typeface="Verdana"/>
+              <a:latin typeface="Arial"/>
             </a:endParaRPr>
           </a:p>
         </p:txBody>
@@ -7121,7 +7101,7 @@
         <p:spPr>
           <a:xfrm>
             <a:off x="609480" y="1686600"/>
-            <a:ext cx="10972440" cy="4439160"/>
+            <a:ext cx="10972080" cy="4438800"/>
           </a:xfrm>
           <a:prstGeom prst="rect">
             <a:avLst/>
@@ -7159,10 +7139,7 @@
               <a:t>Aditya Kumar Maurya</a:t>
             </a:r>
             <a:endParaRPr b="0" lang="en-US" sz="2600" spc="-1" strike="noStrike">
-              <a:solidFill>
-                <a:srgbClr val="000000"/>
-              </a:solidFill>
-              <a:latin typeface="Verdana"/>
+              <a:latin typeface="Arial"/>
             </a:endParaRPr>
           </a:p>
           <a:p>
@@ -7189,10 +7166,7 @@
               <a:t>Mosin Sheikh</a:t>
             </a:r>
             <a:endParaRPr b="0" lang="en-US" sz="2600" spc="-1" strike="noStrike">
-              <a:solidFill>
-                <a:srgbClr val="000000"/>
-              </a:solidFill>
-              <a:latin typeface="Verdana"/>
+              <a:latin typeface="Arial"/>
             </a:endParaRPr>
           </a:p>
           <a:p>
@@ -7219,10 +7193,7 @@
               <a:t>Kaumudi Tyagi</a:t>
             </a:r>
             <a:endParaRPr b="0" lang="en-US" sz="2600" spc="-1" strike="noStrike">
-              <a:solidFill>
-                <a:srgbClr val="000000"/>
-              </a:solidFill>
-              <a:latin typeface="Verdana"/>
+              <a:latin typeface="Arial"/>
             </a:endParaRPr>
           </a:p>
           <a:p>
@@ -7249,10 +7220,7 @@
               <a:t>Rituj Pratap Singh</a:t>
             </a:r>
             <a:endParaRPr b="0" lang="en-US" sz="2600" spc="-1" strike="noStrike">
-              <a:solidFill>
-                <a:srgbClr val="000000"/>
-              </a:solidFill>
-              <a:latin typeface="Verdana"/>
+              <a:latin typeface="Arial"/>
             </a:endParaRPr>
           </a:p>
           <a:p>
@@ -7279,10 +7247,7 @@
               <a:t>Ishan Khanduja</a:t>
             </a:r>
             <a:endParaRPr b="0" lang="en-US" sz="2600" spc="-1" strike="noStrike">
-              <a:solidFill>
-                <a:srgbClr val="000000"/>
-              </a:solidFill>
-              <a:latin typeface="Verdana"/>
+              <a:latin typeface="Arial"/>
             </a:endParaRPr>
           </a:p>
         </p:txBody>
@@ -7300,7 +7265,7 @@
         <p:spPr>
           <a:xfrm>
             <a:off x="4807080" y="2378160"/>
-            <a:ext cx="6571800" cy="3447720"/>
+            <a:ext cx="6571440" cy="3447360"/>
           </a:xfrm>
           <a:prstGeom prst="rect">
             <a:avLst/>
@@ -7353,7 +7318,7 @@
         <p:spPr>
           <a:xfrm>
             <a:off x="609480" y="731880"/>
-            <a:ext cx="10769400" cy="771480"/>
+            <a:ext cx="10769040" cy="771120"/>
           </a:xfrm>
           <a:prstGeom prst="rect">
             <a:avLst/>
@@ -7395,10 +7360,7 @@
               <a:t>	</a:t>
             </a:r>
             <a:endParaRPr b="0" lang="en-US" sz="4000" spc="-1" strike="noStrike">
-              <a:solidFill>
-                <a:srgbClr val="000000"/>
-              </a:solidFill>
-              <a:latin typeface="Verdana"/>
+              <a:latin typeface="Arial"/>
             </a:endParaRPr>
           </a:p>
         </p:txBody>
@@ -7416,7 +7378,7 @@
         <p:spPr>
           <a:xfrm>
             <a:off x="609480" y="1706760"/>
-            <a:ext cx="10972440" cy="4419000"/>
+            <a:ext cx="10972080" cy="4418640"/>
           </a:xfrm>
           <a:prstGeom prst="rect">
             <a:avLst/>
@@ -7451,31 +7413,10 @@
                 </a:solidFill>
                 <a:latin typeface="Times New Roman"/>
               </a:rPr>
-              <a:t>Traffic congestion and </a:t>
-            </a:r>
-            <a:r>
-              <a:rPr b="0" lang="en-IN" sz="2600" spc="-1" strike="noStrike">
-                <a:solidFill>
-                  <a:srgbClr val="000000"/>
-                </a:solidFill>
-                <a:latin typeface="Times New Roman"/>
-              </a:rPr>
-              <a:t>insufficient parking </a:t>
-            </a:r>
-            <a:r>
-              <a:rPr b="0" lang="en-IN" sz="2600" spc="-1" strike="noStrike">
-                <a:solidFill>
-                  <a:srgbClr val="000000"/>
-                </a:solidFill>
-                <a:latin typeface="Times New Roman"/>
-              </a:rPr>
-              <a:t>space</a:t>
+              <a:t>Traffic congestion and insufficient parking space</a:t>
             </a:r>
             <a:endParaRPr b="0" lang="en-US" sz="2600" spc="-1" strike="noStrike">
-              <a:solidFill>
-                <a:srgbClr val="000000"/>
-              </a:solidFill>
-              <a:latin typeface="Verdana"/>
+              <a:latin typeface="Arial"/>
             </a:endParaRPr>
           </a:p>
           <a:p>
@@ -7499,31 +7440,10 @@
                 </a:solidFill>
                 <a:latin typeface="Times New Roman"/>
               </a:rPr>
-              <a:t>Inadequate current </a:t>
-            </a:r>
-            <a:r>
-              <a:rPr b="0" lang="en-IN" sz="2600" spc="-1" strike="noStrike">
-                <a:solidFill>
-                  <a:srgbClr val="000000"/>
-                </a:solidFill>
-                <a:latin typeface="Times New Roman"/>
-              </a:rPr>
-              <a:t>transportation </a:t>
-            </a:r>
-            <a:r>
-              <a:rPr b="0" lang="en-IN" sz="2600" spc="-1" strike="noStrike">
-                <a:solidFill>
-                  <a:srgbClr val="000000"/>
-                </a:solidFill>
-                <a:latin typeface="Times New Roman"/>
-              </a:rPr>
-              <a:t>infrastructure </a:t>
+              <a:t>Inadequate current transportation infrastructure </a:t>
             </a:r>
             <a:endParaRPr b="0" lang="en-US" sz="2600" spc="-1" strike="noStrike">
-              <a:solidFill>
-                <a:srgbClr val="000000"/>
-              </a:solidFill>
-              <a:latin typeface="Verdana"/>
+              <a:latin typeface="Arial"/>
             </a:endParaRPr>
           </a:p>
           <a:p>
@@ -7547,22 +7467,10 @@
                 </a:solidFill>
                 <a:latin typeface="Times New Roman"/>
               </a:rPr>
-              <a:t>In Asia, roads narrow </a:t>
-            </a:r>
-            <a:r>
-              <a:rPr b="0" lang="en-IN" sz="2600" spc="-1" strike="noStrike">
-                <a:solidFill>
-                  <a:srgbClr val="000000"/>
-                </a:solidFill>
-                <a:latin typeface="Times New Roman"/>
-              </a:rPr>
-              <a:t>compared to west</a:t>
+              <a:t>In Asia, roads narrow compared to west</a:t>
             </a:r>
             <a:endParaRPr b="0" lang="en-US" sz="2600" spc="-1" strike="noStrike">
-              <a:solidFill>
-                <a:srgbClr val="000000"/>
-              </a:solidFill>
-              <a:latin typeface="Verdana"/>
+              <a:latin typeface="Arial"/>
             </a:endParaRPr>
           </a:p>
           <a:p>
@@ -7586,22 +7494,10 @@
                 </a:solidFill>
                 <a:latin typeface="Times New Roman"/>
               </a:rPr>
-              <a:t>Proliferation in count </a:t>
-            </a:r>
-            <a:r>
-              <a:rPr b="0" lang="en-IN" sz="2600" spc="-1" strike="noStrike">
-                <a:solidFill>
-                  <a:srgbClr val="000000"/>
-                </a:solidFill>
-                <a:latin typeface="Times New Roman"/>
-              </a:rPr>
-              <a:t>vehicles on the road</a:t>
+              <a:t>Proliferation in count vehicles on the road</a:t>
             </a:r>
             <a:endParaRPr b="0" lang="en-US" sz="2600" spc="-1" strike="noStrike">
-              <a:solidFill>
-                <a:srgbClr val="000000"/>
-              </a:solidFill>
-              <a:latin typeface="Verdana"/>
+              <a:latin typeface="Arial"/>
             </a:endParaRPr>
           </a:p>
           <a:p>
@@ -7625,40 +7521,10 @@
                 </a:solidFill>
                 <a:latin typeface="Times New Roman"/>
               </a:rPr>
-              <a:t>To alleviate the </a:t>
-            </a:r>
-            <a:r>
-              <a:rPr b="0" lang="en-IN" sz="2600" spc="-1" strike="noStrike">
-                <a:solidFill>
-                  <a:srgbClr val="000000"/>
-                </a:solidFill>
-                <a:latin typeface="Times New Roman"/>
-              </a:rPr>
-              <a:t>aforementioned </a:t>
-            </a:r>
-            <a:r>
-              <a:rPr b="0" lang="en-IN" sz="2600" spc="-1" strike="noStrike">
-                <a:solidFill>
-                  <a:srgbClr val="000000"/>
-                </a:solidFill>
-                <a:latin typeface="Times New Roman"/>
-              </a:rPr>
-              <a:t>problems The Car </a:t>
-            </a:r>
-            <a:r>
-              <a:rPr b="0" lang="en-IN" sz="2600" spc="-1" strike="noStrike">
-                <a:solidFill>
-                  <a:srgbClr val="000000"/>
-                </a:solidFill>
-                <a:latin typeface="Times New Roman"/>
-              </a:rPr>
-              <a:t>Parking System.</a:t>
+              <a:t>To alleviate the aforementioned problems The Car Parking System.</a:t>
             </a:r>
             <a:endParaRPr b="0" lang="en-US" sz="2600" spc="-1" strike="noStrike">
-              <a:solidFill>
-                <a:srgbClr val="000000"/>
-              </a:solidFill>
-              <a:latin typeface="Verdana"/>
+              <a:latin typeface="Arial"/>
             </a:endParaRPr>
           </a:p>
         </p:txBody>
@@ -7677,7 +7543,7 @@
         <p:spPr>
           <a:xfrm>
             <a:off x="9181440" y="3921840"/>
-            <a:ext cx="2290320" cy="2471400"/>
+            <a:ext cx="2289960" cy="2471040"/>
           </a:xfrm>
           <a:prstGeom prst="rect">
             <a:avLst/>
@@ -7730,7 +7596,7 @@
         <p:spPr>
           <a:xfrm>
             <a:off x="609480" y="731880"/>
-            <a:ext cx="10769400" cy="700200"/>
+            <a:ext cx="10769040" cy="699840"/>
           </a:xfrm>
           <a:prstGeom prst="rect">
             <a:avLst/>
@@ -7772,10 +7638,7 @@
               <a:t>(from Case Study)</a:t>
             </a:r>
             <a:endParaRPr b="0" lang="en-US" sz="3500" spc="-1" strike="noStrike">
-              <a:solidFill>
-                <a:srgbClr val="000000"/>
-              </a:solidFill>
-              <a:latin typeface="Verdana"/>
+              <a:latin typeface="Arial"/>
             </a:endParaRPr>
           </a:p>
         </p:txBody>
@@ -7793,7 +7656,7 @@
         <p:spPr>
           <a:xfrm>
             <a:off x="609480" y="1696680"/>
-            <a:ext cx="11429640" cy="4429080"/>
+            <a:ext cx="11429280" cy="4428720"/>
           </a:xfrm>
           <a:prstGeom prst="rect">
             <a:avLst/>
@@ -7840,10 +7703,7 @@
               <a:t> Add/Edit/Delete/View.</a:t>
             </a:r>
             <a:endParaRPr b="0" lang="en-US" sz="2600" spc="-1" strike="noStrike">
-              <a:solidFill>
-                <a:srgbClr val="000000"/>
-              </a:solidFill>
-              <a:latin typeface="Verdana"/>
+              <a:latin typeface="Arial"/>
             </a:endParaRPr>
           </a:p>
           <a:p>
@@ -7879,10 +7739,7 @@
               <a:t> Who will manage parking  with allocation, availability and billing etc </a:t>
             </a:r>
             <a:endParaRPr b="0" lang="en-US" sz="2600" spc="-1" strike="noStrike">
-              <a:solidFill>
-                <a:srgbClr val="000000"/>
-              </a:solidFill>
-              <a:latin typeface="Verdana"/>
+              <a:latin typeface="Arial"/>
             </a:endParaRPr>
           </a:p>
           <a:p>
@@ -7918,10 +7775,7 @@
               <a:t> Who will be monitoring  vehicles , issuing tokens etc.</a:t>
             </a:r>
             <a:endParaRPr b="0" lang="en-US" sz="2600" spc="-1" strike="noStrike">
-              <a:solidFill>
-                <a:srgbClr val="000000"/>
-              </a:solidFill>
-              <a:latin typeface="Verdana"/>
+              <a:latin typeface="Arial"/>
             </a:endParaRPr>
           </a:p>
           <a:p>
@@ -7957,10 +7811,7 @@
               <a:t> Can have a preference to search for near by parking and park the vehicle.   </a:t>
             </a:r>
             <a:endParaRPr b="0" lang="en-US" sz="2600" spc="-1" strike="noStrike">
-              <a:solidFill>
-                <a:srgbClr val="000000"/>
-              </a:solidFill>
-              <a:latin typeface="Verdana"/>
+              <a:latin typeface="Arial"/>
             </a:endParaRPr>
           </a:p>
           <a:p>
@@ -7974,10 +7825,7 @@
               <a:buNone/>
             </a:pPr>
             <a:endParaRPr b="0" lang="en-US" sz="2600" spc="-1" strike="noStrike">
-              <a:solidFill>
-                <a:srgbClr val="000000"/>
-              </a:solidFill>
-              <a:latin typeface="Verdana"/>
+              <a:latin typeface="Arial"/>
             </a:endParaRPr>
           </a:p>
         </p:txBody>
@@ -7996,7 +7844,7 @@
         <p:spPr>
           <a:xfrm>
             <a:off x="8650800" y="3645000"/>
-            <a:ext cx="3218040" cy="3111120"/>
+            <a:ext cx="3217680" cy="3110760"/>
           </a:xfrm>
           <a:prstGeom prst="rect">
             <a:avLst/>
@@ -8049,7 +7897,7 @@
         <p:spPr>
           <a:xfrm>
             <a:off x="711360" y="2728440"/>
-            <a:ext cx="10769400" cy="700200"/>
+            <a:ext cx="10769040" cy="699840"/>
           </a:xfrm>
           <a:prstGeom prst="rect">
             <a:avLst/>
@@ -8081,10 +7929,7 @@
               <a:t>Module’s Functionality</a:t>
             </a:r>
             <a:endParaRPr b="0" lang="en-US" sz="4000" spc="-1" strike="noStrike">
-              <a:solidFill>
-                <a:srgbClr val="000000"/>
-              </a:solidFill>
-              <a:latin typeface="Verdana"/>
+              <a:latin typeface="Arial"/>
             </a:endParaRPr>
           </a:p>
         </p:txBody>
@@ -8132,7 +7977,7 @@
         <p:spPr>
           <a:xfrm>
             <a:off x="609480" y="731880"/>
-            <a:ext cx="10769400" cy="700200"/>
+            <a:ext cx="10769040" cy="699840"/>
           </a:xfrm>
           <a:prstGeom prst="rect">
             <a:avLst/>
@@ -8164,10 +8009,7 @@
               <a:t>Authentication/Authorization</a:t>
             </a:r>
             <a:endParaRPr b="0" lang="en-US" sz="4000" spc="-1" strike="noStrike">
-              <a:solidFill>
-                <a:srgbClr val="000000"/>
-              </a:solidFill>
-              <a:latin typeface="Verdana"/>
+              <a:latin typeface="Arial"/>
             </a:endParaRPr>
           </a:p>
         </p:txBody>
@@ -8185,7 +8027,7 @@
         <p:spPr>
           <a:xfrm>
             <a:off x="609480" y="1848960"/>
-            <a:ext cx="11429640" cy="4276800"/>
+            <a:ext cx="11429280" cy="4276440"/>
           </a:xfrm>
           <a:prstGeom prst="rect">
             <a:avLst/>
@@ -8220,31 +8062,10 @@
                 </a:solidFill>
                 <a:latin typeface="Times New Roman"/>
               </a:rPr>
-              <a:t>Encrypts/Decrypts/</a:t>
-            </a:r>
-            <a:r>
-              <a:rPr b="0" lang="en-IN" sz="2600" spc="-1" strike="noStrike">
-                <a:solidFill>
-                  <a:srgbClr val="000000"/>
-                </a:solidFill>
-                <a:latin typeface="Times New Roman"/>
-              </a:rPr>
-              <a:t>Validates User </a:t>
-            </a:r>
-            <a:r>
-              <a:rPr b="0" lang="en-IN" sz="2600" spc="-1" strike="noStrike">
-                <a:solidFill>
-                  <a:srgbClr val="000000"/>
-                </a:solidFill>
-                <a:latin typeface="Times New Roman"/>
-              </a:rPr>
-              <a:t>Password</a:t>
+              <a:t>Encrypts/Decrypts/Validates User Password</a:t>
             </a:r>
             <a:endParaRPr b="0" lang="en-US" sz="2600" spc="-1" strike="noStrike">
-              <a:solidFill>
-                <a:srgbClr val="000000"/>
-              </a:solidFill>
-              <a:latin typeface="Verdana"/>
+              <a:latin typeface="Arial"/>
             </a:endParaRPr>
           </a:p>
           <a:p>
@@ -8268,22 +8089,10 @@
                 </a:solidFill>
                 <a:latin typeface="Times New Roman"/>
               </a:rPr>
-              <a:t>Provides Restricted </a:t>
-            </a:r>
-            <a:r>
-              <a:rPr b="0" lang="en-IN" sz="2600" spc="-1" strike="noStrike">
-                <a:solidFill>
-                  <a:srgbClr val="000000"/>
-                </a:solidFill>
-                <a:latin typeface="Times New Roman"/>
-              </a:rPr>
-              <a:t>Authorization to :- </a:t>
+              <a:t>Provides Restricted Authorization to :- </a:t>
             </a:r>
             <a:endParaRPr b="0" lang="en-US" sz="2600" spc="-1" strike="noStrike">
-              <a:solidFill>
-                <a:srgbClr val="000000"/>
-              </a:solidFill>
-              <a:latin typeface="Verdana"/>
+              <a:latin typeface="Arial"/>
             </a:endParaRPr>
           </a:p>
           <a:p>
@@ -8316,22 +8125,10 @@
                 </a:solidFill>
                 <a:latin typeface="Times New Roman"/>
               </a:rPr>
-              <a:t>Ad</a:t>
-            </a:r>
-            <a:r>
-              <a:rPr b="0" lang="en-IN" sz="2600" spc="-1" strike="noStrike">
-                <a:solidFill>
-                  <a:srgbClr val="000000"/>
-                </a:solidFill>
-                <a:latin typeface="Times New Roman"/>
-              </a:rPr>
-              <a:t>min </a:t>
+              <a:t>Admin </a:t>
             </a:r>
             <a:endParaRPr b="0" lang="en-US" sz="2600" spc="-1" strike="noStrike">
-              <a:solidFill>
-                <a:srgbClr val="000000"/>
-              </a:solidFill>
-              <a:latin typeface="Verdana"/>
+              <a:latin typeface="Arial"/>
             </a:endParaRPr>
           </a:p>
           <a:p>
@@ -8364,22 +8161,10 @@
                 </a:solidFill>
                 <a:latin typeface="Times New Roman"/>
               </a:rPr>
-              <a:t>Man</a:t>
-            </a:r>
-            <a:r>
-              <a:rPr b="0" lang="en-IN" sz="2600" spc="-1" strike="noStrike">
-                <a:solidFill>
-                  <a:srgbClr val="000000"/>
-                </a:solidFill>
-                <a:latin typeface="Times New Roman"/>
-              </a:rPr>
-              <a:t>ager </a:t>
+              <a:t>Manager </a:t>
             </a:r>
             <a:endParaRPr b="0" lang="en-US" sz="2600" spc="-1" strike="noStrike">
-              <a:solidFill>
-                <a:srgbClr val="000000"/>
-              </a:solidFill>
-              <a:latin typeface="Verdana"/>
+              <a:latin typeface="Arial"/>
             </a:endParaRPr>
           </a:p>
           <a:p>
@@ -8412,22 +8197,10 @@
                 </a:solidFill>
                 <a:latin typeface="Times New Roman"/>
               </a:rPr>
-              <a:t>Secu</a:t>
-            </a:r>
-            <a:r>
-              <a:rPr b="0" lang="en-IN" sz="2600" spc="-1" strike="noStrike">
-                <a:solidFill>
-                  <a:srgbClr val="000000"/>
-                </a:solidFill>
-                <a:latin typeface="Times New Roman"/>
-              </a:rPr>
-              <a:t>rity</a:t>
+              <a:t>Security</a:t>
             </a:r>
             <a:endParaRPr b="0" lang="en-US" sz="2600" spc="-1" strike="noStrike">
-              <a:solidFill>
-                <a:srgbClr val="000000"/>
-              </a:solidFill>
-              <a:latin typeface="Verdana"/>
+              <a:latin typeface="Arial"/>
             </a:endParaRPr>
           </a:p>
           <a:p>
@@ -8441,10 +8214,7 @@
               <a:buNone/>
             </a:pPr>
             <a:endParaRPr b="0" lang="en-US" sz="2600" spc="-1" strike="noStrike">
-              <a:solidFill>
-                <a:srgbClr val="000000"/>
-              </a:solidFill>
-              <a:latin typeface="Verdana"/>
+              <a:latin typeface="Arial"/>
             </a:endParaRPr>
           </a:p>
         </p:txBody>
@@ -8462,7 +8232,7 @@
         <p:spPr>
           <a:xfrm>
             <a:off x="8593200" y="3463560"/>
-            <a:ext cx="2600640" cy="2600640"/>
+            <a:ext cx="2600280" cy="2600280"/>
           </a:xfrm>
           <a:prstGeom prst="rect">
             <a:avLst/>
@@ -8515,7 +8285,7 @@
         <p:spPr>
           <a:xfrm>
             <a:off x="609480" y="731880"/>
-            <a:ext cx="10769400" cy="700200"/>
+            <a:ext cx="10769040" cy="699840"/>
           </a:xfrm>
           <a:prstGeom prst="rect">
             <a:avLst/>
@@ -8547,10 +8317,7 @@
               <a:t>Admin </a:t>
             </a:r>
             <a:endParaRPr b="0" lang="en-US" sz="4000" spc="-1" strike="noStrike">
-              <a:solidFill>
-                <a:srgbClr val="000000"/>
-              </a:solidFill>
-              <a:latin typeface="Verdana"/>
+              <a:latin typeface="Arial"/>
             </a:endParaRPr>
           </a:p>
         </p:txBody>
@@ -8568,7 +8335,7 @@
         <p:spPr>
           <a:xfrm>
             <a:off x="609480" y="1696680"/>
-            <a:ext cx="11429640" cy="4429080"/>
+            <a:ext cx="11429280" cy="4428720"/>
           </a:xfrm>
           <a:prstGeom prst="rect">
             <a:avLst/>
@@ -8606,10 +8373,7 @@
               <a:t>Add Manager to the Database</a:t>
             </a:r>
             <a:endParaRPr b="0" lang="en-US" sz="2600" spc="-1" strike="noStrike">
-              <a:solidFill>
-                <a:srgbClr val="000000"/>
-              </a:solidFill>
-              <a:latin typeface="Verdana"/>
+              <a:latin typeface="Arial"/>
             </a:endParaRPr>
           </a:p>
           <a:p>
@@ -8636,10 +8400,7 @@
               <a:t>Add Security to the Database</a:t>
             </a:r>
             <a:endParaRPr b="0" lang="en-US" sz="2600" spc="-1" strike="noStrike">
-              <a:solidFill>
-                <a:srgbClr val="000000"/>
-              </a:solidFill>
-              <a:latin typeface="Verdana"/>
+              <a:latin typeface="Arial"/>
             </a:endParaRPr>
           </a:p>
           <a:p>
@@ -8666,10 +8427,7 @@
               <a:t>Add Slots to the Database</a:t>
             </a:r>
             <a:endParaRPr b="0" lang="en-US" sz="2600" spc="-1" strike="noStrike">
-              <a:solidFill>
-                <a:srgbClr val="000000"/>
-              </a:solidFill>
-              <a:latin typeface="Verdana"/>
+              <a:latin typeface="Arial"/>
             </a:endParaRPr>
           </a:p>
           <a:p>
@@ -8696,10 +8454,7 @@
               <a:t>Delete Manager from the Database</a:t>
             </a:r>
             <a:endParaRPr b="0" lang="en-US" sz="2600" spc="-1" strike="noStrike">
-              <a:solidFill>
-                <a:srgbClr val="000000"/>
-              </a:solidFill>
-              <a:latin typeface="Verdana"/>
+              <a:latin typeface="Arial"/>
             </a:endParaRPr>
           </a:p>
           <a:p>
@@ -8726,10 +8481,7 @@
               <a:t>Delete Security from the Database</a:t>
             </a:r>
             <a:endParaRPr b="0" lang="en-US" sz="2600" spc="-1" strike="noStrike">
-              <a:solidFill>
-                <a:srgbClr val="000000"/>
-              </a:solidFill>
-              <a:latin typeface="Verdana"/>
+              <a:latin typeface="Arial"/>
             </a:endParaRPr>
           </a:p>
           <a:p>
@@ -8756,10 +8508,7 @@
               <a:t>Delete Slot from the Database</a:t>
             </a:r>
             <a:endParaRPr b="0" lang="en-US" sz="2600" spc="-1" strike="noStrike">
-              <a:solidFill>
-                <a:srgbClr val="000000"/>
-              </a:solidFill>
-              <a:latin typeface="Verdana"/>
+              <a:latin typeface="Arial"/>
             </a:endParaRPr>
           </a:p>
           <a:p>
@@ -8786,10 +8535,7 @@
               <a:t>Update Slot Status for a Range </a:t>
             </a:r>
             <a:endParaRPr b="0" lang="en-US" sz="2600" spc="-1" strike="noStrike">
-              <a:solidFill>
-                <a:srgbClr val="000000"/>
-              </a:solidFill>
-              <a:latin typeface="Verdana"/>
+              <a:latin typeface="Arial"/>
             </a:endParaRPr>
           </a:p>
           <a:p>
@@ -8825,10 +8571,7 @@
               <a:t>Update Slot Status for a Single Slot</a:t>
             </a:r>
             <a:endParaRPr b="0" lang="en-US" sz="2600" spc="-1" strike="noStrike">
-              <a:solidFill>
-                <a:srgbClr val="000000"/>
-              </a:solidFill>
-              <a:latin typeface="Verdana"/>
+              <a:latin typeface="Arial"/>
             </a:endParaRPr>
           </a:p>
         </p:txBody>
@@ -8846,7 +8589,7 @@
         <p:spPr>
           <a:xfrm>
             <a:off x="8501760" y="2136960"/>
-            <a:ext cx="2877120" cy="3548520"/>
+            <a:ext cx="2876760" cy="3548160"/>
           </a:xfrm>
           <a:prstGeom prst="rect">
             <a:avLst/>
@@ -8899,7 +8642,7 @@
         <p:spPr>
           <a:xfrm>
             <a:off x="609480" y="731880"/>
-            <a:ext cx="10769400" cy="700200"/>
+            <a:ext cx="10769040" cy="699840"/>
           </a:xfrm>
           <a:prstGeom prst="rect">
             <a:avLst/>
@@ -8931,10 +8674,7 @@
               <a:t>Customer</a:t>
             </a:r>
             <a:endParaRPr b="0" lang="en-US" sz="4000" spc="-1" strike="noStrike">
-              <a:solidFill>
-                <a:srgbClr val="000000"/>
-              </a:solidFill>
-              <a:latin typeface="Verdana"/>
+              <a:latin typeface="Arial"/>
             </a:endParaRPr>
           </a:p>
         </p:txBody>
@@ -8952,7 +8692,7 @@
         <p:spPr>
           <a:xfrm>
             <a:off x="609480" y="1696680"/>
-            <a:ext cx="11429640" cy="4429080"/>
+            <a:ext cx="11429280" cy="4428720"/>
           </a:xfrm>
           <a:prstGeom prst="rect">
             <a:avLst/>
@@ -8990,10 +8730,7 @@
               <a:t>Add Customer to the Database</a:t>
             </a:r>
             <a:endParaRPr b="0" lang="en-US" sz="2600" spc="-1" strike="noStrike">
-              <a:solidFill>
-                <a:srgbClr val="000000"/>
-              </a:solidFill>
-              <a:latin typeface="Verdana"/>
+              <a:latin typeface="Arial"/>
             </a:endParaRPr>
           </a:p>
           <a:p>
@@ -9020,10 +8757,7 @@
               <a:t>Get Available Slots from the Manager and Select the preferred Slot</a:t>
             </a:r>
             <a:endParaRPr b="0" lang="en-US" sz="2600" spc="-1" strike="noStrike">
-              <a:solidFill>
-                <a:srgbClr val="000000"/>
-              </a:solidFill>
-              <a:latin typeface="Verdana"/>
+              <a:latin typeface="Arial"/>
             </a:endParaRPr>
           </a:p>
           <a:p>
@@ -9050,10 +8784,7 @@
               <a:t>Get Token From the Security</a:t>
             </a:r>
             <a:endParaRPr b="0" lang="en-US" sz="2600" spc="-1" strike="noStrike">
-              <a:solidFill>
-                <a:srgbClr val="000000"/>
-              </a:solidFill>
-              <a:latin typeface="Verdana"/>
+              <a:latin typeface="Arial"/>
             </a:endParaRPr>
           </a:p>
         </p:txBody>
@@ -9071,7 +8802,7 @@
         <p:spPr>
           <a:xfrm>
             <a:off x="8188200" y="2996280"/>
-            <a:ext cx="3393720" cy="3393720"/>
+            <a:ext cx="3393360" cy="3393360"/>
           </a:xfrm>
           <a:prstGeom prst="rect">
             <a:avLst/>
@@ -9124,7 +8855,7 @@
         <p:spPr>
           <a:xfrm>
             <a:off x="609480" y="731880"/>
-            <a:ext cx="10769400" cy="700200"/>
+            <a:ext cx="10769040" cy="699840"/>
           </a:xfrm>
           <a:prstGeom prst="rect">
             <a:avLst/>
@@ -9156,10 +8887,7 @@
               <a:t>Manager </a:t>
             </a:r>
             <a:endParaRPr b="0" lang="en-US" sz="4000" spc="-1" strike="noStrike">
-              <a:solidFill>
-                <a:srgbClr val="000000"/>
-              </a:solidFill>
-              <a:latin typeface="Verdana"/>
+              <a:latin typeface="Arial"/>
             </a:endParaRPr>
           </a:p>
         </p:txBody>
@@ -9177,7 +8905,7 @@
         <p:spPr>
           <a:xfrm>
             <a:off x="609480" y="1696680"/>
-            <a:ext cx="11429640" cy="4429080"/>
+            <a:ext cx="11429280" cy="4428720"/>
           </a:xfrm>
           <a:prstGeom prst="rect">
             <a:avLst/>
@@ -9215,10 +8943,7 @@
               <a:t>View All Slot</a:t>
             </a:r>
             <a:endParaRPr b="0" lang="en-US" sz="2600" spc="-1" strike="noStrike">
-              <a:solidFill>
-                <a:srgbClr val="000000"/>
-              </a:solidFill>
-              <a:latin typeface="Verdana"/>
+              <a:latin typeface="Arial"/>
             </a:endParaRPr>
           </a:p>
           <a:p>
@@ -9242,13 +8967,10 @@
                 </a:solidFill>
                 <a:latin typeface="Times New Roman"/>
               </a:rPr>
-              <a:t>View Available Slot </a:t>
+              <a:t>View Available Slot</a:t>
             </a:r>
             <a:endParaRPr b="0" lang="en-US" sz="2600" spc="-1" strike="noStrike">
-              <a:solidFill>
-                <a:srgbClr val="000000"/>
-              </a:solidFill>
-              <a:latin typeface="Verdana"/>
+              <a:latin typeface="Arial"/>
             </a:endParaRPr>
           </a:p>
           <a:p>
@@ -9272,13 +8994,10 @@
                 </a:solidFill>
                 <a:latin typeface="Times New Roman"/>
               </a:rPr>
-              <a:t>View Nearest Ten Parking Slot</a:t>
+              <a:t>Generate Receipt</a:t>
             </a:r>
             <a:endParaRPr b="0" lang="en-US" sz="2600" spc="-1" strike="noStrike">
-              <a:solidFill>
-                <a:srgbClr val="000000"/>
-              </a:solidFill>
-              <a:latin typeface="Verdana"/>
+              <a:latin typeface="Arial"/>
             </a:endParaRPr>
           </a:p>
           <a:p>
@@ -9302,43 +9021,10 @@
                 </a:solidFill>
                 <a:latin typeface="Times New Roman"/>
               </a:rPr>
-              <a:t>Generate Receipt</a:t>
+              <a:t>Generate Bill and Free Parking Slot</a:t>
             </a:r>
             <a:endParaRPr b="0" lang="en-US" sz="2600" spc="-1" strike="noStrike">
-              <a:solidFill>
-                <a:srgbClr val="000000"/>
-              </a:solidFill>
-              <a:latin typeface="Verdana"/>
-            </a:endParaRPr>
-          </a:p>
-          <a:p>
-            <a:pPr marL="457200" indent="-457200">
-              <a:lnSpc>
-                <a:spcPct val="100000"/>
-              </a:lnSpc>
-              <a:spcAft>
-                <a:spcPts val="451"/>
-              </a:spcAft>
-              <a:buClr>
-                <a:srgbClr val="000000"/>
-              </a:buClr>
-              <a:buFont typeface="Arial"/>
-              <a:buChar char="•"/>
-            </a:pPr>
-            <a:r>
-              <a:rPr b="0" lang="en-IN" sz="2600" spc="-1" strike="noStrike">
-                <a:solidFill>
-                  <a:srgbClr val="000000"/>
-                </a:solidFill>
-                <a:latin typeface="Times New Roman"/>
-              </a:rPr>
-              <a:t>Generate Bill and Free Parking Slot</a:t>
-            </a:r>
-            <a:endParaRPr b="0" lang="en-US" sz="2600" spc="-1" strike="noStrike">
-              <a:solidFill>
-                <a:srgbClr val="000000"/>
-              </a:solidFill>
-              <a:latin typeface="Verdana"/>
+              <a:latin typeface="Arial"/>
             </a:endParaRPr>
           </a:p>
         </p:txBody>
@@ -9357,7 +9043,7 @@
         <p:spPr>
           <a:xfrm>
             <a:off x="8210160" y="3062160"/>
-            <a:ext cx="3168720" cy="3063600"/>
+            <a:ext cx="3168360" cy="3063240"/>
           </a:xfrm>
           <a:prstGeom prst="rect">
             <a:avLst/>

--- a/presentation.pptx
+++ b/presentation.pptx
@@ -689,7 +689,7 @@
         <p:txBody>
           <a:bodyPr/>
           <a:p>
-            <a:fld id="{2CF4B383-5460-463B-991A-3C4378D44108}" type="slidenum">
+            <a:fld id="{6A3ECE8F-EA2E-4AE5-B187-33D6667B25AB}" type="slidenum">
               <a:t>&lt;#&gt;</a:t>
             </a:fld>
           </a:p>
@@ -846,7 +846,7 @@
         <p:txBody>
           <a:bodyPr/>
           <a:p>
-            <a:fld id="{5AB1ED73-6CAC-4AD8-9A9D-93B5B2B58783}" type="slidenum">
+            <a:fld id="{CBA964F0-424D-4664-BF3B-EE4FECA38FFE}" type="slidenum">
               <a:t>&lt;#&gt;</a:t>
             </a:fld>
           </a:p>
@@ -1000,7 +1000,7 @@
         <p:txBody>
           <a:bodyPr/>
           <a:p>
-            <a:fld id="{BC6E4B13-CB02-4FFD-8126-19ECEB1EDF2C}" type="slidenum">
+            <a:fld id="{84B908B7-A13B-443A-ACD6-F94B7AA33B81}" type="slidenum">
               <a:t>&lt;#&gt;</a:t>
             </a:fld>
           </a:p>
@@ -1188,7 +1188,7 @@
         <p:txBody>
           <a:bodyPr/>
           <a:p>
-            <a:fld id="{0C795303-813B-4EED-BF5B-E4BEE2356D19}" type="slidenum">
+            <a:fld id="{61764F68-F831-474E-AC95-33BE7E431130}" type="slidenum">
               <a:t>&lt;#&gt;</a:t>
             </a:fld>
           </a:p>
@@ -1308,7 +1308,7 @@
         <p:txBody>
           <a:bodyPr/>
           <a:p>
-            <a:fld id="{0E3292C3-ECD9-4C9B-B102-C06885C60027}" type="slidenum">
+            <a:fld id="{BAE251C1-5EC9-4C07-8580-B707BF37503A}" type="slidenum">
               <a:t>&lt;#&gt;</a:t>
             </a:fld>
           </a:p>
@@ -1428,7 +1428,7 @@
         <p:txBody>
           <a:bodyPr/>
           <a:p>
-            <a:fld id="{A9C97519-7FCB-49D3-9116-9CEAD66BD93A}" type="slidenum">
+            <a:fld id="{79B496FC-6EA4-4F44-9186-D4601780D284}" type="slidenum">
               <a:t>&lt;#&gt;</a:t>
             </a:fld>
           </a:p>
@@ -1650,7 +1650,7 @@
         <p:txBody>
           <a:bodyPr/>
           <a:p>
-            <a:fld id="{5BE4F9E6-B626-403C-B487-AAE4BC39276D}" type="slidenum">
+            <a:fld id="{F681F5C1-226B-4666-BDB4-728CFED2EAB6}" type="slidenum">
               <a:t>&lt;#&gt;</a:t>
             </a:fld>
           </a:p>
@@ -1968,7 +1968,7 @@
         <p:txBody>
           <a:bodyPr/>
           <a:p>
-            <a:fld id="{4774C7D6-2FC0-45F4-83EC-9AB7FA6BBF78}" type="slidenum">
+            <a:fld id="{4112985F-73AA-40C2-A5F3-3DEC97A399BB}" type="slidenum">
               <a:t>&lt;#&gt;</a:t>
             </a:fld>
           </a:p>
@@ -2190,7 +2190,7 @@
         <p:txBody>
           <a:bodyPr/>
           <a:p>
-            <a:fld id="{BA03AACD-4A9F-49A4-8075-7AB281637323}" type="slidenum">
+            <a:fld id="{B3746D80-37D0-43CB-A9F7-92F4C1D6C792}" type="slidenum">
               <a:t>&lt;#&gt;</a:t>
             </a:fld>
           </a:p>
@@ -2378,7 +2378,7 @@
         <p:txBody>
           <a:bodyPr/>
           <a:p>
-            <a:fld id="{55BDD71B-F0C3-4E38-BA88-D53D1F233888}" type="slidenum">
+            <a:fld id="{582B1910-0834-4A97-8E32-E6503183F86C}" type="slidenum">
               <a:t>&lt;#&gt;</a:t>
             </a:fld>
           </a:p>
@@ -2634,7 +2634,7 @@
         <p:txBody>
           <a:bodyPr/>
           <a:p>
-            <a:fld id="{39EC0C0C-84F3-405F-952A-EDB1CC5E1E61}" type="slidenum">
+            <a:fld id="{2E3E28A3-4879-469A-9614-8A34FEED0C45}" type="slidenum">
               <a:t>&lt;#&gt;</a:t>
             </a:fld>
           </a:p>
@@ -2958,7 +2958,7 @@
         <p:txBody>
           <a:bodyPr/>
           <a:p>
-            <a:fld id="{31A66537-3563-4550-9E2D-3976170C2F6B}" type="slidenum">
+            <a:fld id="{AC66B115-89E5-48ED-91DC-6F221B326B69}" type="slidenum">
               <a:t>&lt;#&gt;</a:t>
             </a:fld>
           </a:p>
@@ -3844,7 +3844,7 @@
         <p:spPr>
           <a:xfrm>
             <a:off x="0" y="0"/>
-            <a:ext cx="12191400" cy="6857280"/>
+            <a:ext cx="12191040" cy="6856920"/>
           </a:xfrm>
           <a:prstGeom prst="rect">
             <a:avLst/>
@@ -3885,7 +3885,7 @@
         <p:spPr>
           <a:xfrm>
             <a:off x="11547720" y="188640"/>
-            <a:ext cx="423720" cy="459000"/>
+            <a:ext cx="423360" cy="458640"/>
           </a:xfrm>
           <a:prstGeom prst="rect">
             <a:avLst/>
@@ -3904,7 +3904,7 @@
         <p:spPr>
           <a:xfrm>
             <a:off x="0" y="0"/>
-            <a:ext cx="12191400" cy="6857280"/>
+            <a:ext cx="12191040" cy="6856920"/>
           </a:xfrm>
           <a:prstGeom prst="rect">
             <a:avLst/>
@@ -3943,8 +3943,8 @@
         </p:blipFill>
         <p:spPr>
           <a:xfrm flipH="1">
-            <a:off x="5128200" y="0"/>
-            <a:ext cx="7063920" cy="6857280"/>
+            <a:off x="5128560" y="0"/>
+            <a:ext cx="7063560" cy="6856920"/>
           </a:xfrm>
           <a:prstGeom prst="rect">
             <a:avLst/>
@@ -3967,7 +3967,7 @@
         <p:spPr>
           <a:xfrm>
             <a:off x="407880" y="6101640"/>
-            <a:ext cx="2285280" cy="509400"/>
+            <a:ext cx="2284920" cy="509040"/>
           </a:xfrm>
           <a:prstGeom prst="rect">
             <a:avLst/>
@@ -4063,19 +4063,7 @@
               <a:rPr b="0" lang="en-US" sz="3200" spc="-1" strike="noStrike">
                 <a:latin typeface="Arial"/>
               </a:rPr>
-              <a:t>Click to edit the </a:t>
-            </a:r>
-            <a:r>
-              <a:rPr b="0" lang="en-US" sz="3200" spc="-1" strike="noStrike">
-                <a:latin typeface="Arial"/>
-              </a:rPr>
-              <a:t>outline text </a:t>
-            </a:r>
-            <a:r>
-              <a:rPr b="0" lang="en-US" sz="3200" spc="-1" strike="noStrike">
-                <a:latin typeface="Arial"/>
-              </a:rPr>
-              <a:t>format</a:t>
+              <a:t>Click to edit the outline text format</a:t>
             </a:r>
             <a:endParaRPr b="0" lang="en-US" sz="3200" spc="-1" strike="noStrike">
               <a:latin typeface="Arial"/>
@@ -4097,13 +4085,7 @@
               <a:rPr b="0" lang="en-US" sz="2800" spc="-1" strike="noStrike">
                 <a:latin typeface="Arial"/>
               </a:rPr>
-              <a:t>Second Outline </a:t>
-            </a:r>
-            <a:r>
-              <a:rPr b="0" lang="en-US" sz="2800" spc="-1" strike="noStrike">
-                <a:latin typeface="Arial"/>
-              </a:rPr>
-              <a:t>Level</a:t>
+              <a:t>Second Outline Level</a:t>
             </a:r>
             <a:endParaRPr b="0" lang="en-US" sz="2800" spc="-1" strike="noStrike">
               <a:latin typeface="Arial"/>
@@ -4125,13 +4107,7 @@
               <a:rPr b="0" lang="en-US" sz="2400" spc="-1" strike="noStrike">
                 <a:latin typeface="Arial"/>
               </a:rPr>
-              <a:t>Third Outline </a:t>
-            </a:r>
-            <a:r>
-              <a:rPr b="0" lang="en-US" sz="2400" spc="-1" strike="noStrike">
-                <a:latin typeface="Arial"/>
-              </a:rPr>
-              <a:t>Level</a:t>
+              <a:t>Third Outline Level</a:t>
             </a:r>
             <a:endParaRPr b="0" lang="en-US" sz="2400" spc="-1" strike="noStrike">
               <a:latin typeface="Arial"/>
@@ -4153,13 +4129,7 @@
               <a:rPr b="0" lang="en-US" sz="2000" spc="-1" strike="noStrike">
                 <a:latin typeface="Arial"/>
               </a:rPr>
-              <a:t>Fourth Outline </a:t>
-            </a:r>
-            <a:r>
-              <a:rPr b="0" lang="en-US" sz="2000" spc="-1" strike="noStrike">
-                <a:latin typeface="Arial"/>
-              </a:rPr>
-              <a:t>Level</a:t>
+              <a:t>Fourth Outline Level</a:t>
             </a:r>
             <a:endParaRPr b="0" lang="en-US" sz="2000" spc="-1" strike="noStrike">
               <a:latin typeface="Arial"/>
@@ -4181,13 +4151,7 @@
               <a:rPr b="0" lang="en-US" sz="2000" spc="-1" strike="noStrike">
                 <a:latin typeface="Arial"/>
               </a:rPr>
-              <a:t>Fifth Outline </a:t>
-            </a:r>
-            <a:r>
-              <a:rPr b="0" lang="en-US" sz="2000" spc="-1" strike="noStrike">
-                <a:latin typeface="Arial"/>
-              </a:rPr>
-              <a:t>Level</a:t>
+              <a:t>Fifth Outline Level</a:t>
             </a:r>
             <a:endParaRPr b="0" lang="en-US" sz="2000" spc="-1" strike="noStrike">
               <a:latin typeface="Arial"/>
@@ -4209,19 +4173,7 @@
               <a:rPr b="0" lang="en-US" sz="2000" spc="-1" strike="noStrike">
                 <a:latin typeface="Arial"/>
               </a:rPr>
-              <a:t>Sixth </a:t>
-            </a:r>
-            <a:r>
-              <a:rPr b="0" lang="en-US" sz="2000" spc="-1" strike="noStrike">
-                <a:latin typeface="Arial"/>
-              </a:rPr>
-              <a:t>Outline </a:t>
-            </a:r>
-            <a:r>
-              <a:rPr b="0" lang="en-US" sz="2000" spc="-1" strike="noStrike">
-                <a:latin typeface="Arial"/>
-              </a:rPr>
-              <a:t>Level</a:t>
+              <a:t>Sixth Outline Level</a:t>
             </a:r>
             <a:endParaRPr b="0" lang="en-US" sz="2000" spc="-1" strike="noStrike">
               <a:latin typeface="Arial"/>
@@ -4243,37 +4195,7 @@
               <a:rPr b="0" lang="en-US" sz="2000" spc="-1" strike="noStrike">
                 <a:latin typeface="Arial"/>
               </a:rPr>
-              <a:t>Sev</a:t>
-            </a:r>
-            <a:r>
-              <a:rPr b="0" lang="en-US" sz="2000" spc="-1" strike="noStrike">
-                <a:latin typeface="Arial"/>
-              </a:rPr>
-              <a:t>enth </a:t>
-            </a:r>
-            <a:r>
-              <a:rPr b="0" lang="en-US" sz="2000" spc="-1" strike="noStrike">
-                <a:latin typeface="Arial"/>
-              </a:rPr>
-              <a:t>Outli</a:t>
-            </a:r>
-            <a:r>
-              <a:rPr b="0" lang="en-US" sz="2000" spc="-1" strike="noStrike">
-                <a:latin typeface="Arial"/>
-              </a:rPr>
-              <a:t>ne </a:t>
-            </a:r>
-            <a:r>
-              <a:rPr b="0" lang="en-US" sz="2000" spc="-1" strike="noStrike">
-                <a:latin typeface="Arial"/>
-              </a:rPr>
-              <a:t>Lev</a:t>
-            </a:r>
-            <a:r>
-              <a:rPr b="0" lang="en-US" sz="2000" spc="-1" strike="noStrike">
-                <a:latin typeface="Arial"/>
-              </a:rPr>
-              <a:t>el</a:t>
+              <a:t>Seventh Outline Level</a:t>
             </a:r>
             <a:endParaRPr b="0" lang="en-US" sz="2000" spc="-1" strike="noStrike">
               <a:latin typeface="Arial"/>
@@ -4334,7 +4256,7 @@
         <p:spPr>
           <a:xfrm>
             <a:off x="0" y="0"/>
-            <a:ext cx="12191400" cy="6857280"/>
+            <a:ext cx="12191040" cy="6856920"/>
           </a:xfrm>
           <a:prstGeom prst="rect">
             <a:avLst/>
@@ -4375,7 +4297,7 @@
         <p:spPr>
           <a:xfrm>
             <a:off x="11547720" y="188640"/>
-            <a:ext cx="423720" cy="459000"/>
+            <a:ext cx="423360" cy="458640"/>
           </a:xfrm>
           <a:prstGeom prst="rect">
             <a:avLst/>
@@ -4398,7 +4320,7 @@
         <p:spPr>
           <a:xfrm>
             <a:off x="4165560" y="6356520"/>
-            <a:ext cx="3859920" cy="364320"/>
+            <a:ext cx="3859560" cy="363960"/>
           </a:xfrm>
           <a:prstGeom prst="rect">
             <a:avLst/>
@@ -4455,7 +4377,7 @@
         <p:spPr>
           <a:xfrm>
             <a:off x="8737560" y="6356520"/>
-            <a:ext cx="2844000" cy="364320"/>
+            <a:ext cx="2843640" cy="363960"/>
           </a:xfrm>
           <a:prstGeom prst="rect">
             <a:avLst/>
@@ -4490,7 +4412,7 @@
               </a:lnSpc>
               <a:buNone/>
             </a:pPr>
-            <a:fld id="{1E44AF2D-55E5-4612-91E3-25AC8E9D8D48}" type="slidenum">
+            <a:fld id="{46593D77-2A6E-4D97-961A-6C8F737F6A67}" type="slidenum">
               <a:rPr b="0" lang="en-IN" sz="1800" spc="-1" strike="noStrike">
                 <a:solidFill>
                   <a:srgbClr val="000000"/>
@@ -4518,7 +4440,7 @@
         <p:spPr>
           <a:xfrm>
             <a:off x="609480" y="6356520"/>
-            <a:ext cx="2844000" cy="364320"/>
+            <a:ext cx="2843640" cy="363960"/>
           </a:xfrm>
           <a:prstGeom prst="rect">
             <a:avLst/>
@@ -4828,7 +4750,7 @@
         <p:spPr>
           <a:xfrm>
             <a:off x="402840" y="1277280"/>
-            <a:ext cx="7918560" cy="4974120"/>
+            <a:ext cx="7918200" cy="4973760"/>
           </a:xfrm>
           <a:prstGeom prst="rect">
             <a:avLst/>
@@ -4874,7 +4796,7 @@
         <p:spPr>
           <a:xfrm>
             <a:off x="402840" y="3926160"/>
-            <a:ext cx="3212280" cy="364320"/>
+            <a:ext cx="3211920" cy="363960"/>
           </a:xfrm>
           <a:prstGeom prst="rect">
             <a:avLst/>
@@ -4960,7 +4882,7 @@
         <p:spPr>
           <a:xfrm>
             <a:off x="609480" y="731880"/>
-            <a:ext cx="10769040" cy="699840"/>
+            <a:ext cx="10768680" cy="699480"/>
           </a:xfrm>
           <a:prstGeom prst="rect">
             <a:avLst/>
@@ -5010,7 +4932,7 @@
         <p:spPr>
           <a:xfrm>
             <a:off x="609480" y="1696680"/>
-            <a:ext cx="11429280" cy="4428720"/>
+            <a:ext cx="11428920" cy="4428360"/>
           </a:xfrm>
           <a:prstGeom prst="rect">
             <a:avLst/>
@@ -5137,7 +5059,7 @@
         <p:spPr>
           <a:xfrm>
             <a:off x="8064360" y="3075480"/>
-            <a:ext cx="3314160" cy="3314160"/>
+            <a:ext cx="3313800" cy="3313800"/>
           </a:xfrm>
           <a:prstGeom prst="rect">
             <a:avLst/>
@@ -5190,7 +5112,7 @@
         <p:spPr>
           <a:xfrm>
             <a:off x="406440" y="789120"/>
-            <a:ext cx="10972080" cy="1201680"/>
+            <a:ext cx="10971720" cy="1201320"/>
           </a:xfrm>
           <a:prstGeom prst="rect">
             <a:avLst/>
@@ -5254,7 +5176,7 @@
         <p:spPr>
           <a:xfrm>
             <a:off x="4792320" y="144000"/>
-            <a:ext cx="5595840" cy="6569280"/>
+            <a:ext cx="5595480" cy="6568920"/>
           </a:xfrm>
           <a:prstGeom prst="rect">
             <a:avLst/>
@@ -5307,7 +5229,7 @@
         <p:spPr>
           <a:xfrm>
             <a:off x="406440" y="789120"/>
-            <a:ext cx="10972080" cy="1201680"/>
+            <a:ext cx="10971720" cy="1201320"/>
           </a:xfrm>
           <a:prstGeom prst="rect">
             <a:avLst/>
@@ -5370,7 +5292,7 @@
         <p:spPr>
           <a:xfrm>
             <a:off x="4880520" y="155880"/>
-            <a:ext cx="6378120" cy="6508800"/>
+            <a:ext cx="6377760" cy="6508440"/>
           </a:xfrm>
           <a:prstGeom prst="rect">
             <a:avLst/>
@@ -5423,7 +5345,7 @@
         <p:spPr>
           <a:xfrm>
             <a:off x="197640" y="792360"/>
-            <a:ext cx="10514880" cy="1380960"/>
+            <a:ext cx="10514520" cy="1380600"/>
           </a:xfrm>
           <a:prstGeom prst="rect">
             <a:avLst/>
@@ -5473,7 +5395,7 @@
         <p:spPr>
           <a:xfrm>
             <a:off x="528480" y="1817280"/>
-            <a:ext cx="10972080" cy="4152600"/>
+            <a:ext cx="10971720" cy="4152240"/>
           </a:xfrm>
           <a:prstGeom prst="rect">
             <a:avLst/>
@@ -5526,7 +5448,7 @@
         <p:spPr>
           <a:xfrm>
             <a:off x="396360" y="799200"/>
-            <a:ext cx="2945520" cy="3467520"/>
+            <a:ext cx="2945160" cy="3467160"/>
           </a:xfrm>
           <a:prstGeom prst="rect">
             <a:avLst/>
@@ -5577,7 +5499,7 @@
         <p:spPr>
           <a:xfrm>
             <a:off x="2985840" y="367920"/>
-            <a:ext cx="7718400" cy="6308640"/>
+            <a:ext cx="7718040" cy="6308280"/>
           </a:xfrm>
           <a:prstGeom prst="rect">
             <a:avLst/>
@@ -5630,7 +5552,7 @@
         <p:spPr>
           <a:xfrm>
             <a:off x="315000" y="789120"/>
-            <a:ext cx="10972080" cy="988200"/>
+            <a:ext cx="10971720" cy="987840"/>
           </a:xfrm>
           <a:prstGeom prst="rect">
             <a:avLst/>
@@ -5680,7 +5602,7 @@
         <p:spPr>
           <a:xfrm>
             <a:off x="1594440" y="1778040"/>
-            <a:ext cx="3576600" cy="4744440"/>
+            <a:ext cx="3576240" cy="4744080"/>
           </a:xfrm>
           <a:prstGeom prst="rect">
             <a:avLst/>
@@ -5881,7 +5803,7 @@
         <p:spPr>
           <a:xfrm>
             <a:off x="6024240" y="1778040"/>
-            <a:ext cx="3576600" cy="3653640"/>
+            <a:ext cx="3576240" cy="3653640"/>
           </a:xfrm>
           <a:prstGeom prst="rect">
             <a:avLst/>
@@ -6140,8 +6062,8 @@
         </p:blipFill>
         <p:spPr>
           <a:xfrm flipH="1">
-            <a:off x="8228880" y="3443760"/>
-            <a:ext cx="3963240" cy="3271320"/>
+            <a:off x="8229240" y="3443760"/>
+            <a:ext cx="3962880" cy="3270960"/>
           </a:xfrm>
           <a:prstGeom prst="rect">
             <a:avLst/>
@@ -6194,7 +6116,7 @@
         <p:spPr>
           <a:xfrm>
             <a:off x="406440" y="260640"/>
-            <a:ext cx="10972080" cy="411480"/>
+            <a:ext cx="10971720" cy="411120"/>
           </a:xfrm>
           <a:prstGeom prst="rect">
             <a:avLst/>
@@ -6238,13 +6160,13 @@
         </p:nvPicPr>
         <p:blipFill>
           <a:blip r:embed="rId1"/>
-          <a:srcRect l="16072" t="0" r="16787" b="0"/>
+          <a:srcRect l="16069" t="0" r="16784" b="0"/>
           <a:stretch/>
         </p:blipFill>
         <p:spPr>
           <a:xfrm>
             <a:off x="7086960" y="1600200"/>
-            <a:ext cx="4571640" cy="4114080"/>
+            <a:ext cx="4571280" cy="4113720"/>
           </a:xfrm>
           <a:prstGeom prst="rect">
             <a:avLst/>
@@ -6262,8 +6184,8 @@
         </p:nvSpPr>
         <p:spPr>
           <a:xfrm flipH="1">
-            <a:off x="457200" y="1702800"/>
-            <a:ext cx="5775120" cy="3326400"/>
+            <a:off x="456480" y="1702800"/>
+            <a:ext cx="5774760" cy="3568320"/>
           </a:xfrm>
           <a:prstGeom prst="rect">
             <a:avLst/>
@@ -6304,15 +6226,12 @@
                   <a:srgbClr val="000000"/>
                 </a:solidFill>
                 <a:latin typeface="Times New Roman"/>
+                <a:ea typeface="DejaVu Sans"/>
               </a:rPr>
               <a:t>Created Amazon EC2 instance</a:t>
             </a:r>
             <a:endParaRPr b="0" lang="en-US" sz="2600" spc="-1" strike="noStrike">
-              <a:solidFill>
-                <a:srgbClr val="000000"/>
-              </a:solidFill>
-              <a:latin typeface="Times New Roman"/>
-              <a:ea typeface="Nimbus Sans"/>
+              <a:latin typeface="Arial"/>
             </a:endParaRPr>
           </a:p>
           <a:p>
@@ -6336,15 +6255,12 @@
                   <a:srgbClr val="000000"/>
                 </a:solidFill>
                 <a:latin typeface="Times New Roman"/>
+                <a:ea typeface="DejaVu Sans"/>
               </a:rPr>
               <a:t>Installed required softwares</a:t>
             </a:r>
             <a:endParaRPr b="0" lang="en-US" sz="2600" spc="-1" strike="noStrike">
-              <a:solidFill>
-                <a:srgbClr val="000000"/>
-              </a:solidFill>
-              <a:latin typeface="Times New Roman"/>
-              <a:ea typeface="Nimbus Sans"/>
+              <a:latin typeface="Arial"/>
             </a:endParaRPr>
           </a:p>
           <a:p>
@@ -6368,15 +6284,12 @@
                   <a:srgbClr val="000000"/>
                 </a:solidFill>
                 <a:latin typeface="Times New Roman"/>
+                <a:ea typeface="DejaVu Sans"/>
               </a:rPr>
               <a:t>Cloned project repo from github</a:t>
             </a:r>
             <a:endParaRPr b="0" lang="en-US" sz="2600" spc="-1" strike="noStrike">
-              <a:solidFill>
-                <a:srgbClr val="000000"/>
-              </a:solidFill>
-              <a:latin typeface="Times New Roman"/>
-              <a:ea typeface="Nimbus Sans"/>
+              <a:latin typeface="Arial"/>
             </a:endParaRPr>
           </a:p>
           <a:p>
@@ -6400,19 +6313,19 @@
                   <a:srgbClr val="000000"/>
                 </a:solidFill>
                 <a:latin typeface="Times New Roman"/>
+                <a:ea typeface="DejaVu Sans"/>
               </a:rPr>
               <a:t>Created Dockerfile for the project</a:t>
             </a:r>
             <a:endParaRPr b="0" lang="en-US" sz="2600" spc="-1" strike="noStrike">
-              <a:solidFill>
-                <a:srgbClr val="000000"/>
-              </a:solidFill>
-              <a:latin typeface="Times New Roman"/>
-              <a:ea typeface="Nimbus Sans"/>
+              <a:latin typeface="Arial"/>
             </a:endParaRPr>
           </a:p>
           <a:p>
             <a:pPr marL="216000" indent="-216000">
+              <a:lnSpc>
+                <a:spcPct val="100000"/>
+              </a:lnSpc>
               <a:spcAft>
                 <a:spcPts val="451"/>
               </a:spcAft>
@@ -6429,19 +6342,19 @@
                   <a:srgbClr val="000000"/>
                 </a:solidFill>
                 <a:latin typeface="Times New Roman"/>
+                <a:ea typeface="DejaVu Sans"/>
               </a:rPr>
               <a:t>Created docker-compose file to build and </a:t>
             </a:r>
             <a:endParaRPr b="0" lang="en-US" sz="2600" spc="-1" strike="noStrike">
-              <a:solidFill>
-                <a:srgbClr val="000000"/>
-              </a:solidFill>
-              <a:latin typeface="Times New Roman"/>
-              <a:ea typeface="Nimbus Sans"/>
+              <a:latin typeface="Arial"/>
             </a:endParaRPr>
           </a:p>
           <a:p>
             <a:pPr marL="216000" indent="-216000">
+              <a:lnSpc>
+                <a:spcPct val="100000"/>
+              </a:lnSpc>
               <a:spcAft>
                 <a:spcPts val="451"/>
               </a:spcAft>
@@ -6458,15 +6371,12 @@
                   <a:srgbClr val="000000"/>
                 </a:solidFill>
                 <a:latin typeface="Times New Roman"/>
+                <a:ea typeface="DejaVu Sans"/>
               </a:rPr>
               <a:t>deployed postgres and Application image.</a:t>
             </a:r>
             <a:endParaRPr b="0" lang="en-US" sz="2600" spc="-1" strike="noStrike">
-              <a:solidFill>
-                <a:srgbClr val="000000"/>
-              </a:solidFill>
-              <a:latin typeface="Times New Roman"/>
-              <a:ea typeface="Nimbus Sans"/>
+              <a:latin typeface="Arial"/>
             </a:endParaRPr>
           </a:p>
           <a:p>
@@ -6480,11 +6390,7 @@
               <a:buNone/>
             </a:pPr>
             <a:endParaRPr b="0" lang="en-US" sz="2600" spc="-1" strike="noStrike">
-              <a:solidFill>
-                <a:srgbClr val="000000"/>
-              </a:solidFill>
-              <a:latin typeface="Times New Roman"/>
-              <a:ea typeface="Nimbus Sans"/>
+              <a:latin typeface="Arial"/>
             </a:endParaRPr>
           </a:p>
           <a:p>
@@ -6498,11 +6404,7 @@
               <a:buNone/>
             </a:pPr>
             <a:endParaRPr b="0" lang="en-US" sz="2600" spc="-1" strike="noStrike">
-              <a:solidFill>
-                <a:srgbClr val="000000"/>
-              </a:solidFill>
-              <a:latin typeface="Times New Roman"/>
-              <a:ea typeface="Nimbus Sans"/>
+              <a:latin typeface="Arial"/>
             </a:endParaRPr>
           </a:p>
         </p:txBody>
@@ -6550,7 +6452,7 @@
         <p:spPr>
           <a:xfrm>
             <a:off x="406440" y="260640"/>
-            <a:ext cx="10972080" cy="411480"/>
+            <a:ext cx="10971720" cy="411120"/>
           </a:xfrm>
           <a:prstGeom prst="rect">
             <a:avLst/>
@@ -6595,7 +6497,7 @@
         <p:spPr>
           <a:xfrm>
             <a:off x="515880" y="1474200"/>
-            <a:ext cx="5199120" cy="3326400"/>
+            <a:ext cx="5198760" cy="3568320"/>
           </a:xfrm>
           <a:prstGeom prst="rect">
             <a:avLst/>
@@ -6617,6 +6519,9 @@
           </a:bodyPr>
           <a:p>
             <a:pPr marL="216000" indent="-216000">
+              <a:lnSpc>
+                <a:spcPct val="100000"/>
+              </a:lnSpc>
               <a:spcAft>
                 <a:spcPts val="451"/>
               </a:spcAft>
@@ -6633,19 +6538,19 @@
                   <a:srgbClr val="000000"/>
                 </a:solidFill>
                 <a:latin typeface="Times New Roman"/>
+                <a:ea typeface="DejaVu Sans"/>
               </a:rPr>
               <a:t>Created Amazon EC2 instance</a:t>
             </a:r>
             <a:endParaRPr b="0" lang="en-US" sz="2600" spc="-1" strike="noStrike">
-              <a:solidFill>
-                <a:srgbClr val="000000"/>
-              </a:solidFill>
-              <a:latin typeface="Times New Roman"/>
-              <a:ea typeface="Nimbus Sans"/>
+              <a:latin typeface="Arial"/>
             </a:endParaRPr>
           </a:p>
           <a:p>
             <a:pPr marL="216000" indent="-216000">
+              <a:lnSpc>
+                <a:spcPct val="100000"/>
+              </a:lnSpc>
               <a:spcAft>
                 <a:spcPts val="451"/>
               </a:spcAft>
@@ -6662,19 +6567,19 @@
                   <a:srgbClr val="000000"/>
                 </a:solidFill>
                 <a:latin typeface="Times New Roman"/>
+                <a:ea typeface="DejaVu Sans"/>
               </a:rPr>
               <a:t>Installed required softwares</a:t>
             </a:r>
             <a:endParaRPr b="0" lang="en-US" sz="2600" spc="-1" strike="noStrike">
-              <a:solidFill>
-                <a:srgbClr val="000000"/>
-              </a:solidFill>
-              <a:latin typeface="Times New Roman"/>
-              <a:ea typeface="Nimbus Sans"/>
+              <a:latin typeface="Arial"/>
             </a:endParaRPr>
           </a:p>
           <a:p>
             <a:pPr marL="216000" indent="-216000">
+              <a:lnSpc>
+                <a:spcPct val="100000"/>
+              </a:lnSpc>
               <a:spcAft>
                 <a:spcPts val="451"/>
               </a:spcAft>
@@ -6691,19 +6596,19 @@
                   <a:srgbClr val="000000"/>
                 </a:solidFill>
                 <a:latin typeface="Times New Roman"/>
+                <a:ea typeface="DejaVu Sans"/>
               </a:rPr>
               <a:t>Cloned project repo from github</a:t>
             </a:r>
             <a:endParaRPr b="0" lang="en-US" sz="2600" spc="-1" strike="noStrike">
-              <a:solidFill>
-                <a:srgbClr val="000000"/>
-              </a:solidFill>
-              <a:latin typeface="Times New Roman"/>
-              <a:ea typeface="Nimbus Sans"/>
+              <a:latin typeface="Arial"/>
             </a:endParaRPr>
           </a:p>
           <a:p>
             <a:pPr marL="216000" indent="-216000">
+              <a:lnSpc>
+                <a:spcPct val="100000"/>
+              </a:lnSpc>
               <a:spcAft>
                 <a:spcPts val="451"/>
               </a:spcAft>
@@ -6720,19 +6625,19 @@
                   <a:srgbClr val="000000"/>
                 </a:solidFill>
                 <a:latin typeface="Times New Roman"/>
+                <a:ea typeface="DejaVu Sans"/>
               </a:rPr>
               <a:t>Build docker image of application</a:t>
             </a:r>
             <a:endParaRPr b="0" lang="en-US" sz="2600" spc="-1" strike="noStrike">
-              <a:solidFill>
-                <a:srgbClr val="000000"/>
-              </a:solidFill>
-              <a:latin typeface="Times New Roman"/>
-              <a:ea typeface="Nimbus Sans"/>
+              <a:latin typeface="Arial"/>
             </a:endParaRPr>
           </a:p>
           <a:p>
             <a:pPr marL="216000" indent="-216000">
+              <a:lnSpc>
+                <a:spcPct val="100000"/>
+              </a:lnSpc>
               <a:spcAft>
                 <a:spcPts val="451"/>
               </a:spcAft>
@@ -6749,19 +6654,19 @@
                   <a:srgbClr val="000000"/>
                 </a:solidFill>
                 <a:latin typeface="Times New Roman"/>
+                <a:ea typeface="DejaVu Sans"/>
               </a:rPr>
               <a:t>Pushed on Dockerhub</a:t>
             </a:r>
             <a:endParaRPr b="0" lang="en-US" sz="2600" spc="-1" strike="noStrike">
-              <a:solidFill>
-                <a:srgbClr val="000000"/>
-              </a:solidFill>
-              <a:latin typeface="Times New Roman"/>
-              <a:ea typeface="Nimbus Sans"/>
+              <a:latin typeface="Arial"/>
             </a:endParaRPr>
           </a:p>
           <a:p>
             <a:pPr marL="216000" indent="-216000">
+              <a:lnSpc>
+                <a:spcPct val="100000"/>
+              </a:lnSpc>
               <a:spcAft>
                 <a:spcPts val="451"/>
               </a:spcAft>
@@ -6778,19 +6683,19 @@
                   <a:srgbClr val="000000"/>
                 </a:solidFill>
                 <a:latin typeface="Times New Roman"/>
+                <a:ea typeface="DejaVu Sans"/>
               </a:rPr>
               <a:t>Created deployment and service files.</a:t>
             </a:r>
             <a:endParaRPr b="0" lang="en-US" sz="2600" spc="-1" strike="noStrike">
-              <a:solidFill>
-                <a:srgbClr val="000000"/>
-              </a:solidFill>
-              <a:latin typeface="Times New Roman"/>
-              <a:ea typeface="Nimbus Sans"/>
+              <a:latin typeface="Arial"/>
             </a:endParaRPr>
           </a:p>
           <a:p>
             <a:pPr marL="216000" indent="-216000">
+              <a:lnSpc>
+                <a:spcPct val="100000"/>
+              </a:lnSpc>
               <a:spcAft>
                 <a:spcPts val="451"/>
               </a:spcAft>
@@ -6807,15 +6712,12 @@
                   <a:srgbClr val="000000"/>
                 </a:solidFill>
                 <a:latin typeface="Times New Roman"/>
+                <a:ea typeface="DejaVu Sans"/>
               </a:rPr>
               <a:t>Deployed application using kubectl</a:t>
             </a:r>
             <a:endParaRPr b="0" lang="en-US" sz="2600" spc="-1" strike="noStrike">
-              <a:solidFill>
-                <a:srgbClr val="000000"/>
-              </a:solidFill>
-              <a:latin typeface="Times New Roman"/>
-              <a:ea typeface="Nimbus Sans"/>
+              <a:latin typeface="Arial"/>
             </a:endParaRPr>
           </a:p>
           <a:p>
@@ -6829,11 +6731,7 @@
               <a:buNone/>
             </a:pPr>
             <a:endParaRPr b="0" lang="en-US" sz="2600" spc="-1" strike="noStrike">
-              <a:solidFill>
-                <a:srgbClr val="000000"/>
-              </a:solidFill>
-              <a:latin typeface="Times New Roman"/>
-              <a:ea typeface="Nimbus Sans"/>
+              <a:latin typeface="Arial"/>
             </a:endParaRPr>
           </a:p>
         </p:txBody>
@@ -6851,7 +6749,7 @@
         <p:spPr>
           <a:xfrm>
             <a:off x="7086600" y="2249640"/>
-            <a:ext cx="4343040" cy="2207520"/>
+            <a:ext cx="4342680" cy="2207160"/>
           </a:xfrm>
           <a:prstGeom prst="rect">
             <a:avLst/>
@@ -6904,7 +6802,7 @@
         <p:spPr>
           <a:xfrm>
             <a:off x="406440" y="260640"/>
-            <a:ext cx="10972080" cy="552240"/>
+            <a:ext cx="10971720" cy="551880"/>
           </a:xfrm>
           <a:prstGeom prst="rect">
             <a:avLst/>
@@ -6971,7 +6869,7 @@
         <p:spPr>
           <a:xfrm>
             <a:off x="416520" y="2440080"/>
-            <a:ext cx="10972080" cy="988200"/>
+            <a:ext cx="10971720" cy="987840"/>
           </a:xfrm>
           <a:prstGeom prst="rect">
             <a:avLst/>
@@ -7051,7 +6949,7 @@
         <p:spPr>
           <a:xfrm>
             <a:off x="406440" y="731880"/>
-            <a:ext cx="10972080" cy="1065600"/>
+            <a:ext cx="10971720" cy="1065240"/>
           </a:xfrm>
           <a:prstGeom prst="rect">
             <a:avLst/>
@@ -7101,7 +6999,7 @@
         <p:spPr>
           <a:xfrm>
             <a:off x="609480" y="1686600"/>
-            <a:ext cx="10972080" cy="4438800"/>
+            <a:ext cx="10971720" cy="4438440"/>
           </a:xfrm>
           <a:prstGeom prst="rect">
             <a:avLst/>
@@ -7265,7 +7163,7 @@
         <p:spPr>
           <a:xfrm>
             <a:off x="4807080" y="2378160"/>
-            <a:ext cx="6571440" cy="3447360"/>
+            <a:ext cx="6571080" cy="3447000"/>
           </a:xfrm>
           <a:prstGeom prst="rect">
             <a:avLst/>
@@ -7318,7 +7216,7 @@
         <p:spPr>
           <a:xfrm>
             <a:off x="609480" y="731880"/>
-            <a:ext cx="10769040" cy="771120"/>
+            <a:ext cx="10768680" cy="770760"/>
           </a:xfrm>
           <a:prstGeom prst="rect">
             <a:avLst/>
@@ -7378,7 +7276,7 @@
         <p:spPr>
           <a:xfrm>
             <a:off x="609480" y="1706760"/>
-            <a:ext cx="10972080" cy="4418640"/>
+            <a:ext cx="10971720" cy="4418280"/>
           </a:xfrm>
           <a:prstGeom prst="rect">
             <a:avLst/>
@@ -7543,7 +7441,7 @@
         <p:spPr>
           <a:xfrm>
             <a:off x="9181440" y="3921840"/>
-            <a:ext cx="2289960" cy="2471040"/>
+            <a:ext cx="2289600" cy="2470680"/>
           </a:xfrm>
           <a:prstGeom prst="rect">
             <a:avLst/>
@@ -7596,7 +7494,7 @@
         <p:spPr>
           <a:xfrm>
             <a:off x="609480" y="731880"/>
-            <a:ext cx="10769040" cy="699840"/>
+            <a:ext cx="10768680" cy="699480"/>
           </a:xfrm>
           <a:prstGeom prst="rect">
             <a:avLst/>
@@ -7656,7 +7554,7 @@
         <p:spPr>
           <a:xfrm>
             <a:off x="609480" y="1696680"/>
-            <a:ext cx="11429280" cy="4428720"/>
+            <a:ext cx="11428920" cy="4428360"/>
           </a:xfrm>
           <a:prstGeom prst="rect">
             <a:avLst/>
@@ -7844,7 +7742,7 @@
         <p:spPr>
           <a:xfrm>
             <a:off x="8650800" y="3645000"/>
-            <a:ext cx="3217680" cy="3110760"/>
+            <a:ext cx="3217320" cy="3110400"/>
           </a:xfrm>
           <a:prstGeom prst="rect">
             <a:avLst/>
@@ -7897,7 +7795,7 @@
         <p:spPr>
           <a:xfrm>
             <a:off x="711360" y="2728440"/>
-            <a:ext cx="10769040" cy="699840"/>
+            <a:ext cx="10768680" cy="699480"/>
           </a:xfrm>
           <a:prstGeom prst="rect">
             <a:avLst/>
@@ -7977,7 +7875,7 @@
         <p:spPr>
           <a:xfrm>
             <a:off x="609480" y="731880"/>
-            <a:ext cx="10769040" cy="699840"/>
+            <a:ext cx="10768680" cy="699480"/>
           </a:xfrm>
           <a:prstGeom prst="rect">
             <a:avLst/>
@@ -8027,7 +7925,7 @@
         <p:spPr>
           <a:xfrm>
             <a:off x="609480" y="1848960"/>
-            <a:ext cx="11429280" cy="4276440"/>
+            <a:ext cx="11428920" cy="4276080"/>
           </a:xfrm>
           <a:prstGeom prst="rect">
             <a:avLst/>
@@ -8232,7 +8130,7 @@
         <p:spPr>
           <a:xfrm>
             <a:off x="8593200" y="3463560"/>
-            <a:ext cx="2600280" cy="2600280"/>
+            <a:ext cx="2599920" cy="2599920"/>
           </a:xfrm>
           <a:prstGeom prst="rect">
             <a:avLst/>
@@ -8285,7 +8183,7 @@
         <p:spPr>
           <a:xfrm>
             <a:off x="609480" y="731880"/>
-            <a:ext cx="10769040" cy="699840"/>
+            <a:ext cx="10768680" cy="699480"/>
           </a:xfrm>
           <a:prstGeom prst="rect">
             <a:avLst/>
@@ -8335,7 +8233,7 @@
         <p:spPr>
           <a:xfrm>
             <a:off x="609480" y="1696680"/>
-            <a:ext cx="11429280" cy="4428720"/>
+            <a:ext cx="11428920" cy="4428360"/>
           </a:xfrm>
           <a:prstGeom prst="rect">
             <a:avLst/>
@@ -8589,7 +8487,7 @@
         <p:spPr>
           <a:xfrm>
             <a:off x="8501760" y="2136960"/>
-            <a:ext cx="2876760" cy="3548160"/>
+            <a:ext cx="2876400" cy="3547800"/>
           </a:xfrm>
           <a:prstGeom prst="rect">
             <a:avLst/>
@@ -8642,7 +8540,7 @@
         <p:spPr>
           <a:xfrm>
             <a:off x="609480" y="731880"/>
-            <a:ext cx="10769040" cy="699840"/>
+            <a:ext cx="10768680" cy="699480"/>
           </a:xfrm>
           <a:prstGeom prst="rect">
             <a:avLst/>
@@ -8692,7 +8590,7 @@
         <p:spPr>
           <a:xfrm>
             <a:off x="609480" y="1696680"/>
-            <a:ext cx="11429280" cy="4428720"/>
+            <a:ext cx="11428920" cy="4428360"/>
           </a:xfrm>
           <a:prstGeom prst="rect">
             <a:avLst/>
@@ -8706,6 +8604,20 @@
           <a:bodyPr lIns="0" rIns="0" tIns="0" bIns="0" anchor="t">
             <a:normAutofit/>
           </a:bodyPr>
+          <a:p>
+            <a:pPr>
+              <a:lnSpc>
+                <a:spcPct val="100000"/>
+              </a:lnSpc>
+              <a:spcAft>
+                <a:spcPts val="451"/>
+              </a:spcAft>
+              <a:buNone/>
+            </a:pPr>
+            <a:endParaRPr b="0" lang="en-US" sz="3200" spc="-1" strike="noStrike">
+              <a:latin typeface="Arial"/>
+            </a:endParaRPr>
+          </a:p>
           <a:p>
             <a:pPr marL="457200" indent="-457200">
               <a:lnSpc>
@@ -8754,7 +8666,7 @@
                 </a:solidFill>
                 <a:latin typeface="Times New Roman"/>
               </a:rPr>
-              <a:t>Get Available Slots from the Manager and Select the preferred Slot</a:t>
+              <a:t>Get Token From the Security</a:t>
             </a:r>
             <a:endParaRPr b="0" lang="en-US" sz="2600" spc="-1" strike="noStrike">
               <a:latin typeface="Arial"/>
@@ -8781,7 +8693,7 @@
                 </a:solidFill>
                 <a:latin typeface="Times New Roman"/>
               </a:rPr>
-              <a:t>Get Token From the Security</a:t>
+              <a:t>Get Available Slots from the Manager and Select the preferred Slot</a:t>
             </a:r>
             <a:endParaRPr b="0" lang="en-US" sz="2600" spc="-1" strike="noStrike">
               <a:latin typeface="Arial"/>
@@ -8802,7 +8714,7 @@
         <p:spPr>
           <a:xfrm>
             <a:off x="8188200" y="2996280"/>
-            <a:ext cx="3393360" cy="3393360"/>
+            <a:ext cx="3393000" cy="3393000"/>
           </a:xfrm>
           <a:prstGeom prst="rect">
             <a:avLst/>
@@ -8855,7 +8767,7 @@
         <p:spPr>
           <a:xfrm>
             <a:off x="609480" y="731880"/>
-            <a:ext cx="10769040" cy="699840"/>
+            <a:ext cx="10768680" cy="699480"/>
           </a:xfrm>
           <a:prstGeom prst="rect">
             <a:avLst/>
@@ -8905,7 +8817,7 @@
         <p:spPr>
           <a:xfrm>
             <a:off x="609480" y="1696680"/>
-            <a:ext cx="11429280" cy="4428720"/>
+            <a:ext cx="11428920" cy="4428360"/>
           </a:xfrm>
           <a:prstGeom prst="rect">
             <a:avLst/>
@@ -9043,7 +8955,7 @@
         <p:spPr>
           <a:xfrm>
             <a:off x="8210160" y="3062160"/>
-            <a:ext cx="3168360" cy="3063240"/>
+            <a:ext cx="3168000" cy="3062880"/>
           </a:xfrm>
           <a:prstGeom prst="rect">
             <a:avLst/>
